--- a/Group_09_Presentation.pptx
+++ b/Group_09_Presentation.pptx
@@ -4,8 +4,17 @@
   <p:sldMasterIdLst>
     <p:sldMasterId id="2147483648" r:id="rId1"/>
   </p:sldMasterIdLst>
+  <p:notesMasterIdLst>
+    <p:notesMasterId r:id="rId9"/>
+  </p:notesMasterIdLst>
   <p:sldIdLst>
-    <p:sldId id="256" r:id="rId2"/>
+    <p:sldId id="392" r:id="rId2"/>
+    <p:sldId id="393" r:id="rId3"/>
+    <p:sldId id="394" r:id="rId4"/>
+    <p:sldId id="396" r:id="rId5"/>
+    <p:sldId id="397" r:id="rId6"/>
+    <p:sldId id="398" r:id="rId7"/>
+    <p:sldId id="399" r:id="rId8"/>
   </p:sldIdLst>
   <p:sldSz cx="12192000" cy="6858000"/>
   <p:notesSz cx="6858000" cy="9144000"/>
@@ -104,7 +113,446 @@
       </a:defRPr>
     </a:lvl9pPr>
   </p:defaultTextStyle>
+  <p:extLst>
+    <p:ext uri="{EFAFB233-063F-42B5-8137-9DF3F51BA10A}">
+      <p15:sldGuideLst xmlns:p15="http://schemas.microsoft.com/office/powerpoint/2012/main"/>
+    </p:ext>
+  </p:extLst>
 </p:presentation>
+</file>
+
+<file path=ppt/notesMasters/notesMaster1.xml><?xml version="1.0" encoding="utf-8"?>
+<p:notesMaster xmlns:a="http://schemas.openxmlformats.org/drawingml/2006/main" xmlns:r="http://schemas.openxmlformats.org/officeDocument/2006/relationships" xmlns:p="http://schemas.openxmlformats.org/presentationml/2006/main">
+  <p:cSld>
+    <p:bg>
+      <p:bgRef idx="1001">
+        <a:schemeClr val="bg1"/>
+      </p:bgRef>
+    </p:bg>
+    <p:spTree>
+      <p:nvGrpSpPr>
+        <p:cNvPr id="1" name=""/>
+        <p:cNvGrpSpPr/>
+        <p:nvPr/>
+      </p:nvGrpSpPr>
+      <p:grpSpPr>
+        <a:xfrm>
+          <a:off x="0" y="0"/>
+          <a:ext cx="0" cy="0"/>
+          <a:chOff x="0" y="0"/>
+          <a:chExt cx="0" cy="0"/>
+        </a:xfrm>
+      </p:grpSpPr>
+      <p:sp>
+        <p:nvSpPr>
+          <p:cNvPr id="2" name="Header Placeholder 1"/>
+          <p:cNvSpPr>
+            <a:spLocks noGrp="1"/>
+          </p:cNvSpPr>
+          <p:nvPr>
+            <p:ph type="hdr" sz="quarter"/>
+          </p:nvPr>
+        </p:nvSpPr>
+        <p:spPr>
+          <a:xfrm>
+            <a:off x="0" y="0"/>
+            <a:ext cx="2971800" cy="458788"/>
+          </a:xfrm>
+          <a:prstGeom prst="rect">
+            <a:avLst/>
+          </a:prstGeom>
+        </p:spPr>
+        <p:txBody>
+          <a:bodyPr vert="horz" lIns="91440" tIns="45720" rIns="91440" bIns="45720" rtlCol="0"/>
+          <a:lstStyle>
+            <a:lvl1pPr algn="l">
+              <a:defRPr sz="1200"/>
+            </a:lvl1pPr>
+          </a:lstStyle>
+          <a:p>
+            <a:endParaRPr lang="en-US"/>
+          </a:p>
+        </p:txBody>
+      </p:sp>
+      <p:sp>
+        <p:nvSpPr>
+          <p:cNvPr id="3" name="Date Placeholder 2"/>
+          <p:cNvSpPr>
+            <a:spLocks noGrp="1"/>
+          </p:cNvSpPr>
+          <p:nvPr>
+            <p:ph type="dt" idx="1"/>
+          </p:nvPr>
+        </p:nvSpPr>
+        <p:spPr>
+          <a:xfrm>
+            <a:off x="3884613" y="0"/>
+            <a:ext cx="2971800" cy="458788"/>
+          </a:xfrm>
+          <a:prstGeom prst="rect">
+            <a:avLst/>
+          </a:prstGeom>
+        </p:spPr>
+        <p:txBody>
+          <a:bodyPr vert="horz" lIns="91440" tIns="45720" rIns="91440" bIns="45720" rtlCol="0"/>
+          <a:lstStyle>
+            <a:lvl1pPr algn="r">
+              <a:defRPr sz="1200"/>
+            </a:lvl1pPr>
+          </a:lstStyle>
+          <a:p>
+            <a:fld id="{3867BA7F-5FFC-784C-9371-9CAF94286475}" type="datetimeFigureOut">
+              <a:rPr lang="en-US" smtClean="0"/>
+              <a:t>3/16/24</a:t>
+            </a:fld>
+            <a:endParaRPr lang="en-US"/>
+          </a:p>
+        </p:txBody>
+      </p:sp>
+      <p:sp>
+        <p:nvSpPr>
+          <p:cNvPr id="4" name="Slide Image Placeholder 3"/>
+          <p:cNvSpPr>
+            <a:spLocks noGrp="1" noRot="1" noChangeAspect="1"/>
+          </p:cNvSpPr>
+          <p:nvPr>
+            <p:ph type="sldImg" idx="2"/>
+          </p:nvPr>
+        </p:nvSpPr>
+        <p:spPr>
+          <a:xfrm>
+            <a:off x="685800" y="1143000"/>
+            <a:ext cx="5486400" cy="3086100"/>
+          </a:xfrm>
+          <a:prstGeom prst="rect">
+            <a:avLst/>
+          </a:prstGeom>
+          <a:noFill/>
+          <a:ln w="12700">
+            <a:solidFill>
+              <a:prstClr val="black"/>
+            </a:solidFill>
+          </a:ln>
+        </p:spPr>
+        <p:txBody>
+          <a:bodyPr vert="horz" lIns="91440" tIns="45720" rIns="91440" bIns="45720" rtlCol="0" anchor="ctr"/>
+          <a:lstStyle/>
+          <a:p>
+            <a:endParaRPr lang="en-US"/>
+          </a:p>
+        </p:txBody>
+      </p:sp>
+      <p:sp>
+        <p:nvSpPr>
+          <p:cNvPr id="5" name="Notes Placeholder 4"/>
+          <p:cNvSpPr>
+            <a:spLocks noGrp="1"/>
+          </p:cNvSpPr>
+          <p:nvPr>
+            <p:ph type="body" sz="quarter" idx="3"/>
+          </p:nvPr>
+        </p:nvSpPr>
+        <p:spPr>
+          <a:xfrm>
+            <a:off x="685800" y="4400550"/>
+            <a:ext cx="5486400" cy="3600450"/>
+          </a:xfrm>
+          <a:prstGeom prst="rect">
+            <a:avLst/>
+          </a:prstGeom>
+        </p:spPr>
+        <p:txBody>
+          <a:bodyPr vert="horz" lIns="91440" tIns="45720" rIns="91440" bIns="45720" rtlCol="0"/>
+          <a:lstStyle/>
+          <a:p>
+            <a:pPr lvl="0"/>
+            <a:r>
+              <a:rPr lang="en-GB"/>
+              <a:t>Click to edit Master text styles</a:t>
+            </a:r>
+          </a:p>
+          <a:p>
+            <a:pPr lvl="1"/>
+            <a:r>
+              <a:rPr lang="en-GB"/>
+              <a:t>Second level</a:t>
+            </a:r>
+          </a:p>
+          <a:p>
+            <a:pPr lvl="2"/>
+            <a:r>
+              <a:rPr lang="en-GB"/>
+              <a:t>Third level</a:t>
+            </a:r>
+          </a:p>
+          <a:p>
+            <a:pPr lvl="3"/>
+            <a:r>
+              <a:rPr lang="en-GB"/>
+              <a:t>Fourth level</a:t>
+            </a:r>
+          </a:p>
+          <a:p>
+            <a:pPr lvl="4"/>
+            <a:r>
+              <a:rPr lang="en-GB"/>
+              <a:t>Fifth level</a:t>
+            </a:r>
+            <a:endParaRPr lang="en-US"/>
+          </a:p>
+        </p:txBody>
+      </p:sp>
+      <p:sp>
+        <p:nvSpPr>
+          <p:cNvPr id="6" name="Footer Placeholder 5"/>
+          <p:cNvSpPr>
+            <a:spLocks noGrp="1"/>
+          </p:cNvSpPr>
+          <p:nvPr>
+            <p:ph type="ftr" sz="quarter" idx="4"/>
+          </p:nvPr>
+        </p:nvSpPr>
+        <p:spPr>
+          <a:xfrm>
+            <a:off x="0" y="8685213"/>
+            <a:ext cx="2971800" cy="458787"/>
+          </a:xfrm>
+          <a:prstGeom prst="rect">
+            <a:avLst/>
+          </a:prstGeom>
+        </p:spPr>
+        <p:txBody>
+          <a:bodyPr vert="horz" lIns="91440" tIns="45720" rIns="91440" bIns="45720" rtlCol="0" anchor="b"/>
+          <a:lstStyle>
+            <a:lvl1pPr algn="l">
+              <a:defRPr sz="1200"/>
+            </a:lvl1pPr>
+          </a:lstStyle>
+          <a:p>
+            <a:endParaRPr lang="en-US"/>
+          </a:p>
+        </p:txBody>
+      </p:sp>
+      <p:sp>
+        <p:nvSpPr>
+          <p:cNvPr id="7" name="Slide Number Placeholder 6"/>
+          <p:cNvSpPr>
+            <a:spLocks noGrp="1"/>
+          </p:cNvSpPr>
+          <p:nvPr>
+            <p:ph type="sldNum" sz="quarter" idx="5"/>
+          </p:nvPr>
+        </p:nvSpPr>
+        <p:spPr>
+          <a:xfrm>
+            <a:off x="3884613" y="8685213"/>
+            <a:ext cx="2971800" cy="458787"/>
+          </a:xfrm>
+          <a:prstGeom prst="rect">
+            <a:avLst/>
+          </a:prstGeom>
+        </p:spPr>
+        <p:txBody>
+          <a:bodyPr vert="horz" lIns="91440" tIns="45720" rIns="91440" bIns="45720" rtlCol="0" anchor="b"/>
+          <a:lstStyle>
+            <a:lvl1pPr algn="r">
+              <a:defRPr sz="1200"/>
+            </a:lvl1pPr>
+          </a:lstStyle>
+          <a:p>
+            <a:fld id="{728B855E-54B8-6F4E-8F57-7B46F841339E}" type="slidenum">
+              <a:rPr lang="en-US" smtClean="0"/>
+              <a:t>‹#›</a:t>
+            </a:fld>
+            <a:endParaRPr lang="en-US"/>
+          </a:p>
+        </p:txBody>
+      </p:sp>
+    </p:spTree>
+    <p:extLst>
+      <p:ext uri="{BB962C8B-B14F-4D97-AF65-F5344CB8AC3E}">
+        <p14:creationId xmlns:p14="http://schemas.microsoft.com/office/powerpoint/2010/main" val="1229854378"/>
+      </p:ext>
+    </p:extLst>
+  </p:cSld>
+  <p:clrMap bg1="lt1" tx1="dk1" bg2="lt2" tx2="dk2" accent1="accent1" accent2="accent2" accent3="accent3" accent4="accent4" accent5="accent5" accent6="accent6" hlink="hlink" folHlink="folHlink"/>
+  <p:notesStyle>
+    <a:lvl1pPr marL="0" algn="l" defTabSz="914400" rtl="0" eaLnBrk="1" latinLnBrk="0" hangingPunct="1">
+      <a:defRPr sz="1200" kern="1200">
+        <a:solidFill>
+          <a:schemeClr val="tx1"/>
+        </a:solidFill>
+        <a:latin typeface="+mn-lt"/>
+        <a:ea typeface="+mn-ea"/>
+        <a:cs typeface="+mn-cs"/>
+      </a:defRPr>
+    </a:lvl1pPr>
+    <a:lvl2pPr marL="457200" algn="l" defTabSz="914400" rtl="0" eaLnBrk="1" latinLnBrk="0" hangingPunct="1">
+      <a:defRPr sz="1200" kern="1200">
+        <a:solidFill>
+          <a:schemeClr val="tx1"/>
+        </a:solidFill>
+        <a:latin typeface="+mn-lt"/>
+        <a:ea typeface="+mn-ea"/>
+        <a:cs typeface="+mn-cs"/>
+      </a:defRPr>
+    </a:lvl2pPr>
+    <a:lvl3pPr marL="914400" algn="l" defTabSz="914400" rtl="0" eaLnBrk="1" latinLnBrk="0" hangingPunct="1">
+      <a:defRPr sz="1200" kern="1200">
+        <a:solidFill>
+          <a:schemeClr val="tx1"/>
+        </a:solidFill>
+        <a:latin typeface="+mn-lt"/>
+        <a:ea typeface="+mn-ea"/>
+        <a:cs typeface="+mn-cs"/>
+      </a:defRPr>
+    </a:lvl3pPr>
+    <a:lvl4pPr marL="1371600" algn="l" defTabSz="914400" rtl="0" eaLnBrk="1" latinLnBrk="0" hangingPunct="1">
+      <a:defRPr sz="1200" kern="1200">
+        <a:solidFill>
+          <a:schemeClr val="tx1"/>
+        </a:solidFill>
+        <a:latin typeface="+mn-lt"/>
+        <a:ea typeface="+mn-ea"/>
+        <a:cs typeface="+mn-cs"/>
+      </a:defRPr>
+    </a:lvl4pPr>
+    <a:lvl5pPr marL="1828800" algn="l" defTabSz="914400" rtl="0" eaLnBrk="1" latinLnBrk="0" hangingPunct="1">
+      <a:defRPr sz="1200" kern="1200">
+        <a:solidFill>
+          <a:schemeClr val="tx1"/>
+        </a:solidFill>
+        <a:latin typeface="+mn-lt"/>
+        <a:ea typeface="+mn-ea"/>
+        <a:cs typeface="+mn-cs"/>
+      </a:defRPr>
+    </a:lvl5pPr>
+    <a:lvl6pPr marL="2286000" algn="l" defTabSz="914400" rtl="0" eaLnBrk="1" latinLnBrk="0" hangingPunct="1">
+      <a:defRPr sz="1200" kern="1200">
+        <a:solidFill>
+          <a:schemeClr val="tx1"/>
+        </a:solidFill>
+        <a:latin typeface="+mn-lt"/>
+        <a:ea typeface="+mn-ea"/>
+        <a:cs typeface="+mn-cs"/>
+      </a:defRPr>
+    </a:lvl6pPr>
+    <a:lvl7pPr marL="2743200" algn="l" defTabSz="914400" rtl="0" eaLnBrk="1" latinLnBrk="0" hangingPunct="1">
+      <a:defRPr sz="1200" kern="1200">
+        <a:solidFill>
+          <a:schemeClr val="tx1"/>
+        </a:solidFill>
+        <a:latin typeface="+mn-lt"/>
+        <a:ea typeface="+mn-ea"/>
+        <a:cs typeface="+mn-cs"/>
+      </a:defRPr>
+    </a:lvl7pPr>
+    <a:lvl8pPr marL="3200400" algn="l" defTabSz="914400" rtl="0" eaLnBrk="1" latinLnBrk="0" hangingPunct="1">
+      <a:defRPr sz="1200" kern="1200">
+        <a:solidFill>
+          <a:schemeClr val="tx1"/>
+        </a:solidFill>
+        <a:latin typeface="+mn-lt"/>
+        <a:ea typeface="+mn-ea"/>
+        <a:cs typeface="+mn-cs"/>
+      </a:defRPr>
+    </a:lvl8pPr>
+    <a:lvl9pPr marL="3657600" algn="l" defTabSz="914400" rtl="0" eaLnBrk="1" latinLnBrk="0" hangingPunct="1">
+      <a:defRPr sz="1200" kern="1200">
+        <a:solidFill>
+          <a:schemeClr val="tx1"/>
+        </a:solidFill>
+        <a:latin typeface="+mn-lt"/>
+        <a:ea typeface="+mn-ea"/>
+        <a:cs typeface="+mn-cs"/>
+      </a:defRPr>
+    </a:lvl9pPr>
+  </p:notesStyle>
+</p:notesMaster>
+</file>
+
+<file path=ppt/notesSlides/notesSlide1.xml><?xml version="1.0" encoding="utf-8"?>
+<p:notes xmlns:a="http://schemas.openxmlformats.org/drawingml/2006/main" xmlns:r="http://schemas.openxmlformats.org/officeDocument/2006/relationships" xmlns:p="http://schemas.openxmlformats.org/presentationml/2006/main">
+  <p:cSld>
+    <p:spTree>
+      <p:nvGrpSpPr>
+        <p:cNvPr id="1" name=""/>
+        <p:cNvGrpSpPr/>
+        <p:nvPr/>
+      </p:nvGrpSpPr>
+      <p:grpSpPr>
+        <a:xfrm>
+          <a:off x="0" y="0"/>
+          <a:ext cx="0" cy="0"/>
+          <a:chOff x="0" y="0"/>
+          <a:chExt cx="0" cy="0"/>
+        </a:xfrm>
+      </p:grpSpPr>
+      <p:sp>
+        <p:nvSpPr>
+          <p:cNvPr id="2" name="Slide Image Placeholder 1"/>
+          <p:cNvSpPr>
+            <a:spLocks noGrp="1" noRot="1" noChangeAspect="1"/>
+          </p:cNvSpPr>
+          <p:nvPr>
+            <p:ph type="sldImg"/>
+          </p:nvPr>
+        </p:nvSpPr>
+        <p:spPr/>
+      </p:sp>
+      <p:sp>
+        <p:nvSpPr>
+          <p:cNvPr id="3" name="Notes Placeholder 2"/>
+          <p:cNvSpPr>
+            <a:spLocks noGrp="1"/>
+          </p:cNvSpPr>
+          <p:nvPr>
+            <p:ph type="body" idx="1"/>
+          </p:nvPr>
+        </p:nvSpPr>
+        <p:spPr/>
+        <p:txBody>
+          <a:bodyPr/>
+          <a:lstStyle/>
+          <a:p>
+            <a:endParaRPr lang="en-US" dirty="0"/>
+          </a:p>
+        </p:txBody>
+      </p:sp>
+      <p:sp>
+        <p:nvSpPr>
+          <p:cNvPr id="4" name="Slide Number Placeholder 3"/>
+          <p:cNvSpPr>
+            <a:spLocks noGrp="1"/>
+          </p:cNvSpPr>
+          <p:nvPr>
+            <p:ph type="sldNum" sz="quarter" idx="10"/>
+          </p:nvPr>
+        </p:nvSpPr>
+        <p:spPr/>
+        <p:txBody>
+          <a:bodyPr/>
+          <a:lstStyle/>
+          <a:p>
+            <a:fld id="{34A02F00-C535-204F-B4B5-528FB2DC4FE2}" type="slidenum">
+              <a:rPr lang="en-US" smtClean="0"/>
+              <a:t>1</a:t>
+            </a:fld>
+            <a:endParaRPr lang="en-US"/>
+          </a:p>
+        </p:txBody>
+      </p:sp>
+    </p:spTree>
+    <p:extLst>
+      <p:ext uri="{BB962C8B-B14F-4D97-AF65-F5344CB8AC3E}">
+        <p14:creationId xmlns:p14="http://schemas.microsoft.com/office/powerpoint/2010/main" val="470520467"/>
+      </p:ext>
+    </p:extLst>
+  </p:cSld>
+  <p:clrMapOvr>
+    <a:masterClrMapping/>
+  </p:clrMapOvr>
+</p:notes>
 </file>
 
 <file path=ppt/slideLayouts/slideLayout1.xml><?xml version="1.0" encoding="utf-8"?>
@@ -256,7 +704,7 @@
           <a:p>
             <a:fld id="{B9DD5F9D-3347-D946-8ACC-8EE4741AB703}" type="datetimeFigureOut">
               <a:rPr lang="en-US" smtClean="0"/>
-              <a:t>3/15/24</a:t>
+              <a:t>3/16/24</a:t>
             </a:fld>
             <a:endParaRPr lang="en-US"/>
           </a:p>
@@ -456,7 +904,7 @@
           <a:p>
             <a:fld id="{B9DD5F9D-3347-D946-8ACC-8EE4741AB703}" type="datetimeFigureOut">
               <a:rPr lang="en-US" smtClean="0"/>
-              <a:t>3/15/24</a:t>
+              <a:t>3/16/24</a:t>
             </a:fld>
             <a:endParaRPr lang="en-US"/>
           </a:p>
@@ -666,7 +1114,7 @@
           <a:p>
             <a:fld id="{B9DD5F9D-3347-D946-8ACC-8EE4741AB703}" type="datetimeFigureOut">
               <a:rPr lang="en-US" smtClean="0"/>
-              <a:t>3/15/24</a:t>
+              <a:t>3/16/24</a:t>
             </a:fld>
             <a:endParaRPr lang="en-US"/>
           </a:p>
@@ -866,7 +1314,7 @@
           <a:p>
             <a:fld id="{B9DD5F9D-3347-D946-8ACC-8EE4741AB703}" type="datetimeFigureOut">
               <a:rPr lang="en-US" smtClean="0"/>
-              <a:t>3/15/24</a:t>
+              <a:t>3/16/24</a:t>
             </a:fld>
             <a:endParaRPr lang="en-US"/>
           </a:p>
@@ -1142,7 +1590,7 @@
           <a:p>
             <a:fld id="{B9DD5F9D-3347-D946-8ACC-8EE4741AB703}" type="datetimeFigureOut">
               <a:rPr lang="en-US" smtClean="0"/>
-              <a:t>3/15/24</a:t>
+              <a:t>3/16/24</a:t>
             </a:fld>
             <a:endParaRPr lang="en-US"/>
           </a:p>
@@ -1410,7 +1858,7 @@
           <a:p>
             <a:fld id="{B9DD5F9D-3347-D946-8ACC-8EE4741AB703}" type="datetimeFigureOut">
               <a:rPr lang="en-US" smtClean="0"/>
-              <a:t>3/15/24</a:t>
+              <a:t>3/16/24</a:t>
             </a:fld>
             <a:endParaRPr lang="en-US"/>
           </a:p>
@@ -1825,7 +2273,7 @@
           <a:p>
             <a:fld id="{B9DD5F9D-3347-D946-8ACC-8EE4741AB703}" type="datetimeFigureOut">
               <a:rPr lang="en-US" smtClean="0"/>
-              <a:t>3/15/24</a:t>
+              <a:t>3/16/24</a:t>
             </a:fld>
             <a:endParaRPr lang="en-US"/>
           </a:p>
@@ -1967,7 +2415,7 @@
           <a:p>
             <a:fld id="{B9DD5F9D-3347-D946-8ACC-8EE4741AB703}" type="datetimeFigureOut">
               <a:rPr lang="en-US" smtClean="0"/>
-              <a:t>3/15/24</a:t>
+              <a:t>3/16/24</a:t>
             </a:fld>
             <a:endParaRPr lang="en-US"/>
           </a:p>
@@ -2080,7 +2528,7 @@
           <a:p>
             <a:fld id="{B9DD5F9D-3347-D946-8ACC-8EE4741AB703}" type="datetimeFigureOut">
               <a:rPr lang="en-US" smtClean="0"/>
-              <a:t>3/15/24</a:t>
+              <a:t>3/16/24</a:t>
             </a:fld>
             <a:endParaRPr lang="en-US"/>
           </a:p>
@@ -2393,7 +2841,7 @@
           <a:p>
             <a:fld id="{B9DD5F9D-3347-D946-8ACC-8EE4741AB703}" type="datetimeFigureOut">
               <a:rPr lang="en-US" smtClean="0"/>
-              <a:t>3/15/24</a:t>
+              <a:t>3/16/24</a:t>
             </a:fld>
             <a:endParaRPr lang="en-US"/>
           </a:p>
@@ -2682,7 +3130,7 @@
           <a:p>
             <a:fld id="{B9DD5F9D-3347-D946-8ACC-8EE4741AB703}" type="datetimeFigureOut">
               <a:rPr lang="en-US" smtClean="0"/>
-              <a:t>3/15/24</a:t>
+              <a:t>3/16/24</a:t>
             </a:fld>
             <a:endParaRPr lang="en-US"/>
           </a:p>
@@ -2925,7 +3373,7 @@
           <a:p>
             <a:fld id="{B9DD5F9D-3347-D946-8ACC-8EE4741AB703}" type="datetimeFigureOut">
               <a:rPr lang="en-US" smtClean="0"/>
-              <a:t>3/15/24</a:t>
+              <a:t>3/16/24</a:t>
             </a:fld>
             <a:endParaRPr lang="en-US"/>
           </a:p>
@@ -3328,6 +3776,14 @@
 <file path=ppt/slides/slide1.xml><?xml version="1.0" encoding="utf-8"?>
 <p:sld xmlns:a="http://schemas.openxmlformats.org/drawingml/2006/main" xmlns:r="http://schemas.openxmlformats.org/officeDocument/2006/relationships" xmlns:p="http://schemas.openxmlformats.org/presentationml/2006/main">
   <p:cSld>
+    <p:bg>
+      <p:bgPr>
+        <a:solidFill>
+          <a:schemeClr val="bg1"/>
+        </a:solidFill>
+        <a:effectLst/>
+      </p:bgPr>
+    </p:bg>
     <p:spTree>
       <p:nvGrpSpPr>
         <p:cNvPr id="1" name=""/>
@@ -3344,58 +3800,4210 @@
       </p:grpSpPr>
       <p:sp>
         <p:nvSpPr>
-          <p:cNvPr id="2" name="Title 1">
-            <a:extLst>
-              <a:ext uri="{FF2B5EF4-FFF2-40B4-BE49-F238E27FC236}">
-                <a16:creationId xmlns:a16="http://schemas.microsoft.com/office/drawing/2014/main" id="{1F03E994-B663-8418-5187-C706A95560F1}"/>
+          <p:cNvPr id="8" name="Rectangle 7">
+            <a:extLst>
+              <a:ext uri="{FF2B5EF4-FFF2-40B4-BE49-F238E27FC236}">
+                <a16:creationId xmlns:a16="http://schemas.microsoft.com/office/drawing/2014/main" id="{42A4FC2C-047E-45A5-965D-8E1E3BF09BC6}"/>
+              </a:ext>
+              <a:ext uri="{C183D7F6-B498-43B3-948B-1728B52AA6E4}">
+                <adec:decorative xmlns:adec="http://schemas.microsoft.com/office/drawing/2017/decorative" val="1"/>
               </a:ext>
             </a:extLst>
           </p:cNvPr>
           <p:cNvSpPr>
-            <a:spLocks noGrp="1"/>
+            <a:spLocks noGrp="1" noRot="1" noChangeAspect="1" noMove="1" noResize="1" noEditPoints="1" noAdjustHandles="1" noChangeArrowheads="1" noChangeShapeType="1" noTextEdit="1"/>
           </p:cNvSpPr>
           <p:nvPr>
-            <p:ph type="ctrTitle"/>
+            <p:extLst>
+              <p:ext uri="{386F3935-93C4-4BCD-93E2-E3B085C9AB24}">
+                <p16:designElem xmlns:p16="http://schemas.microsoft.com/office/powerpoint/2015/main" val="1"/>
+              </p:ext>
+            </p:extLst>
           </p:nvPr>
         </p:nvSpPr>
-        <p:spPr/>
+        <p:spPr bwMode="white">
+          <a:xfrm>
+            <a:off x="1524" y="0"/>
+            <a:ext cx="12188952" cy="6858000"/>
+          </a:xfrm>
+          <a:prstGeom prst="rect">
+            <a:avLst/>
+          </a:prstGeom>
+          <a:noFill/>
+          <a:ln>
+            <a:noFill/>
+          </a:ln>
+        </p:spPr>
+        <p:style>
+          <a:lnRef idx="2">
+            <a:schemeClr val="accent1">
+              <a:shade val="50000"/>
+            </a:schemeClr>
+          </a:lnRef>
+          <a:fillRef idx="1">
+            <a:schemeClr val="accent1"/>
+          </a:fillRef>
+          <a:effectRef idx="0">
+            <a:schemeClr val="accent1"/>
+          </a:effectRef>
+          <a:fontRef idx="minor">
+            <a:schemeClr val="lt1"/>
+          </a:fontRef>
+        </p:style>
+        <p:txBody>
+          <a:bodyPr rtlCol="0" anchor="ctr"/>
+          <a:lstStyle>
+            <a:defPPr>
+              <a:defRPr lang="en-US"/>
+            </a:defPPr>
+            <a:lvl1pPr marL="0" algn="l" defTabSz="914400" rtl="0" eaLnBrk="1" latinLnBrk="0" hangingPunct="1">
+              <a:defRPr sz="1800" kern="1200">
+                <a:solidFill>
+                  <a:schemeClr val="lt1"/>
+                </a:solidFill>
+                <a:latin typeface="+mn-lt"/>
+                <a:ea typeface="+mn-ea"/>
+                <a:cs typeface="+mn-cs"/>
+              </a:defRPr>
+            </a:lvl1pPr>
+            <a:lvl2pPr marL="457200" algn="l" defTabSz="914400" rtl="0" eaLnBrk="1" latinLnBrk="0" hangingPunct="1">
+              <a:defRPr sz="1800" kern="1200">
+                <a:solidFill>
+                  <a:schemeClr val="lt1"/>
+                </a:solidFill>
+                <a:latin typeface="+mn-lt"/>
+                <a:ea typeface="+mn-ea"/>
+                <a:cs typeface="+mn-cs"/>
+              </a:defRPr>
+            </a:lvl2pPr>
+            <a:lvl3pPr marL="914400" algn="l" defTabSz="914400" rtl="0" eaLnBrk="1" latinLnBrk="0" hangingPunct="1">
+              <a:defRPr sz="1800" kern="1200">
+                <a:solidFill>
+                  <a:schemeClr val="lt1"/>
+                </a:solidFill>
+                <a:latin typeface="+mn-lt"/>
+                <a:ea typeface="+mn-ea"/>
+                <a:cs typeface="+mn-cs"/>
+              </a:defRPr>
+            </a:lvl3pPr>
+            <a:lvl4pPr marL="1371600" algn="l" defTabSz="914400" rtl="0" eaLnBrk="1" latinLnBrk="0" hangingPunct="1">
+              <a:defRPr sz="1800" kern="1200">
+                <a:solidFill>
+                  <a:schemeClr val="lt1"/>
+                </a:solidFill>
+                <a:latin typeface="+mn-lt"/>
+                <a:ea typeface="+mn-ea"/>
+                <a:cs typeface="+mn-cs"/>
+              </a:defRPr>
+            </a:lvl4pPr>
+            <a:lvl5pPr marL="1828800" algn="l" defTabSz="914400" rtl="0" eaLnBrk="1" latinLnBrk="0" hangingPunct="1">
+              <a:defRPr sz="1800" kern="1200">
+                <a:solidFill>
+                  <a:schemeClr val="lt1"/>
+                </a:solidFill>
+                <a:latin typeface="+mn-lt"/>
+                <a:ea typeface="+mn-ea"/>
+                <a:cs typeface="+mn-cs"/>
+              </a:defRPr>
+            </a:lvl5pPr>
+            <a:lvl6pPr marL="2286000" algn="l" defTabSz="914400" rtl="0" eaLnBrk="1" latinLnBrk="0" hangingPunct="1">
+              <a:defRPr sz="1800" kern="1200">
+                <a:solidFill>
+                  <a:schemeClr val="lt1"/>
+                </a:solidFill>
+                <a:latin typeface="+mn-lt"/>
+                <a:ea typeface="+mn-ea"/>
+                <a:cs typeface="+mn-cs"/>
+              </a:defRPr>
+            </a:lvl6pPr>
+            <a:lvl7pPr marL="2743200" algn="l" defTabSz="914400" rtl="0" eaLnBrk="1" latinLnBrk="0" hangingPunct="1">
+              <a:defRPr sz="1800" kern="1200">
+                <a:solidFill>
+                  <a:schemeClr val="lt1"/>
+                </a:solidFill>
+                <a:latin typeface="+mn-lt"/>
+                <a:ea typeface="+mn-ea"/>
+                <a:cs typeface="+mn-cs"/>
+              </a:defRPr>
+            </a:lvl7pPr>
+            <a:lvl8pPr marL="3200400" algn="l" defTabSz="914400" rtl="0" eaLnBrk="1" latinLnBrk="0" hangingPunct="1">
+              <a:defRPr sz="1800" kern="1200">
+                <a:solidFill>
+                  <a:schemeClr val="lt1"/>
+                </a:solidFill>
+                <a:latin typeface="+mn-lt"/>
+                <a:ea typeface="+mn-ea"/>
+                <a:cs typeface="+mn-cs"/>
+              </a:defRPr>
+            </a:lvl8pPr>
+            <a:lvl9pPr marL="3657600" algn="l" defTabSz="914400" rtl="0" eaLnBrk="1" latinLnBrk="0" hangingPunct="1">
+              <a:defRPr sz="1800" kern="1200">
+                <a:solidFill>
+                  <a:schemeClr val="lt1"/>
+                </a:solidFill>
+                <a:latin typeface="+mn-lt"/>
+                <a:ea typeface="+mn-ea"/>
+                <a:cs typeface="+mn-cs"/>
+              </a:defRPr>
+            </a:lvl9pPr>
+          </a:lstStyle>
+          <a:p>
+            <a:pPr algn="ctr"/>
+            <a:endParaRPr lang="en-US"/>
+          </a:p>
+        </p:txBody>
+      </p:sp>
+      <p:pic>
+        <p:nvPicPr>
+          <p:cNvPr id="3" name="Picture 2" descr="The main building at the University overlooking the West of the city">
+            <a:extLst>
+              <a:ext uri="{FF2B5EF4-FFF2-40B4-BE49-F238E27FC236}">
+                <a16:creationId xmlns:a16="http://schemas.microsoft.com/office/drawing/2014/main" id="{B62211BD-228C-41BB-5DEF-982CB33691B6}"/>
+              </a:ext>
+            </a:extLst>
+          </p:cNvPr>
+          <p:cNvPicPr>
+            <a:picLocks noChangeAspect="1"/>
+          </p:cNvPicPr>
+          <p:nvPr/>
+        </p:nvPicPr>
+        <p:blipFill rotWithShape="1">
+          <a:blip r:embed="rId3">
+            <a:extLst>
+              <a:ext uri="{28A0092B-C50C-407E-A947-70E740481C1C}">
+                <a14:useLocalDpi xmlns:a14="http://schemas.microsoft.com/office/drawing/2010/main" val="0"/>
+              </a:ext>
+            </a:extLst>
+          </a:blip>
+          <a:srcRect t="19"/>
+          <a:stretch/>
+        </p:blipFill>
+        <p:spPr>
+          <a:xfrm>
+            <a:off x="0" y="0"/>
+            <a:ext cx="12192000" cy="6858000"/>
+          </a:xfrm>
+          <a:prstGeom prst="rect">
+            <a:avLst/>
+          </a:prstGeom>
+        </p:spPr>
+      </p:pic>
+      <p:sp>
+        <p:nvSpPr>
+          <p:cNvPr id="9" name="Title 1">
+            <a:extLst>
+              <a:ext uri="{FF2B5EF4-FFF2-40B4-BE49-F238E27FC236}">
+                <a16:creationId xmlns:a16="http://schemas.microsoft.com/office/drawing/2014/main" id="{48589435-9F22-6F0E-B41A-A89A3E000F79}"/>
+              </a:ext>
+            </a:extLst>
+          </p:cNvPr>
+          <p:cNvSpPr txBox="1"/>
+          <p:nvPr/>
+        </p:nvSpPr>
+        <p:spPr>
+          <a:xfrm>
+            <a:off x="638047" y="1599039"/>
+            <a:ext cx="7098259" cy="1456979"/>
+          </a:xfrm>
+          <a:prstGeom prst="rect">
+            <a:avLst/>
+          </a:prstGeom>
+        </p:spPr>
         <p:txBody>
           <a:bodyPr/>
+          <a:lstStyle>
+            <a:lvl1pPr algn="l" rtl="0" eaLnBrk="1" fontAlgn="base" hangingPunct="1">
+              <a:lnSpc>
+                <a:spcPct val="90000"/>
+              </a:lnSpc>
+              <a:spcBef>
+                <a:spcPct val="0"/>
+              </a:spcBef>
+              <a:spcAft>
+                <a:spcPct val="0"/>
+              </a:spcAft>
+              <a:defRPr sz="2400" b="1" spc="-10" baseline="0">
+                <a:solidFill>
+                  <a:srgbClr val="002D4A"/>
+                </a:solidFill>
+                <a:latin typeface="Arial" panose="020B0604020202020204" pitchFamily="34" charset="0"/>
+                <a:ea typeface="+mj-ea"/>
+                <a:cs typeface="Times New Roman" panose="02020603050405020304"/>
+              </a:defRPr>
+            </a:lvl1pPr>
+            <a:lvl2pPr algn="l" rtl="0" eaLnBrk="1" fontAlgn="base" hangingPunct="1">
+              <a:lnSpc>
+                <a:spcPct val="90000"/>
+              </a:lnSpc>
+              <a:spcBef>
+                <a:spcPct val="0"/>
+              </a:spcBef>
+              <a:spcAft>
+                <a:spcPct val="0"/>
+              </a:spcAft>
+              <a:defRPr sz="2800" b="1">
+                <a:solidFill>
+                  <a:srgbClr val="483F6A"/>
+                </a:solidFill>
+                <a:latin typeface="Times New Roman" panose="02020603050405020304" charset="0"/>
+                <a:ea typeface="MS PGothic" panose="020B0600070205080204" charset="-128"/>
+                <a:cs typeface="Times New Roman" panose="02020603050405020304" charset="0"/>
+              </a:defRPr>
+            </a:lvl2pPr>
+            <a:lvl3pPr algn="l" rtl="0" eaLnBrk="1" fontAlgn="base" hangingPunct="1">
+              <a:lnSpc>
+                <a:spcPct val="90000"/>
+              </a:lnSpc>
+              <a:spcBef>
+                <a:spcPct val="0"/>
+              </a:spcBef>
+              <a:spcAft>
+                <a:spcPct val="0"/>
+              </a:spcAft>
+              <a:defRPr sz="2800" b="1">
+                <a:solidFill>
+                  <a:srgbClr val="483F6A"/>
+                </a:solidFill>
+                <a:latin typeface="Times New Roman" panose="02020603050405020304" charset="0"/>
+                <a:ea typeface="MS PGothic" panose="020B0600070205080204" charset="-128"/>
+                <a:cs typeface="Times New Roman" panose="02020603050405020304" charset="0"/>
+              </a:defRPr>
+            </a:lvl3pPr>
+            <a:lvl4pPr algn="l" rtl="0" eaLnBrk="1" fontAlgn="base" hangingPunct="1">
+              <a:lnSpc>
+                <a:spcPct val="90000"/>
+              </a:lnSpc>
+              <a:spcBef>
+                <a:spcPct val="0"/>
+              </a:spcBef>
+              <a:spcAft>
+                <a:spcPct val="0"/>
+              </a:spcAft>
+              <a:defRPr sz="2800" b="1">
+                <a:solidFill>
+                  <a:srgbClr val="483F6A"/>
+                </a:solidFill>
+                <a:latin typeface="Times New Roman" panose="02020603050405020304" charset="0"/>
+                <a:ea typeface="MS PGothic" panose="020B0600070205080204" charset="-128"/>
+                <a:cs typeface="Times New Roman" panose="02020603050405020304" charset="0"/>
+              </a:defRPr>
+            </a:lvl4pPr>
+            <a:lvl5pPr algn="l" rtl="0" eaLnBrk="1" fontAlgn="base" hangingPunct="1">
+              <a:lnSpc>
+                <a:spcPct val="90000"/>
+              </a:lnSpc>
+              <a:spcBef>
+                <a:spcPct val="0"/>
+              </a:spcBef>
+              <a:spcAft>
+                <a:spcPct val="0"/>
+              </a:spcAft>
+              <a:defRPr sz="2800" b="1">
+                <a:solidFill>
+                  <a:srgbClr val="483F6A"/>
+                </a:solidFill>
+                <a:latin typeface="Times New Roman" panose="02020603050405020304" charset="0"/>
+                <a:ea typeface="MS PGothic" panose="020B0600070205080204" charset="-128"/>
+                <a:cs typeface="Times New Roman" panose="02020603050405020304" charset="0"/>
+              </a:defRPr>
+            </a:lvl5pPr>
+            <a:lvl6pPr marL="457200" algn="l" rtl="0" eaLnBrk="1" fontAlgn="base" hangingPunct="1">
+              <a:spcBef>
+                <a:spcPct val="0"/>
+              </a:spcBef>
+              <a:spcAft>
+                <a:spcPct val="0"/>
+              </a:spcAft>
+              <a:defRPr sz="2800" b="1">
+                <a:solidFill>
+                  <a:srgbClr val="00213B"/>
+                </a:solidFill>
+                <a:latin typeface="Arial" panose="020B0604020202020204" pitchFamily="34" charset="0"/>
+                <a:ea typeface="MS PGothic" panose="020B0600070205080204" charset="-128"/>
+                <a:cs typeface="MS PGothic" panose="020B0600070205080204" charset="-128"/>
+              </a:defRPr>
+            </a:lvl6pPr>
+            <a:lvl7pPr marL="914400" algn="l" rtl="0" eaLnBrk="1" fontAlgn="base" hangingPunct="1">
+              <a:spcBef>
+                <a:spcPct val="0"/>
+              </a:spcBef>
+              <a:spcAft>
+                <a:spcPct val="0"/>
+              </a:spcAft>
+              <a:defRPr sz="2800" b="1">
+                <a:solidFill>
+                  <a:srgbClr val="00213B"/>
+                </a:solidFill>
+                <a:latin typeface="Arial" panose="020B0604020202020204" pitchFamily="34" charset="0"/>
+                <a:ea typeface="MS PGothic" panose="020B0600070205080204" charset="-128"/>
+                <a:cs typeface="MS PGothic" panose="020B0600070205080204" charset="-128"/>
+              </a:defRPr>
+            </a:lvl7pPr>
+            <a:lvl8pPr marL="1371600" algn="l" rtl="0" eaLnBrk="1" fontAlgn="base" hangingPunct="1">
+              <a:spcBef>
+                <a:spcPct val="0"/>
+              </a:spcBef>
+              <a:spcAft>
+                <a:spcPct val="0"/>
+              </a:spcAft>
+              <a:defRPr sz="2800" b="1">
+                <a:solidFill>
+                  <a:srgbClr val="00213B"/>
+                </a:solidFill>
+                <a:latin typeface="Arial" panose="020B0604020202020204" pitchFamily="34" charset="0"/>
+                <a:ea typeface="MS PGothic" panose="020B0600070205080204" charset="-128"/>
+                <a:cs typeface="MS PGothic" panose="020B0600070205080204" charset="-128"/>
+              </a:defRPr>
+            </a:lvl8pPr>
+            <a:lvl9pPr marL="1828800" algn="l" rtl="0" eaLnBrk="1" fontAlgn="base" hangingPunct="1">
+              <a:spcBef>
+                <a:spcPct val="0"/>
+              </a:spcBef>
+              <a:spcAft>
+                <a:spcPct val="0"/>
+              </a:spcAft>
+              <a:defRPr sz="2800" b="1">
+                <a:solidFill>
+                  <a:srgbClr val="00213B"/>
+                </a:solidFill>
+                <a:latin typeface="Arial" panose="020B0604020202020204" pitchFamily="34" charset="0"/>
+                <a:ea typeface="MS PGothic" panose="020B0600070205080204" charset="-128"/>
+                <a:cs typeface="MS PGothic" panose="020B0600070205080204" charset="-128"/>
+              </a:defRPr>
+            </a:lvl9pPr>
+          </a:lstStyle>
+          <a:p>
+            <a:pPr>
+              <a:defRPr/>
+            </a:pPr>
+            <a:r>
+              <a:rPr lang="en-GB" sz="4400" dirty="0"/>
+              <a:t>The analysis of variables influencing movie ratings</a:t>
+            </a:r>
+          </a:p>
+        </p:txBody>
+      </p:sp>
+      <p:sp>
+        <p:nvSpPr>
+          <p:cNvPr id="12" name="TextBox 11">
+            <a:extLst>
+              <a:ext uri="{FF2B5EF4-FFF2-40B4-BE49-F238E27FC236}">
+                <a16:creationId xmlns:a16="http://schemas.microsoft.com/office/drawing/2014/main" id="{3BB27E7F-DA32-CC03-D9C9-EC0B4CE169D7}"/>
+              </a:ext>
+            </a:extLst>
+          </p:cNvPr>
+          <p:cNvSpPr txBox="1"/>
+          <p:nvPr/>
+        </p:nvSpPr>
+        <p:spPr>
+          <a:xfrm>
+            <a:off x="2551067" y="384021"/>
+            <a:ext cx="2454069" cy="830997"/>
+          </a:xfrm>
+          <a:prstGeom prst="rect">
+            <a:avLst/>
+          </a:prstGeom>
+          <a:noFill/>
+        </p:spPr>
+        <p:txBody>
+          <a:bodyPr wrap="square" rtlCol="0">
+            <a:spAutoFit/>
+          </a:bodyPr>
           <a:lstStyle/>
           <a:p>
-            <a:endParaRPr lang="en-US"/>
-          </a:p>
-        </p:txBody>
-      </p:sp>
-      <p:sp>
-        <p:nvSpPr>
-          <p:cNvPr id="3" name="Subtitle 2">
-            <a:extLst>
-              <a:ext uri="{FF2B5EF4-FFF2-40B4-BE49-F238E27FC236}">
-                <a16:creationId xmlns:a16="http://schemas.microsoft.com/office/drawing/2014/main" id="{59812898-A020-F1B1-0870-416980BFECFB}"/>
-              </a:ext>
-            </a:extLst>
-          </p:cNvPr>
-          <p:cNvSpPr>
-            <a:spLocks noGrp="1"/>
-          </p:cNvSpPr>
-          <p:nvPr>
-            <p:ph type="subTitle" idx="1"/>
-          </p:nvPr>
-        </p:nvSpPr>
-        <p:spPr/>
-        <p:txBody>
-          <a:bodyPr/>
-          <a:lstStyle/>
-          <a:p>
-            <a:endParaRPr lang="en-US"/>
+            <a:r>
+              <a:rPr lang="en-US" sz="2400" b="1" spc="-10" dirty="0">
+                <a:solidFill>
+                  <a:srgbClr val="002D4A"/>
+                </a:solidFill>
+                <a:latin typeface="Arial" panose="020B0604020202020204" pitchFamily="34" charset="0"/>
+                <a:ea typeface="+mj-ea"/>
+                <a:cs typeface="Times New Roman" panose="02020603050405020304"/>
+              </a:rPr>
+              <a:t>Group 09                                 </a:t>
+            </a:r>
+          </a:p>
+          <a:p>
+            <a:r>
+              <a:rPr lang="en-US" sz="2400" b="1" spc="-10" dirty="0">
+                <a:solidFill>
+                  <a:srgbClr val="002D4A"/>
+                </a:solidFill>
+                <a:latin typeface="Arial" panose="020B0604020202020204" pitchFamily="34" charset="0"/>
+                <a:ea typeface="+mj-ea"/>
+                <a:cs typeface="Times New Roman" panose="02020603050405020304"/>
+              </a:rPr>
+              <a:t>20</a:t>
+            </a:r>
+            <a:r>
+              <a:rPr lang="en-GB" sz="2400" b="1" spc="-10" dirty="0">
+                <a:solidFill>
+                  <a:srgbClr val="002D4A"/>
+                </a:solidFill>
+                <a:latin typeface="Arial" panose="020B0604020202020204" pitchFamily="34" charset="0"/>
+                <a:ea typeface="+mj-ea"/>
+                <a:cs typeface="Times New Roman" panose="02020603050405020304"/>
+              </a:rPr>
+              <a:t>-March-2024</a:t>
+            </a:r>
+            <a:r>
+              <a:rPr lang="en-US" sz="2400" b="1" spc="-10" dirty="0">
+                <a:solidFill>
+                  <a:srgbClr val="002D4A"/>
+                </a:solidFill>
+                <a:latin typeface="Arial" panose="020B0604020202020204" pitchFamily="34" charset="0"/>
+                <a:ea typeface="+mj-ea"/>
+                <a:cs typeface="Times New Roman" panose="02020603050405020304"/>
+              </a:rPr>
+              <a:t>           </a:t>
+            </a:r>
           </a:p>
         </p:txBody>
       </p:sp>
     </p:spTree>
     <p:extLst>
       <p:ext uri="{BB962C8B-B14F-4D97-AF65-F5344CB8AC3E}">
-        <p14:creationId xmlns:p14="http://schemas.microsoft.com/office/powerpoint/2010/main" val="1613909220"/>
+        <p14:creationId xmlns:p14="http://schemas.microsoft.com/office/powerpoint/2010/main" val="2887075949"/>
+      </p:ext>
+    </p:extLst>
+  </p:cSld>
+  <p:clrMapOvr>
+    <a:masterClrMapping/>
+  </p:clrMapOvr>
+</p:sld>
+</file>
+
+<file path=ppt/slides/slide2.xml><?xml version="1.0" encoding="utf-8"?>
+<p:sld xmlns:a="http://schemas.openxmlformats.org/drawingml/2006/main" xmlns:r="http://schemas.openxmlformats.org/officeDocument/2006/relationships" xmlns:p="http://schemas.openxmlformats.org/presentationml/2006/main">
+  <p:cSld>
+    <p:spTree>
+      <p:nvGrpSpPr>
+        <p:cNvPr id="1" name=""/>
+        <p:cNvGrpSpPr/>
+        <p:nvPr/>
+      </p:nvGrpSpPr>
+      <p:grpSpPr>
+        <a:xfrm>
+          <a:off x="0" y="0"/>
+          <a:ext cx="0" cy="0"/>
+          <a:chOff x="0" y="0"/>
+          <a:chExt cx="0" cy="0"/>
+        </a:xfrm>
+      </p:grpSpPr>
+      <p:sp>
+        <p:nvSpPr>
+          <p:cNvPr id="2" name="Freeform 3">
+            <a:extLst>
+              <a:ext uri="{FF2B5EF4-FFF2-40B4-BE49-F238E27FC236}">
+                <a16:creationId xmlns:a16="http://schemas.microsoft.com/office/drawing/2014/main" id="{23D0B4E2-209C-0CC6-7768-213676DA5CBC}"/>
+              </a:ext>
+            </a:extLst>
+          </p:cNvPr>
+          <p:cNvSpPr/>
+          <p:nvPr/>
+        </p:nvSpPr>
+        <p:spPr>
+          <a:xfrm>
+            <a:off x="0" y="0"/>
+            <a:ext cx="12192000" cy="1046481"/>
+          </a:xfrm>
+          <a:custGeom>
+            <a:avLst/>
+            <a:gdLst>
+              <a:gd name="connsiteX0" fmla="*/ 0 w 9906000"/>
+              <a:gd name="connsiteY0" fmla="*/ 1380744 h 1380744"/>
+              <a:gd name="connsiteX1" fmla="*/ 9906000 w 9906000"/>
+              <a:gd name="connsiteY1" fmla="*/ 1380744 h 1380744"/>
+              <a:gd name="connsiteX2" fmla="*/ 9906000 w 9906000"/>
+              <a:gd name="connsiteY2" fmla="*/ 0 h 1380744"/>
+              <a:gd name="connsiteX3" fmla="*/ 0 w 9906000"/>
+              <a:gd name="connsiteY3" fmla="*/ 0 h 1380744"/>
+              <a:gd name="connsiteX4" fmla="*/ 0 w 9906000"/>
+              <a:gd name="connsiteY4" fmla="*/ 1380744 h 1380744"/>
+            </a:gdLst>
+            <a:ahLst/>
+            <a:cxnLst>
+              <a:cxn ang="0">
+                <a:pos x="connsiteX0" y="connsiteY0"/>
+              </a:cxn>
+              <a:cxn ang="1">
+                <a:pos x="connsiteX1" y="connsiteY1"/>
+              </a:cxn>
+              <a:cxn ang="2">
+                <a:pos x="connsiteX2" y="connsiteY2"/>
+              </a:cxn>
+              <a:cxn ang="3">
+                <a:pos x="connsiteX3" y="connsiteY3"/>
+              </a:cxn>
+              <a:cxn ang="4">
+                <a:pos x="connsiteX4" y="connsiteY4"/>
+              </a:cxn>
+            </a:cxnLst>
+            <a:rect l="l" t="t" r="r" b="b"/>
+            <a:pathLst>
+              <a:path w="9906000" h="1380744">
+                <a:moveTo>
+                  <a:pt x="0" y="1380744"/>
+                </a:moveTo>
+                <a:lnTo>
+                  <a:pt x="9906000" y="1380744"/>
+                </a:lnTo>
+                <a:lnTo>
+                  <a:pt x="9906000" y="0"/>
+                </a:lnTo>
+                <a:lnTo>
+                  <a:pt x="0" y="0"/>
+                </a:lnTo>
+                <a:lnTo>
+                  <a:pt x="0" y="1380744"/>
+                </a:lnTo>
+              </a:path>
+            </a:pathLst>
+          </a:custGeom>
+          <a:solidFill>
+            <a:srgbClr val="00355F"/>
+          </a:solidFill>
+          <a:ln w="12700">
+            <a:solidFill>
+              <a:srgbClr val="000000">
+                <a:alpha val="0"/>
+              </a:srgbClr>
+            </a:solidFill>
+            <a:prstDash val="solid"/>
+          </a:ln>
+        </p:spPr>
+        <p:style>
+          <a:lnRef idx="2">
+            <a:schemeClr val="accent1">
+              <a:shade val="50000"/>
+            </a:schemeClr>
+          </a:lnRef>
+          <a:fillRef idx="1">
+            <a:schemeClr val="accent1"/>
+          </a:fillRef>
+          <a:effectRef idx="0">
+            <a:schemeClr val="accent1"/>
+          </a:effectRef>
+          <a:fontRef idx="minor">
+            <a:schemeClr val="lt1"/>
+          </a:fontRef>
+        </p:style>
+        <p:txBody>
+          <a:bodyPr rtlCol="0" anchor="ctr"/>
+          <a:lstStyle/>
+          <a:p>
+            <a:pPr algn="ctr" defTabSz="843915" fontAlgn="auto">
+              <a:spcBef>
+                <a:spcPts val="0"/>
+              </a:spcBef>
+              <a:spcAft>
+                <a:spcPts val="0"/>
+              </a:spcAft>
+            </a:pPr>
+            <a:endParaRPr lang="zh-CN" altLang="en-US" sz="1660">
+              <a:solidFill>
+                <a:prstClr val="white"/>
+              </a:solidFill>
+              <a:latin typeface="Calibri" panose="020F0502020204030204"/>
+              <a:ea typeface="宋体" panose="02010600030101010101" pitchFamily="2" charset="-122"/>
+            </a:endParaRPr>
+          </a:p>
+        </p:txBody>
+      </p:sp>
+      <p:pic>
+        <p:nvPicPr>
+          <p:cNvPr id="3" name="Picture 1">
+            <a:extLst>
+              <a:ext uri="{FF2B5EF4-FFF2-40B4-BE49-F238E27FC236}">
+                <a16:creationId xmlns:a16="http://schemas.microsoft.com/office/drawing/2014/main" id="{314359CC-6898-E57F-5640-A9C00083CCAD}"/>
+              </a:ext>
+            </a:extLst>
+          </p:cNvPr>
+          <p:cNvPicPr>
+            <a:picLocks noChangeAspect="1"/>
+          </p:cNvPicPr>
+          <p:nvPr/>
+        </p:nvPicPr>
+        <p:blipFill rotWithShape="1">
+          <a:blip r:embed="rId2">
+            <a:extLst>
+              <a:ext uri="{28A0092B-C50C-407E-A947-70E740481C1C}">
+                <a14:useLocalDpi xmlns:a14="http://schemas.microsoft.com/office/drawing/2010/main" val="0"/>
+              </a:ext>
+            </a:extLst>
+          </a:blip>
+          <a:srcRect t="4889" r="73556" b="79852"/>
+          <a:stretch>
+            <a:fillRect/>
+          </a:stretch>
+        </p:blipFill>
+        <p:spPr>
+          <a:xfrm>
+            <a:off x="0" y="1"/>
+            <a:ext cx="2418080" cy="1046480"/>
+          </a:xfrm>
+          <a:prstGeom prst="rect">
+            <a:avLst/>
+          </a:prstGeom>
+        </p:spPr>
+      </p:pic>
+      <p:sp>
+        <p:nvSpPr>
+          <p:cNvPr id="4" name="Title 1">
+            <a:extLst>
+              <a:ext uri="{FF2B5EF4-FFF2-40B4-BE49-F238E27FC236}">
+                <a16:creationId xmlns:a16="http://schemas.microsoft.com/office/drawing/2014/main" id="{6F8F5A3D-DE23-6397-B6E1-8C41A791E44B}"/>
+              </a:ext>
+            </a:extLst>
+          </p:cNvPr>
+          <p:cNvSpPr txBox="1"/>
+          <p:nvPr/>
+        </p:nvSpPr>
+        <p:spPr>
+          <a:xfrm>
+            <a:off x="291465" y="1259896"/>
+            <a:ext cx="5892931" cy="728228"/>
+          </a:xfrm>
+          <a:prstGeom prst="rect">
+            <a:avLst/>
+          </a:prstGeom>
+        </p:spPr>
+        <p:txBody>
+          <a:bodyPr/>
+          <a:lstStyle>
+            <a:lvl1pPr algn="l" rtl="0" eaLnBrk="1" fontAlgn="base" hangingPunct="1">
+              <a:lnSpc>
+                <a:spcPct val="90000"/>
+              </a:lnSpc>
+              <a:spcBef>
+                <a:spcPct val="0"/>
+              </a:spcBef>
+              <a:spcAft>
+                <a:spcPct val="0"/>
+              </a:spcAft>
+              <a:defRPr sz="2400" b="1" spc="-10" baseline="0">
+                <a:solidFill>
+                  <a:srgbClr val="002D4A"/>
+                </a:solidFill>
+                <a:latin typeface="Arial" panose="020B0604020202020204" pitchFamily="34" charset="0"/>
+                <a:ea typeface="+mj-ea"/>
+                <a:cs typeface="Times New Roman" panose="02020603050405020304"/>
+              </a:defRPr>
+            </a:lvl1pPr>
+            <a:lvl2pPr algn="l" rtl="0" eaLnBrk="1" fontAlgn="base" hangingPunct="1">
+              <a:lnSpc>
+                <a:spcPct val="90000"/>
+              </a:lnSpc>
+              <a:spcBef>
+                <a:spcPct val="0"/>
+              </a:spcBef>
+              <a:spcAft>
+                <a:spcPct val="0"/>
+              </a:spcAft>
+              <a:defRPr sz="2800" b="1">
+                <a:solidFill>
+                  <a:srgbClr val="483F6A"/>
+                </a:solidFill>
+                <a:latin typeface="Times New Roman" panose="02020603050405020304" charset="0"/>
+                <a:ea typeface="MS PGothic" panose="020B0600070205080204" charset="-128"/>
+                <a:cs typeface="Times New Roman" panose="02020603050405020304" charset="0"/>
+              </a:defRPr>
+            </a:lvl2pPr>
+            <a:lvl3pPr algn="l" rtl="0" eaLnBrk="1" fontAlgn="base" hangingPunct="1">
+              <a:lnSpc>
+                <a:spcPct val="90000"/>
+              </a:lnSpc>
+              <a:spcBef>
+                <a:spcPct val="0"/>
+              </a:spcBef>
+              <a:spcAft>
+                <a:spcPct val="0"/>
+              </a:spcAft>
+              <a:defRPr sz="2800" b="1">
+                <a:solidFill>
+                  <a:srgbClr val="483F6A"/>
+                </a:solidFill>
+                <a:latin typeface="Times New Roman" panose="02020603050405020304" charset="0"/>
+                <a:ea typeface="MS PGothic" panose="020B0600070205080204" charset="-128"/>
+                <a:cs typeface="Times New Roman" panose="02020603050405020304" charset="0"/>
+              </a:defRPr>
+            </a:lvl3pPr>
+            <a:lvl4pPr algn="l" rtl="0" eaLnBrk="1" fontAlgn="base" hangingPunct="1">
+              <a:lnSpc>
+                <a:spcPct val="90000"/>
+              </a:lnSpc>
+              <a:spcBef>
+                <a:spcPct val="0"/>
+              </a:spcBef>
+              <a:spcAft>
+                <a:spcPct val="0"/>
+              </a:spcAft>
+              <a:defRPr sz="2800" b="1">
+                <a:solidFill>
+                  <a:srgbClr val="483F6A"/>
+                </a:solidFill>
+                <a:latin typeface="Times New Roman" panose="02020603050405020304" charset="0"/>
+                <a:ea typeface="MS PGothic" panose="020B0600070205080204" charset="-128"/>
+                <a:cs typeface="Times New Roman" panose="02020603050405020304" charset="0"/>
+              </a:defRPr>
+            </a:lvl4pPr>
+            <a:lvl5pPr algn="l" rtl="0" eaLnBrk="1" fontAlgn="base" hangingPunct="1">
+              <a:lnSpc>
+                <a:spcPct val="90000"/>
+              </a:lnSpc>
+              <a:spcBef>
+                <a:spcPct val="0"/>
+              </a:spcBef>
+              <a:spcAft>
+                <a:spcPct val="0"/>
+              </a:spcAft>
+              <a:defRPr sz="2800" b="1">
+                <a:solidFill>
+                  <a:srgbClr val="483F6A"/>
+                </a:solidFill>
+                <a:latin typeface="Times New Roman" panose="02020603050405020304" charset="0"/>
+                <a:ea typeface="MS PGothic" panose="020B0600070205080204" charset="-128"/>
+                <a:cs typeface="Times New Roman" panose="02020603050405020304" charset="0"/>
+              </a:defRPr>
+            </a:lvl5pPr>
+            <a:lvl6pPr marL="457200" algn="l" rtl="0" eaLnBrk="1" fontAlgn="base" hangingPunct="1">
+              <a:spcBef>
+                <a:spcPct val="0"/>
+              </a:spcBef>
+              <a:spcAft>
+                <a:spcPct val="0"/>
+              </a:spcAft>
+              <a:defRPr sz="2800" b="1">
+                <a:solidFill>
+                  <a:srgbClr val="00213B"/>
+                </a:solidFill>
+                <a:latin typeface="Arial" panose="020B0604020202020204" pitchFamily="34" charset="0"/>
+                <a:ea typeface="MS PGothic" panose="020B0600070205080204" charset="-128"/>
+                <a:cs typeface="MS PGothic" panose="020B0600070205080204" charset="-128"/>
+              </a:defRPr>
+            </a:lvl6pPr>
+            <a:lvl7pPr marL="914400" algn="l" rtl="0" eaLnBrk="1" fontAlgn="base" hangingPunct="1">
+              <a:spcBef>
+                <a:spcPct val="0"/>
+              </a:spcBef>
+              <a:spcAft>
+                <a:spcPct val="0"/>
+              </a:spcAft>
+              <a:defRPr sz="2800" b="1">
+                <a:solidFill>
+                  <a:srgbClr val="00213B"/>
+                </a:solidFill>
+                <a:latin typeface="Arial" panose="020B0604020202020204" pitchFamily="34" charset="0"/>
+                <a:ea typeface="MS PGothic" panose="020B0600070205080204" charset="-128"/>
+                <a:cs typeface="MS PGothic" panose="020B0600070205080204" charset="-128"/>
+              </a:defRPr>
+            </a:lvl7pPr>
+            <a:lvl8pPr marL="1371600" algn="l" rtl="0" eaLnBrk="1" fontAlgn="base" hangingPunct="1">
+              <a:spcBef>
+                <a:spcPct val="0"/>
+              </a:spcBef>
+              <a:spcAft>
+                <a:spcPct val="0"/>
+              </a:spcAft>
+              <a:defRPr sz="2800" b="1">
+                <a:solidFill>
+                  <a:srgbClr val="00213B"/>
+                </a:solidFill>
+                <a:latin typeface="Arial" panose="020B0604020202020204" pitchFamily="34" charset="0"/>
+                <a:ea typeface="MS PGothic" panose="020B0600070205080204" charset="-128"/>
+                <a:cs typeface="MS PGothic" panose="020B0600070205080204" charset="-128"/>
+              </a:defRPr>
+            </a:lvl8pPr>
+            <a:lvl9pPr marL="1828800" algn="l" rtl="0" eaLnBrk="1" fontAlgn="base" hangingPunct="1">
+              <a:spcBef>
+                <a:spcPct val="0"/>
+              </a:spcBef>
+              <a:spcAft>
+                <a:spcPct val="0"/>
+              </a:spcAft>
+              <a:defRPr sz="2800" b="1">
+                <a:solidFill>
+                  <a:srgbClr val="00213B"/>
+                </a:solidFill>
+                <a:latin typeface="Arial" panose="020B0604020202020204" pitchFamily="34" charset="0"/>
+                <a:ea typeface="MS PGothic" panose="020B0600070205080204" charset="-128"/>
+                <a:cs typeface="MS PGothic" panose="020B0600070205080204" charset="-128"/>
+              </a:defRPr>
+            </a:lvl9pPr>
+          </a:lstStyle>
+          <a:p>
+            <a:pPr marL="0" marR="0" lvl="0" indent="0" algn="l" defTabSz="914400" rtl="0" eaLnBrk="1" fontAlgn="base" latinLnBrk="0" hangingPunct="1">
+              <a:lnSpc>
+                <a:spcPct val="90000"/>
+              </a:lnSpc>
+              <a:spcBef>
+                <a:spcPct val="0"/>
+              </a:spcBef>
+              <a:spcAft>
+                <a:spcPct val="0"/>
+              </a:spcAft>
+              <a:buClrTx/>
+              <a:buSzTx/>
+              <a:buFontTx/>
+              <a:buNone/>
+              <a:defRPr/>
+            </a:pPr>
+            <a:r>
+              <a:rPr lang="en-GB" kern="0" dirty="0">
+                <a:ea typeface="MS PGothic" panose="020B0600070205080204" charset="-128"/>
+              </a:rPr>
+              <a:t>CONTENTS</a:t>
+            </a:r>
+            <a:br>
+              <a:rPr kumimoji="0" lang="en-GB" sz="2400" b="1" i="0" u="none" strike="noStrike" kern="0" cap="none" spc="-10" normalizeH="0" baseline="0" noProof="0" dirty="0">
+                <a:ln>
+                  <a:noFill/>
+                </a:ln>
+                <a:solidFill>
+                  <a:srgbClr val="002D4A"/>
+                </a:solidFill>
+                <a:effectLst/>
+                <a:uLnTx/>
+                <a:uFillTx/>
+                <a:latin typeface="Arial" panose="020B0604020202020204" pitchFamily="34" charset="0"/>
+                <a:ea typeface="MS PGothic" panose="020B0600070205080204" charset="-128"/>
+                <a:cs typeface="Times New Roman" panose="02020603050405020304"/>
+              </a:rPr>
+            </a:br>
+            <a:endParaRPr kumimoji="0" lang="en-US" sz="2400" b="1" i="0" u="none" strike="noStrike" kern="0" cap="none" spc="-10" normalizeH="0" baseline="0" noProof="0" dirty="0">
+              <a:ln>
+                <a:noFill/>
+              </a:ln>
+              <a:solidFill>
+                <a:srgbClr val="002D4A"/>
+              </a:solidFill>
+              <a:effectLst/>
+              <a:uLnTx/>
+              <a:uFillTx/>
+              <a:latin typeface="Arial" panose="020B0604020202020204" pitchFamily="34" charset="0"/>
+              <a:ea typeface="MS PGothic" panose="020B0600070205080204" charset="-128"/>
+              <a:cs typeface="Times New Roman" panose="02020603050405020304"/>
+            </a:endParaRPr>
+          </a:p>
+        </p:txBody>
+      </p:sp>
+      <p:sp>
+        <p:nvSpPr>
+          <p:cNvPr id="5" name="矩形 11">
+            <a:extLst>
+              <a:ext uri="{FF2B5EF4-FFF2-40B4-BE49-F238E27FC236}">
+                <a16:creationId xmlns:a16="http://schemas.microsoft.com/office/drawing/2014/main" id="{94CB9BE2-A1CB-3C82-4438-992BA6E9079A}"/>
+              </a:ext>
+            </a:extLst>
+          </p:cNvPr>
+          <p:cNvSpPr/>
+          <p:nvPr/>
+        </p:nvSpPr>
+        <p:spPr>
+          <a:xfrm>
+            <a:off x="1924050" y="1988124"/>
+            <a:ext cx="8343900" cy="717546"/>
+          </a:xfrm>
+          <a:prstGeom prst="rect">
+            <a:avLst/>
+          </a:prstGeom>
+          <a:solidFill>
+            <a:schemeClr val="bg1">
+              <a:lumMod val="95000"/>
+            </a:schemeClr>
+          </a:solidFill>
+          <a:ln w="15875" cap="flat" cmpd="sng" algn="ctr">
+            <a:noFill/>
+            <a:prstDash val="solid"/>
+            <a:miter lim="800000"/>
+          </a:ln>
+          <a:effectLst/>
+        </p:spPr>
+        <p:txBody>
+          <a:bodyPr anchor="ctr"/>
+          <a:lstStyle/>
+          <a:p>
+            <a:pPr marL="0" marR="0" lvl="0" indent="0" algn="ctr" defTabSz="914400" eaLnBrk="1" fontAlgn="auto" latinLnBrk="0" hangingPunct="1">
+              <a:lnSpc>
+                <a:spcPct val="100000"/>
+              </a:lnSpc>
+              <a:spcBef>
+                <a:spcPts val="0"/>
+              </a:spcBef>
+              <a:spcAft>
+                <a:spcPts val="0"/>
+              </a:spcAft>
+              <a:buClrTx/>
+              <a:buSzTx/>
+              <a:buFontTx/>
+              <a:buNone/>
+              <a:defRPr/>
+            </a:pPr>
+            <a:r>
+              <a:rPr lang="en-US" altLang="zh-CN" kern="0" dirty="0">
+                <a:latin typeface="Segoe UI" panose="020B0502040204020203"/>
+                <a:ea typeface="微软雅黑" panose="020B0503020204020204" pitchFamily="34" charset="-122"/>
+              </a:rPr>
+              <a:t>Introduction</a:t>
+            </a:r>
+            <a:endParaRPr kumimoji="0" lang="zh-CN" altLang="en-US" sz="1800" b="0" i="0" u="none" strike="noStrike" kern="0" cap="none" spc="0" normalizeH="0" baseline="0" noProof="0" dirty="0">
+              <a:ln>
+                <a:noFill/>
+              </a:ln>
+              <a:effectLst/>
+              <a:uLnTx/>
+              <a:uFillTx/>
+              <a:latin typeface="Segoe UI" panose="020B0502040204020203"/>
+              <a:ea typeface="微软雅黑" panose="020B0503020204020204" pitchFamily="34" charset="-122"/>
+              <a:cs typeface="+mn-cs"/>
+            </a:endParaRPr>
+          </a:p>
+        </p:txBody>
+      </p:sp>
+      <p:sp>
+        <p:nvSpPr>
+          <p:cNvPr id="6" name="矩形 11">
+            <a:extLst>
+              <a:ext uri="{FF2B5EF4-FFF2-40B4-BE49-F238E27FC236}">
+                <a16:creationId xmlns:a16="http://schemas.microsoft.com/office/drawing/2014/main" id="{E109035B-634E-0E2E-90B0-25140AA31B95}"/>
+              </a:ext>
+            </a:extLst>
+          </p:cNvPr>
+          <p:cNvSpPr/>
+          <p:nvPr/>
+        </p:nvSpPr>
+        <p:spPr>
+          <a:xfrm>
+            <a:off x="1924050" y="2830405"/>
+            <a:ext cx="8343900" cy="719137"/>
+          </a:xfrm>
+          <a:prstGeom prst="rect">
+            <a:avLst/>
+          </a:prstGeom>
+          <a:solidFill>
+            <a:schemeClr val="bg1">
+              <a:lumMod val="95000"/>
+            </a:schemeClr>
+          </a:solidFill>
+          <a:ln w="15875" cap="flat" cmpd="sng" algn="ctr">
+            <a:noFill/>
+            <a:prstDash val="solid"/>
+            <a:miter lim="800000"/>
+          </a:ln>
+          <a:effectLst/>
+        </p:spPr>
+        <p:txBody>
+          <a:bodyPr anchor="ctr"/>
+          <a:lstStyle/>
+          <a:p>
+            <a:pPr marL="0" marR="0" lvl="0" indent="0" algn="ctr" defTabSz="914400" eaLnBrk="1" fontAlgn="auto" latinLnBrk="0" hangingPunct="1">
+              <a:lnSpc>
+                <a:spcPct val="100000"/>
+              </a:lnSpc>
+              <a:spcBef>
+                <a:spcPts val="0"/>
+              </a:spcBef>
+              <a:spcAft>
+                <a:spcPts val="0"/>
+              </a:spcAft>
+              <a:buClrTx/>
+              <a:buSzTx/>
+              <a:buFontTx/>
+              <a:buNone/>
+              <a:defRPr/>
+            </a:pPr>
+            <a:r>
+              <a:rPr kumimoji="0" lang="en-GB" altLang="zh-CN" sz="1800" b="0" i="0" u="none" strike="noStrike" kern="0" cap="none" spc="0" normalizeH="0" baseline="0" noProof="0" dirty="0">
+                <a:ln>
+                  <a:noFill/>
+                </a:ln>
+                <a:effectLst/>
+                <a:uLnTx/>
+                <a:uFillTx/>
+                <a:latin typeface="Segoe UI" panose="020B0502040204020203"/>
+                <a:ea typeface="微软雅黑" panose="020B0503020204020204" pitchFamily="34" charset="-122"/>
+                <a:cs typeface="+mn-cs"/>
+              </a:rPr>
+              <a:t>Data Cleaning &amp; Exploratory Analysis</a:t>
+            </a:r>
+            <a:endParaRPr kumimoji="0" lang="zh-CN" altLang="en-US" sz="1800" b="0" i="0" u="none" strike="noStrike" kern="0" cap="none" spc="0" normalizeH="0" baseline="0" noProof="0" dirty="0">
+              <a:ln>
+                <a:noFill/>
+              </a:ln>
+              <a:effectLst/>
+              <a:uLnTx/>
+              <a:uFillTx/>
+              <a:latin typeface="Segoe UI" panose="020B0502040204020203"/>
+              <a:ea typeface="微软雅黑" panose="020B0503020204020204" pitchFamily="34" charset="-122"/>
+              <a:cs typeface="+mn-cs"/>
+            </a:endParaRPr>
+          </a:p>
+        </p:txBody>
+      </p:sp>
+      <p:sp>
+        <p:nvSpPr>
+          <p:cNvPr id="7" name="矩形 11">
+            <a:extLst>
+              <a:ext uri="{FF2B5EF4-FFF2-40B4-BE49-F238E27FC236}">
+                <a16:creationId xmlns:a16="http://schemas.microsoft.com/office/drawing/2014/main" id="{2E8A25E3-212F-3416-36F7-D21D45F5F60C}"/>
+              </a:ext>
+            </a:extLst>
+          </p:cNvPr>
+          <p:cNvSpPr/>
+          <p:nvPr/>
+        </p:nvSpPr>
+        <p:spPr>
+          <a:xfrm>
+            <a:off x="1924050" y="4514967"/>
+            <a:ext cx="8343900" cy="719137"/>
+          </a:xfrm>
+          <a:prstGeom prst="rect">
+            <a:avLst/>
+          </a:prstGeom>
+          <a:solidFill>
+            <a:schemeClr val="bg1">
+              <a:lumMod val="95000"/>
+            </a:schemeClr>
+          </a:solidFill>
+          <a:ln w="15875" cap="flat" cmpd="sng" algn="ctr">
+            <a:noFill/>
+            <a:prstDash val="solid"/>
+            <a:miter lim="800000"/>
+          </a:ln>
+          <a:effectLst/>
+        </p:spPr>
+        <p:txBody>
+          <a:bodyPr anchor="ctr"/>
+          <a:lstStyle/>
+          <a:p>
+            <a:pPr marL="0" marR="0" lvl="0" indent="0" algn="ctr" defTabSz="914400" eaLnBrk="1" fontAlgn="auto" latinLnBrk="0" hangingPunct="1">
+              <a:lnSpc>
+                <a:spcPct val="100000"/>
+              </a:lnSpc>
+              <a:spcBef>
+                <a:spcPts val="0"/>
+              </a:spcBef>
+              <a:spcAft>
+                <a:spcPts val="0"/>
+              </a:spcAft>
+              <a:buClrTx/>
+              <a:buSzTx/>
+              <a:buFontTx/>
+              <a:buNone/>
+              <a:defRPr/>
+            </a:pPr>
+            <a:endParaRPr kumimoji="0" lang="zh-CN" altLang="en-US" sz="1800" b="0" i="0" u="none" strike="noStrike" kern="0" cap="none" spc="0" normalizeH="0" baseline="0" noProof="0">
+              <a:ln>
+                <a:noFill/>
+              </a:ln>
+              <a:solidFill>
+                <a:srgbClr val="FFFFFF"/>
+              </a:solidFill>
+              <a:effectLst/>
+              <a:uLnTx/>
+              <a:uFillTx/>
+              <a:latin typeface="Segoe UI" panose="020B0502040204020203"/>
+              <a:ea typeface="微软雅黑" panose="020B0503020204020204" pitchFamily="34" charset="-122"/>
+              <a:cs typeface="+mn-cs"/>
+            </a:endParaRPr>
+          </a:p>
+        </p:txBody>
+      </p:sp>
+      <p:sp>
+        <p:nvSpPr>
+          <p:cNvPr id="8" name="矩形 11">
+            <a:extLst>
+              <a:ext uri="{FF2B5EF4-FFF2-40B4-BE49-F238E27FC236}">
+                <a16:creationId xmlns:a16="http://schemas.microsoft.com/office/drawing/2014/main" id="{C662C347-27C7-15FE-14F8-D3835BDB13B8}"/>
+              </a:ext>
+            </a:extLst>
+          </p:cNvPr>
+          <p:cNvSpPr/>
+          <p:nvPr/>
+        </p:nvSpPr>
+        <p:spPr>
+          <a:xfrm>
+            <a:off x="1924050" y="3672686"/>
+            <a:ext cx="8343900" cy="719133"/>
+          </a:xfrm>
+          <a:prstGeom prst="rect">
+            <a:avLst/>
+          </a:prstGeom>
+          <a:solidFill>
+            <a:schemeClr val="bg1">
+              <a:lumMod val="95000"/>
+            </a:schemeClr>
+          </a:solidFill>
+          <a:ln w="15875" cap="flat" cmpd="sng" algn="ctr">
+            <a:noFill/>
+            <a:prstDash val="solid"/>
+            <a:miter lim="800000"/>
+          </a:ln>
+          <a:effectLst/>
+        </p:spPr>
+        <p:txBody>
+          <a:bodyPr anchor="ctr"/>
+          <a:lstStyle/>
+          <a:p>
+            <a:pPr marL="0" marR="0" lvl="0" indent="0" algn="ctr" defTabSz="914400" eaLnBrk="1" fontAlgn="auto" latinLnBrk="0" hangingPunct="1">
+              <a:lnSpc>
+                <a:spcPct val="100000"/>
+              </a:lnSpc>
+              <a:spcBef>
+                <a:spcPts val="0"/>
+              </a:spcBef>
+              <a:spcAft>
+                <a:spcPts val="0"/>
+              </a:spcAft>
+              <a:buClrTx/>
+              <a:buSzTx/>
+              <a:buFontTx/>
+              <a:buNone/>
+              <a:defRPr/>
+            </a:pPr>
+            <a:endParaRPr kumimoji="0" lang="zh-CN" altLang="en-US" sz="1800" b="0" i="0" u="none" strike="noStrike" kern="0" cap="none" spc="0" normalizeH="0" baseline="0" noProof="0">
+              <a:ln>
+                <a:noFill/>
+              </a:ln>
+              <a:solidFill>
+                <a:srgbClr val="FFFFFF"/>
+              </a:solidFill>
+              <a:effectLst/>
+              <a:uLnTx/>
+              <a:uFillTx/>
+              <a:latin typeface="Segoe UI" panose="020B0502040204020203"/>
+              <a:ea typeface="微软雅黑" panose="020B0503020204020204" pitchFamily="34" charset="-122"/>
+              <a:cs typeface="+mn-cs"/>
+            </a:endParaRPr>
+          </a:p>
+        </p:txBody>
+      </p:sp>
+      <p:sp>
+        <p:nvSpPr>
+          <p:cNvPr id="9" name="矩形 11">
+            <a:extLst>
+              <a:ext uri="{FF2B5EF4-FFF2-40B4-BE49-F238E27FC236}">
+                <a16:creationId xmlns:a16="http://schemas.microsoft.com/office/drawing/2014/main" id="{DF294741-BD15-B205-8B01-A45BFCD34CDA}"/>
+              </a:ext>
+            </a:extLst>
+          </p:cNvPr>
+          <p:cNvSpPr/>
+          <p:nvPr/>
+        </p:nvSpPr>
+        <p:spPr>
+          <a:xfrm>
+            <a:off x="1924050" y="5357249"/>
+            <a:ext cx="8343900" cy="719134"/>
+          </a:xfrm>
+          <a:prstGeom prst="rect">
+            <a:avLst/>
+          </a:prstGeom>
+          <a:solidFill>
+            <a:schemeClr val="bg1">
+              <a:lumMod val="95000"/>
+            </a:schemeClr>
+          </a:solidFill>
+          <a:ln w="15875" cap="flat" cmpd="sng" algn="ctr">
+            <a:noFill/>
+            <a:prstDash val="solid"/>
+            <a:miter lim="800000"/>
+          </a:ln>
+          <a:effectLst/>
+        </p:spPr>
+        <p:txBody>
+          <a:bodyPr anchor="ctr"/>
+          <a:lstStyle/>
+          <a:p>
+            <a:pPr marL="0" marR="0" lvl="0" indent="0" algn="ctr" defTabSz="914400" eaLnBrk="1" fontAlgn="auto" latinLnBrk="0" hangingPunct="1">
+              <a:lnSpc>
+                <a:spcPct val="100000"/>
+              </a:lnSpc>
+              <a:spcBef>
+                <a:spcPts val="0"/>
+              </a:spcBef>
+              <a:spcAft>
+                <a:spcPts val="0"/>
+              </a:spcAft>
+              <a:buClrTx/>
+              <a:buSzTx/>
+              <a:buFontTx/>
+              <a:buNone/>
+              <a:defRPr/>
+            </a:pPr>
+            <a:endParaRPr kumimoji="0" lang="zh-CN" altLang="en-US" sz="1800" b="0" i="0" u="none" strike="noStrike" kern="0" cap="none" spc="0" normalizeH="0" baseline="0" noProof="0" dirty="0">
+              <a:ln>
+                <a:noFill/>
+              </a:ln>
+              <a:solidFill>
+                <a:srgbClr val="FFFFFF"/>
+              </a:solidFill>
+              <a:effectLst/>
+              <a:uLnTx/>
+              <a:uFillTx/>
+              <a:latin typeface="Segoe UI" panose="020B0502040204020203"/>
+              <a:ea typeface="微软雅黑" panose="020B0503020204020204" pitchFamily="34" charset="-122"/>
+              <a:cs typeface="+mn-cs"/>
+            </a:endParaRPr>
+          </a:p>
+        </p:txBody>
+      </p:sp>
+      <p:sp>
+        <p:nvSpPr>
+          <p:cNvPr id="15" name="矩形 14">
+            <a:extLst>
+              <a:ext uri="{FF2B5EF4-FFF2-40B4-BE49-F238E27FC236}">
+                <a16:creationId xmlns:a16="http://schemas.microsoft.com/office/drawing/2014/main" id="{C86F24C8-7D24-E380-28FC-1D9202FDC66F}"/>
+              </a:ext>
+            </a:extLst>
+          </p:cNvPr>
+          <p:cNvSpPr>
+            <a:spLocks noChangeAspect="1"/>
+          </p:cNvSpPr>
+          <p:nvPr/>
+        </p:nvSpPr>
+        <p:spPr>
+          <a:xfrm>
+            <a:off x="1929230" y="2828815"/>
+            <a:ext cx="720725" cy="720725"/>
+          </a:xfrm>
+          <a:prstGeom prst="rect">
+            <a:avLst/>
+          </a:prstGeom>
+          <a:solidFill>
+            <a:srgbClr val="28425D"/>
+          </a:solidFill>
+          <a:ln w="19050" cap="flat" cmpd="sng" algn="ctr">
+            <a:noFill/>
+            <a:prstDash val="solid"/>
+            <a:miter lim="800000"/>
+          </a:ln>
+          <a:effectLst/>
+        </p:spPr>
+        <p:txBody>
+          <a:bodyPr anchor="ctr"/>
+          <a:lstStyle/>
+          <a:p>
+            <a:pPr algn="ctr">
+              <a:defRPr/>
+            </a:pPr>
+            <a:r>
+              <a:rPr lang="en-US" altLang="zh-CN" sz="3200" b="1" i="1" kern="0" dirty="0">
+                <a:solidFill>
+                  <a:srgbClr val="FFFFFF"/>
+                </a:solidFill>
+                <a:latin typeface="Segoe UI" panose="020B0502040204020203" pitchFamily="34" charset="0"/>
+                <a:ea typeface="微软雅黑" panose="020B0503020204020204" pitchFamily="34" charset="-122"/>
+              </a:rPr>
+              <a:t>02</a:t>
+            </a:r>
+            <a:endParaRPr lang="zh-CN" altLang="en-US" sz="3200" b="1" i="1" kern="0" dirty="0">
+              <a:solidFill>
+                <a:srgbClr val="FFFFFF"/>
+              </a:solidFill>
+              <a:latin typeface="Segoe UI" panose="020B0502040204020203" pitchFamily="34" charset="0"/>
+              <a:ea typeface="微软雅黑" panose="020B0503020204020204" pitchFamily="34" charset="-122"/>
+            </a:endParaRPr>
+          </a:p>
+        </p:txBody>
+      </p:sp>
+      <p:sp>
+        <p:nvSpPr>
+          <p:cNvPr id="16" name="矩形 14">
+            <a:extLst>
+              <a:ext uri="{FF2B5EF4-FFF2-40B4-BE49-F238E27FC236}">
+                <a16:creationId xmlns:a16="http://schemas.microsoft.com/office/drawing/2014/main" id="{B3B70474-8306-407B-58AE-42AC1F5EA2EB}"/>
+              </a:ext>
+            </a:extLst>
+          </p:cNvPr>
+          <p:cNvSpPr>
+            <a:spLocks noChangeAspect="1"/>
+          </p:cNvSpPr>
+          <p:nvPr/>
+        </p:nvSpPr>
+        <p:spPr>
+          <a:xfrm>
+            <a:off x="1911350" y="4514967"/>
+            <a:ext cx="720725" cy="720725"/>
+          </a:xfrm>
+          <a:prstGeom prst="rect">
+            <a:avLst/>
+          </a:prstGeom>
+          <a:solidFill>
+            <a:srgbClr val="28425D"/>
+          </a:solidFill>
+          <a:ln w="19050" cap="flat" cmpd="sng" algn="ctr">
+            <a:noFill/>
+            <a:prstDash val="solid"/>
+            <a:miter lim="800000"/>
+          </a:ln>
+          <a:effectLst/>
+        </p:spPr>
+        <p:txBody>
+          <a:bodyPr anchor="ctr"/>
+          <a:lstStyle/>
+          <a:p>
+            <a:pPr marR="0" lvl="0" indent="0" algn="ctr" fontAlgn="auto">
+              <a:lnSpc>
+                <a:spcPct val="100000"/>
+              </a:lnSpc>
+              <a:spcBef>
+                <a:spcPts val="0"/>
+              </a:spcBef>
+              <a:spcAft>
+                <a:spcPts val="0"/>
+              </a:spcAft>
+              <a:buClrTx/>
+              <a:buSzTx/>
+              <a:buFontTx/>
+              <a:buNone/>
+              <a:defRPr/>
+            </a:pPr>
+            <a:r>
+              <a:rPr lang="en-US" altLang="zh-CN" sz="3200" b="1" i="1" kern="0" dirty="0">
+                <a:solidFill>
+                  <a:srgbClr val="FFFFFF"/>
+                </a:solidFill>
+                <a:latin typeface="Segoe UI" panose="020B0502040204020203" pitchFamily="34" charset="0"/>
+                <a:ea typeface="微软雅黑" panose="020B0503020204020204" pitchFamily="34" charset="-122"/>
+              </a:rPr>
+              <a:t>04</a:t>
+            </a:r>
+            <a:endParaRPr lang="zh-CN" altLang="en-US" sz="3200" b="1" i="1" kern="0" dirty="0">
+              <a:solidFill>
+                <a:srgbClr val="FFFFFF"/>
+              </a:solidFill>
+              <a:latin typeface="Segoe UI" panose="020B0502040204020203" pitchFamily="34" charset="0"/>
+              <a:ea typeface="微软雅黑" panose="020B0503020204020204" pitchFamily="34" charset="-122"/>
+            </a:endParaRPr>
+          </a:p>
+        </p:txBody>
+      </p:sp>
+      <p:sp>
+        <p:nvSpPr>
+          <p:cNvPr id="20" name="矩形 12">
+            <a:extLst>
+              <a:ext uri="{FF2B5EF4-FFF2-40B4-BE49-F238E27FC236}">
+                <a16:creationId xmlns:a16="http://schemas.microsoft.com/office/drawing/2014/main" id="{5806FD5B-751E-1937-A234-AB4946D451CB}"/>
+              </a:ext>
+            </a:extLst>
+          </p:cNvPr>
+          <p:cNvSpPr>
+            <a:spLocks noChangeAspect="1"/>
+          </p:cNvSpPr>
+          <p:nvPr/>
+        </p:nvSpPr>
+        <p:spPr>
+          <a:xfrm>
+            <a:off x="1922290" y="1994097"/>
+            <a:ext cx="720725" cy="719137"/>
+          </a:xfrm>
+          <a:prstGeom prst="rect">
+            <a:avLst/>
+          </a:prstGeom>
+          <a:solidFill>
+            <a:srgbClr val="4F81BD"/>
+          </a:solidFill>
+          <a:ln w="19050" cap="flat" cmpd="sng" algn="ctr">
+            <a:noFill/>
+            <a:prstDash val="solid"/>
+            <a:miter lim="800000"/>
+          </a:ln>
+          <a:effectLst/>
+        </p:spPr>
+        <p:txBody>
+          <a:bodyPr anchor="ctr"/>
+          <a:lstStyle/>
+          <a:p>
+            <a:pPr marR="0" lvl="0" indent="0" algn="ctr" fontAlgn="auto">
+              <a:lnSpc>
+                <a:spcPct val="100000"/>
+              </a:lnSpc>
+              <a:spcBef>
+                <a:spcPts val="0"/>
+              </a:spcBef>
+              <a:spcAft>
+                <a:spcPts val="0"/>
+              </a:spcAft>
+              <a:buClrTx/>
+              <a:buSzTx/>
+              <a:buFontTx/>
+              <a:buNone/>
+              <a:defRPr/>
+            </a:pPr>
+            <a:r>
+              <a:rPr lang="en-US" altLang="zh-CN" sz="3200" b="1" i="1" kern="0" dirty="0">
+                <a:solidFill>
+                  <a:srgbClr val="FFFFFF"/>
+                </a:solidFill>
+                <a:latin typeface="Segoe UI" panose="020B0502040204020203" pitchFamily="34" charset="0"/>
+                <a:ea typeface="微软雅黑" panose="020B0503020204020204" pitchFamily="34" charset="-122"/>
+              </a:rPr>
+              <a:t>01</a:t>
+            </a:r>
+            <a:endParaRPr lang="zh-CN" altLang="en-US" sz="3200" b="1" i="1" kern="0" dirty="0">
+              <a:solidFill>
+                <a:srgbClr val="FFFFFF"/>
+              </a:solidFill>
+              <a:latin typeface="Segoe UI" panose="020B0502040204020203" pitchFamily="34" charset="0"/>
+              <a:ea typeface="微软雅黑" panose="020B0503020204020204" pitchFamily="34" charset="-122"/>
+            </a:endParaRPr>
+          </a:p>
+        </p:txBody>
+      </p:sp>
+      <p:sp>
+        <p:nvSpPr>
+          <p:cNvPr id="21" name="矩形 12">
+            <a:extLst>
+              <a:ext uri="{FF2B5EF4-FFF2-40B4-BE49-F238E27FC236}">
+                <a16:creationId xmlns:a16="http://schemas.microsoft.com/office/drawing/2014/main" id="{2078ABC5-439D-DFD2-3B1C-90E3D2BC5294}"/>
+              </a:ext>
+            </a:extLst>
+          </p:cNvPr>
+          <p:cNvSpPr>
+            <a:spLocks noChangeAspect="1"/>
+          </p:cNvSpPr>
+          <p:nvPr/>
+        </p:nvSpPr>
+        <p:spPr>
+          <a:xfrm>
+            <a:off x="1929230" y="3672682"/>
+            <a:ext cx="720725" cy="719137"/>
+          </a:xfrm>
+          <a:prstGeom prst="rect">
+            <a:avLst/>
+          </a:prstGeom>
+          <a:solidFill>
+            <a:srgbClr val="4F81BD"/>
+          </a:solidFill>
+          <a:ln w="19050" cap="flat" cmpd="sng" algn="ctr">
+            <a:noFill/>
+            <a:prstDash val="solid"/>
+            <a:miter lim="800000"/>
+          </a:ln>
+          <a:effectLst/>
+        </p:spPr>
+        <p:txBody>
+          <a:bodyPr anchor="ctr"/>
+          <a:lstStyle/>
+          <a:p>
+            <a:pPr marR="0" lvl="0" indent="0" algn="ctr" fontAlgn="auto">
+              <a:lnSpc>
+                <a:spcPct val="100000"/>
+              </a:lnSpc>
+              <a:spcBef>
+                <a:spcPts val="0"/>
+              </a:spcBef>
+              <a:spcAft>
+                <a:spcPts val="0"/>
+              </a:spcAft>
+              <a:buClrTx/>
+              <a:buSzTx/>
+              <a:buFontTx/>
+              <a:buNone/>
+              <a:defRPr/>
+            </a:pPr>
+            <a:r>
+              <a:rPr lang="en-US" altLang="zh-CN" sz="3200" b="1" i="1" kern="0" dirty="0">
+                <a:solidFill>
+                  <a:srgbClr val="FFFFFF"/>
+                </a:solidFill>
+                <a:latin typeface="Segoe UI" panose="020B0502040204020203" pitchFamily="34" charset="0"/>
+                <a:ea typeface="微软雅黑" panose="020B0503020204020204" pitchFamily="34" charset="-122"/>
+              </a:rPr>
+              <a:t>03</a:t>
+            </a:r>
+            <a:endParaRPr lang="zh-CN" altLang="en-US" sz="3200" b="1" i="1" kern="0" dirty="0">
+              <a:solidFill>
+                <a:srgbClr val="FFFFFF"/>
+              </a:solidFill>
+              <a:latin typeface="Segoe UI" panose="020B0502040204020203" pitchFamily="34" charset="0"/>
+              <a:ea typeface="微软雅黑" panose="020B0503020204020204" pitchFamily="34" charset="-122"/>
+            </a:endParaRPr>
+          </a:p>
+        </p:txBody>
+      </p:sp>
+      <p:sp>
+        <p:nvSpPr>
+          <p:cNvPr id="22" name="矩形 12">
+            <a:extLst>
+              <a:ext uri="{FF2B5EF4-FFF2-40B4-BE49-F238E27FC236}">
+                <a16:creationId xmlns:a16="http://schemas.microsoft.com/office/drawing/2014/main" id="{2AA6D8EF-3FC5-C694-2CEB-3DD0D7542423}"/>
+              </a:ext>
+            </a:extLst>
+          </p:cNvPr>
+          <p:cNvSpPr>
+            <a:spLocks noChangeAspect="1"/>
+          </p:cNvSpPr>
+          <p:nvPr/>
+        </p:nvSpPr>
+        <p:spPr>
+          <a:xfrm>
+            <a:off x="1929230" y="5357246"/>
+            <a:ext cx="720725" cy="719137"/>
+          </a:xfrm>
+          <a:prstGeom prst="rect">
+            <a:avLst/>
+          </a:prstGeom>
+          <a:solidFill>
+            <a:srgbClr val="4F81BD"/>
+          </a:solidFill>
+          <a:ln w="19050" cap="flat" cmpd="sng" algn="ctr">
+            <a:noFill/>
+            <a:prstDash val="solid"/>
+            <a:miter lim="800000"/>
+          </a:ln>
+          <a:effectLst/>
+        </p:spPr>
+        <p:txBody>
+          <a:bodyPr anchor="ctr"/>
+          <a:lstStyle/>
+          <a:p>
+            <a:pPr marR="0" lvl="0" indent="0" algn="ctr" fontAlgn="auto">
+              <a:lnSpc>
+                <a:spcPct val="100000"/>
+              </a:lnSpc>
+              <a:spcBef>
+                <a:spcPts val="0"/>
+              </a:spcBef>
+              <a:spcAft>
+                <a:spcPts val="0"/>
+              </a:spcAft>
+              <a:buClrTx/>
+              <a:buSzTx/>
+              <a:buFontTx/>
+              <a:buNone/>
+              <a:defRPr/>
+            </a:pPr>
+            <a:r>
+              <a:rPr lang="en-US" altLang="zh-CN" sz="3200" b="1" i="1" kern="0" dirty="0">
+                <a:solidFill>
+                  <a:srgbClr val="FFFFFF"/>
+                </a:solidFill>
+                <a:latin typeface="Segoe UI" panose="020B0502040204020203" pitchFamily="34" charset="0"/>
+                <a:ea typeface="微软雅黑" panose="020B0503020204020204" pitchFamily="34" charset="-122"/>
+              </a:rPr>
+              <a:t>05</a:t>
+            </a:r>
+            <a:endParaRPr lang="zh-CN" altLang="en-US" sz="3200" b="1" i="1" kern="0" dirty="0">
+              <a:solidFill>
+                <a:srgbClr val="FFFFFF"/>
+              </a:solidFill>
+              <a:latin typeface="Segoe UI" panose="020B0502040204020203" pitchFamily="34" charset="0"/>
+              <a:ea typeface="微软雅黑" panose="020B0503020204020204" pitchFamily="34" charset="-122"/>
+            </a:endParaRPr>
+          </a:p>
+        </p:txBody>
+      </p:sp>
+    </p:spTree>
+    <p:extLst>
+      <p:ext uri="{BB962C8B-B14F-4D97-AF65-F5344CB8AC3E}">
+        <p14:creationId xmlns:p14="http://schemas.microsoft.com/office/powerpoint/2010/main" val="3513314032"/>
+      </p:ext>
+    </p:extLst>
+  </p:cSld>
+  <p:clrMapOvr>
+    <a:masterClrMapping/>
+  </p:clrMapOvr>
+</p:sld>
+</file>
+
+<file path=ppt/slides/slide3.xml><?xml version="1.0" encoding="utf-8"?>
+<p:sld xmlns:a="http://schemas.openxmlformats.org/drawingml/2006/main" xmlns:r="http://schemas.openxmlformats.org/officeDocument/2006/relationships" xmlns:p="http://schemas.openxmlformats.org/presentationml/2006/main">
+  <p:cSld>
+    <p:spTree>
+      <p:nvGrpSpPr>
+        <p:cNvPr id="1" name=""/>
+        <p:cNvGrpSpPr/>
+        <p:nvPr/>
+      </p:nvGrpSpPr>
+      <p:grpSpPr>
+        <a:xfrm>
+          <a:off x="0" y="0"/>
+          <a:ext cx="0" cy="0"/>
+          <a:chOff x="0" y="0"/>
+          <a:chExt cx="0" cy="0"/>
+        </a:xfrm>
+      </p:grpSpPr>
+      <p:sp>
+        <p:nvSpPr>
+          <p:cNvPr id="2" name="Freeform 3">
+            <a:extLst>
+              <a:ext uri="{FF2B5EF4-FFF2-40B4-BE49-F238E27FC236}">
+                <a16:creationId xmlns:a16="http://schemas.microsoft.com/office/drawing/2014/main" id="{23D0B4E2-209C-0CC6-7768-213676DA5CBC}"/>
+              </a:ext>
+            </a:extLst>
+          </p:cNvPr>
+          <p:cNvSpPr/>
+          <p:nvPr/>
+        </p:nvSpPr>
+        <p:spPr>
+          <a:xfrm>
+            <a:off x="0" y="0"/>
+            <a:ext cx="12192000" cy="1046481"/>
+          </a:xfrm>
+          <a:custGeom>
+            <a:avLst/>
+            <a:gdLst>
+              <a:gd name="connsiteX0" fmla="*/ 0 w 9906000"/>
+              <a:gd name="connsiteY0" fmla="*/ 1380744 h 1380744"/>
+              <a:gd name="connsiteX1" fmla="*/ 9906000 w 9906000"/>
+              <a:gd name="connsiteY1" fmla="*/ 1380744 h 1380744"/>
+              <a:gd name="connsiteX2" fmla="*/ 9906000 w 9906000"/>
+              <a:gd name="connsiteY2" fmla="*/ 0 h 1380744"/>
+              <a:gd name="connsiteX3" fmla="*/ 0 w 9906000"/>
+              <a:gd name="connsiteY3" fmla="*/ 0 h 1380744"/>
+              <a:gd name="connsiteX4" fmla="*/ 0 w 9906000"/>
+              <a:gd name="connsiteY4" fmla="*/ 1380744 h 1380744"/>
+            </a:gdLst>
+            <a:ahLst/>
+            <a:cxnLst>
+              <a:cxn ang="0">
+                <a:pos x="connsiteX0" y="connsiteY0"/>
+              </a:cxn>
+              <a:cxn ang="1">
+                <a:pos x="connsiteX1" y="connsiteY1"/>
+              </a:cxn>
+              <a:cxn ang="2">
+                <a:pos x="connsiteX2" y="connsiteY2"/>
+              </a:cxn>
+              <a:cxn ang="3">
+                <a:pos x="connsiteX3" y="connsiteY3"/>
+              </a:cxn>
+              <a:cxn ang="4">
+                <a:pos x="connsiteX4" y="connsiteY4"/>
+              </a:cxn>
+            </a:cxnLst>
+            <a:rect l="l" t="t" r="r" b="b"/>
+            <a:pathLst>
+              <a:path w="9906000" h="1380744">
+                <a:moveTo>
+                  <a:pt x="0" y="1380744"/>
+                </a:moveTo>
+                <a:lnTo>
+                  <a:pt x="9906000" y="1380744"/>
+                </a:lnTo>
+                <a:lnTo>
+                  <a:pt x="9906000" y="0"/>
+                </a:lnTo>
+                <a:lnTo>
+                  <a:pt x="0" y="0"/>
+                </a:lnTo>
+                <a:lnTo>
+                  <a:pt x="0" y="1380744"/>
+                </a:lnTo>
+              </a:path>
+            </a:pathLst>
+          </a:custGeom>
+          <a:solidFill>
+            <a:srgbClr val="00355F"/>
+          </a:solidFill>
+          <a:ln w="12700">
+            <a:solidFill>
+              <a:srgbClr val="000000">
+                <a:alpha val="0"/>
+              </a:srgbClr>
+            </a:solidFill>
+            <a:prstDash val="solid"/>
+          </a:ln>
+        </p:spPr>
+        <p:style>
+          <a:lnRef idx="2">
+            <a:schemeClr val="accent1">
+              <a:shade val="50000"/>
+            </a:schemeClr>
+          </a:lnRef>
+          <a:fillRef idx="1">
+            <a:schemeClr val="accent1"/>
+          </a:fillRef>
+          <a:effectRef idx="0">
+            <a:schemeClr val="accent1"/>
+          </a:effectRef>
+          <a:fontRef idx="minor">
+            <a:schemeClr val="lt1"/>
+          </a:fontRef>
+        </p:style>
+        <p:txBody>
+          <a:bodyPr rtlCol="0" anchor="ctr"/>
+          <a:lstStyle/>
+          <a:p>
+            <a:pPr algn="ctr" defTabSz="843915" fontAlgn="auto">
+              <a:spcBef>
+                <a:spcPts val="0"/>
+              </a:spcBef>
+              <a:spcAft>
+                <a:spcPts val="0"/>
+              </a:spcAft>
+            </a:pPr>
+            <a:endParaRPr lang="zh-CN" altLang="en-US" sz="1660">
+              <a:solidFill>
+                <a:prstClr val="white"/>
+              </a:solidFill>
+              <a:latin typeface="Calibri" panose="020F0502020204030204"/>
+              <a:ea typeface="宋体" panose="02010600030101010101" pitchFamily="2" charset="-122"/>
+            </a:endParaRPr>
+          </a:p>
+        </p:txBody>
+      </p:sp>
+      <p:pic>
+        <p:nvPicPr>
+          <p:cNvPr id="3" name="Picture 1">
+            <a:extLst>
+              <a:ext uri="{FF2B5EF4-FFF2-40B4-BE49-F238E27FC236}">
+                <a16:creationId xmlns:a16="http://schemas.microsoft.com/office/drawing/2014/main" id="{314359CC-6898-E57F-5640-A9C00083CCAD}"/>
+              </a:ext>
+            </a:extLst>
+          </p:cNvPr>
+          <p:cNvPicPr>
+            <a:picLocks noChangeAspect="1"/>
+          </p:cNvPicPr>
+          <p:nvPr/>
+        </p:nvPicPr>
+        <p:blipFill rotWithShape="1">
+          <a:blip r:embed="rId2">
+            <a:extLst>
+              <a:ext uri="{28A0092B-C50C-407E-A947-70E740481C1C}">
+                <a14:useLocalDpi xmlns:a14="http://schemas.microsoft.com/office/drawing/2010/main" val="0"/>
+              </a:ext>
+            </a:extLst>
+          </a:blip>
+          <a:srcRect t="4889" r="73556" b="79852"/>
+          <a:stretch>
+            <a:fillRect/>
+          </a:stretch>
+        </p:blipFill>
+        <p:spPr>
+          <a:xfrm>
+            <a:off x="0" y="1"/>
+            <a:ext cx="2418080" cy="1046480"/>
+          </a:xfrm>
+          <a:prstGeom prst="rect">
+            <a:avLst/>
+          </a:prstGeom>
+        </p:spPr>
+      </p:pic>
+      <p:sp>
+        <p:nvSpPr>
+          <p:cNvPr id="4" name="TextBox 3">
+            <a:extLst>
+              <a:ext uri="{FF2B5EF4-FFF2-40B4-BE49-F238E27FC236}">
+                <a16:creationId xmlns:a16="http://schemas.microsoft.com/office/drawing/2014/main" id="{C80EFC80-0296-7453-E692-0EB2B0F22CED}"/>
+              </a:ext>
+            </a:extLst>
+          </p:cNvPr>
+          <p:cNvSpPr txBox="1"/>
+          <p:nvPr/>
+        </p:nvSpPr>
+        <p:spPr>
+          <a:xfrm>
+            <a:off x="493295" y="1299411"/>
+            <a:ext cx="11141242" cy="3139321"/>
+          </a:xfrm>
+          <a:prstGeom prst="rect">
+            <a:avLst/>
+          </a:prstGeom>
+          <a:noFill/>
+        </p:spPr>
+        <p:txBody>
+          <a:bodyPr wrap="square" rtlCol="0">
+            <a:spAutoFit/>
+          </a:bodyPr>
+          <a:lstStyle/>
+          <a:p>
+            <a:pPr marL="285750" indent="-285750">
+              <a:buFont typeface="Arial" panose="020B0604020202020204" pitchFamily="34" charset="0"/>
+              <a:buChar char="•"/>
+            </a:pPr>
+            <a:r>
+              <a:rPr lang="en-GB" sz="2400" b="1" dirty="0">
+                <a:effectLst/>
+                <a:latin typeface="Cambria" panose="02040503050406030204" pitchFamily="18" charset="0"/>
+                <a:ea typeface="Cambria" panose="02040503050406030204" pitchFamily="18" charset="0"/>
+                <a:cs typeface="Times New Roman" panose="02020603050405020304" pitchFamily="18" charset="0"/>
+              </a:rPr>
+              <a:t>Dataset Description</a:t>
+            </a:r>
+            <a:r>
+              <a:rPr lang="en-GB" sz="2400" dirty="0">
+                <a:effectLst/>
+              </a:rPr>
+              <a:t> </a:t>
+            </a:r>
+            <a:endParaRPr lang="en-GB" dirty="0"/>
+          </a:p>
+          <a:p>
+            <a:r>
+              <a:rPr lang="en-GB" dirty="0"/>
+              <a:t>The IMDB database contains a variety of information on all films that have been released. The following analysis aims to explore the relationship between a set of descriptive variables about a film and its success measured by its respective IMDB rating.</a:t>
+            </a:r>
+          </a:p>
+          <a:p>
+            <a:endParaRPr lang="en-US" dirty="0"/>
+          </a:p>
+          <a:p>
+            <a:pPr marL="285750" indent="-285750">
+              <a:buFont typeface="Arial" panose="020B0604020202020204" pitchFamily="34" charset="0"/>
+              <a:buChar char="•"/>
+            </a:pPr>
+            <a:r>
+              <a:rPr lang="en-GB" sz="2400" b="1" dirty="0">
+                <a:latin typeface="Cambria" panose="02040503050406030204" pitchFamily="18" charset="0"/>
+                <a:ea typeface="Cambria" panose="02040503050406030204" pitchFamily="18" charset="0"/>
+                <a:cs typeface="Times New Roman" panose="02020603050405020304" pitchFamily="18" charset="0"/>
+              </a:rPr>
+              <a:t>Main </a:t>
+            </a:r>
+            <a:r>
+              <a:rPr lang="en-GB" sz="2400" b="1" dirty="0">
+                <a:effectLst/>
+                <a:latin typeface="Cambria" panose="02040503050406030204" pitchFamily="18" charset="0"/>
+                <a:ea typeface="Cambria" panose="02040503050406030204" pitchFamily="18" charset="0"/>
+                <a:cs typeface="Times New Roman" panose="02020603050405020304" pitchFamily="18" charset="0"/>
+              </a:rPr>
+              <a:t>Research Questions </a:t>
+            </a:r>
+            <a:r>
+              <a:rPr lang="en-GB" sz="2400" dirty="0">
+                <a:effectLst/>
+              </a:rPr>
+              <a:t> </a:t>
+            </a:r>
+            <a:endParaRPr lang="en-GB" dirty="0">
+              <a:effectLst/>
+            </a:endParaRPr>
+          </a:p>
+          <a:p>
+            <a:r>
+              <a:rPr lang="en-GB" dirty="0"/>
+              <a:t>Which properties of films influence whether they are rated by IMDB as greater than 7 or not?</a:t>
+            </a:r>
+          </a:p>
+          <a:p>
+            <a:endParaRPr lang="en-GB" dirty="0"/>
+          </a:p>
+          <a:p>
+            <a:pPr marL="285750" indent="-285750">
+              <a:buFont typeface="Arial" panose="020B0604020202020204" pitchFamily="34" charset="0"/>
+              <a:buChar char="•"/>
+            </a:pPr>
+            <a:r>
+              <a:rPr lang="en-US" sz="2400" b="1" dirty="0">
+                <a:latin typeface="Cambria" panose="02040503050406030204" pitchFamily="18" charset="0"/>
+                <a:cs typeface="Times New Roman" panose="02020603050405020304" pitchFamily="18" charset="0"/>
+              </a:rPr>
+              <a:t>Analysis Procedure</a:t>
+            </a:r>
+          </a:p>
+          <a:p>
+            <a:endParaRPr lang="en-US" dirty="0"/>
+          </a:p>
+        </p:txBody>
+      </p:sp>
+      <p:grpSp>
+        <p:nvGrpSpPr>
+          <p:cNvPr id="24" name="Group 23">
+            <a:extLst>
+              <a:ext uri="{FF2B5EF4-FFF2-40B4-BE49-F238E27FC236}">
+                <a16:creationId xmlns:a16="http://schemas.microsoft.com/office/drawing/2014/main" id="{3B39E202-77E9-F174-A504-6BE5F6576FC8}"/>
+              </a:ext>
+            </a:extLst>
+          </p:cNvPr>
+          <p:cNvGrpSpPr/>
+          <p:nvPr/>
+        </p:nvGrpSpPr>
+        <p:grpSpPr>
+          <a:xfrm>
+            <a:off x="493295" y="4615286"/>
+            <a:ext cx="2233422" cy="1207998"/>
+            <a:chOff x="1302268" y="239686"/>
+            <a:chExt cx="1474992" cy="1474992"/>
+          </a:xfrm>
+        </p:grpSpPr>
+        <p:sp>
+          <p:nvSpPr>
+            <p:cNvPr id="25" name="Rounded Rectangle 24">
+              <a:extLst>
+                <a:ext uri="{FF2B5EF4-FFF2-40B4-BE49-F238E27FC236}">
+                  <a16:creationId xmlns:a16="http://schemas.microsoft.com/office/drawing/2014/main" id="{66AD9912-E119-6F10-56B5-F8F35066B9F2}"/>
+                </a:ext>
+              </a:extLst>
+            </p:cNvPr>
+            <p:cNvSpPr/>
+            <p:nvPr/>
+          </p:nvSpPr>
+          <p:spPr>
+            <a:xfrm>
+              <a:off x="1302268" y="239686"/>
+              <a:ext cx="1474992" cy="1474992"/>
+            </a:xfrm>
+            <a:prstGeom prst="roundRect">
+              <a:avLst/>
+            </a:prstGeom>
+            <a:solidFill>
+              <a:srgbClr val="00355F"/>
+            </a:solidFill>
+          </p:spPr>
+          <p:style>
+            <a:lnRef idx="2">
+              <a:schemeClr val="lt1">
+                <a:hueOff val="0"/>
+                <a:satOff val="0"/>
+                <a:lumOff val="0"/>
+                <a:alphaOff val="0"/>
+              </a:schemeClr>
+            </a:lnRef>
+            <a:fillRef idx="1">
+              <a:scrgbClr r="0" g="0" b="0"/>
+            </a:fillRef>
+            <a:effectRef idx="0">
+              <a:schemeClr val="accent1">
+                <a:hueOff val="0"/>
+                <a:satOff val="0"/>
+                <a:lumOff val="0"/>
+                <a:alphaOff val="0"/>
+              </a:schemeClr>
+            </a:effectRef>
+            <a:fontRef idx="minor">
+              <a:schemeClr val="lt1"/>
+            </a:fontRef>
+          </p:style>
+          <p:txBody>
+            <a:bodyPr/>
+            <a:lstStyle/>
+            <a:p>
+              <a:endParaRPr lang="en-US"/>
+            </a:p>
+          </p:txBody>
+        </p:sp>
+        <p:sp>
+          <p:nvSpPr>
+            <p:cNvPr id="26" name="Rounded Rectangle 4">
+              <a:extLst>
+                <a:ext uri="{FF2B5EF4-FFF2-40B4-BE49-F238E27FC236}">
+                  <a16:creationId xmlns:a16="http://schemas.microsoft.com/office/drawing/2014/main" id="{97933856-609F-C5CF-D676-431978E7FB97}"/>
+                </a:ext>
+              </a:extLst>
+            </p:cNvPr>
+            <p:cNvSpPr txBox="1"/>
+            <p:nvPr/>
+          </p:nvSpPr>
+          <p:spPr>
+            <a:xfrm>
+              <a:off x="1374271" y="311689"/>
+              <a:ext cx="1330986" cy="1330986"/>
+            </a:xfrm>
+            <a:prstGeom prst="rect">
+              <a:avLst/>
+            </a:prstGeom>
+          </p:spPr>
+          <p:style>
+            <a:lnRef idx="0">
+              <a:scrgbClr r="0" g="0" b="0"/>
+            </a:lnRef>
+            <a:fillRef idx="0">
+              <a:scrgbClr r="0" g="0" b="0"/>
+            </a:fillRef>
+            <a:effectRef idx="0">
+              <a:scrgbClr r="0" g="0" b="0"/>
+            </a:effectRef>
+            <a:fontRef idx="minor">
+              <a:schemeClr val="lt1"/>
+            </a:fontRef>
+          </p:style>
+          <p:txBody>
+            <a:bodyPr spcFirstLastPara="0" vert="horz" wrap="square" lIns="68580" tIns="68580" rIns="68580" bIns="68580" numCol="1" spcCol="1270" anchor="ctr" anchorCtr="0">
+              <a:noAutofit/>
+            </a:bodyPr>
+            <a:lstStyle/>
+            <a:p>
+              <a:pPr marL="0" lvl="0" indent="0" algn="ctr" defTabSz="800100">
+                <a:lnSpc>
+                  <a:spcPct val="90000"/>
+                </a:lnSpc>
+                <a:spcBef>
+                  <a:spcPct val="0"/>
+                </a:spcBef>
+                <a:spcAft>
+                  <a:spcPct val="35000"/>
+                </a:spcAft>
+                <a:buNone/>
+              </a:pPr>
+              <a:r>
+                <a:rPr lang="en-US" altLang="zh-CN" b="1" dirty="0">
+                  <a:latin typeface="Arial" panose="020B0604020202020204" pitchFamily="34" charset="0"/>
+                  <a:cs typeface="Arial" panose="020B0604020202020204" pitchFamily="34" charset="0"/>
+                </a:rPr>
+                <a:t>Data Cleaning</a:t>
+              </a:r>
+              <a:endParaRPr lang="zh-CN" altLang="en-US" sz="1800" b="1" kern="1200" dirty="0">
+                <a:latin typeface="Arial" panose="020B0604020202020204" pitchFamily="34" charset="0"/>
+                <a:cs typeface="Arial" panose="020B0604020202020204" pitchFamily="34" charset="0"/>
+              </a:endParaRPr>
+            </a:p>
+          </p:txBody>
+        </p:sp>
+      </p:grpSp>
+      <p:grpSp>
+        <p:nvGrpSpPr>
+          <p:cNvPr id="39" name="Group 38">
+            <a:extLst>
+              <a:ext uri="{FF2B5EF4-FFF2-40B4-BE49-F238E27FC236}">
+                <a16:creationId xmlns:a16="http://schemas.microsoft.com/office/drawing/2014/main" id="{BDF8F62F-9075-FE4D-38E0-80D97D55E703}"/>
+              </a:ext>
+            </a:extLst>
+          </p:cNvPr>
+          <p:cNvGrpSpPr/>
+          <p:nvPr/>
+        </p:nvGrpSpPr>
+        <p:grpSpPr>
+          <a:xfrm>
+            <a:off x="3356985" y="4610712"/>
+            <a:ext cx="2233422" cy="1207998"/>
+            <a:chOff x="1302268" y="239686"/>
+            <a:chExt cx="1474992" cy="1474992"/>
+          </a:xfrm>
+        </p:grpSpPr>
+        <p:sp>
+          <p:nvSpPr>
+            <p:cNvPr id="40" name="Rounded Rectangle 39">
+              <a:extLst>
+                <a:ext uri="{FF2B5EF4-FFF2-40B4-BE49-F238E27FC236}">
+                  <a16:creationId xmlns:a16="http://schemas.microsoft.com/office/drawing/2014/main" id="{27D03CF0-7741-F5CD-5989-91A7802375AE}"/>
+                </a:ext>
+              </a:extLst>
+            </p:cNvPr>
+            <p:cNvSpPr/>
+            <p:nvPr/>
+          </p:nvSpPr>
+          <p:spPr>
+            <a:xfrm>
+              <a:off x="1302268" y="239686"/>
+              <a:ext cx="1474992" cy="1474992"/>
+            </a:xfrm>
+            <a:prstGeom prst="roundRect">
+              <a:avLst/>
+            </a:prstGeom>
+            <a:solidFill>
+              <a:srgbClr val="00355F"/>
+            </a:solidFill>
+          </p:spPr>
+          <p:style>
+            <a:lnRef idx="2">
+              <a:schemeClr val="lt1">
+                <a:hueOff val="0"/>
+                <a:satOff val="0"/>
+                <a:lumOff val="0"/>
+                <a:alphaOff val="0"/>
+              </a:schemeClr>
+            </a:lnRef>
+            <a:fillRef idx="1">
+              <a:scrgbClr r="0" g="0" b="0"/>
+            </a:fillRef>
+            <a:effectRef idx="0">
+              <a:schemeClr val="accent1">
+                <a:hueOff val="0"/>
+                <a:satOff val="0"/>
+                <a:lumOff val="0"/>
+                <a:alphaOff val="0"/>
+              </a:schemeClr>
+            </a:effectRef>
+            <a:fontRef idx="minor">
+              <a:schemeClr val="lt1"/>
+            </a:fontRef>
+          </p:style>
+          <p:txBody>
+            <a:bodyPr/>
+            <a:lstStyle/>
+            <a:p>
+              <a:endParaRPr lang="en-US"/>
+            </a:p>
+          </p:txBody>
+        </p:sp>
+        <p:sp>
+          <p:nvSpPr>
+            <p:cNvPr id="41" name="Rounded Rectangle 4">
+              <a:extLst>
+                <a:ext uri="{FF2B5EF4-FFF2-40B4-BE49-F238E27FC236}">
+                  <a16:creationId xmlns:a16="http://schemas.microsoft.com/office/drawing/2014/main" id="{94B0FA5E-2853-CC60-5AD6-E295B4CFDD21}"/>
+                </a:ext>
+              </a:extLst>
+            </p:cNvPr>
+            <p:cNvSpPr txBox="1"/>
+            <p:nvPr/>
+          </p:nvSpPr>
+          <p:spPr>
+            <a:xfrm>
+              <a:off x="1374271" y="311689"/>
+              <a:ext cx="1330986" cy="1330986"/>
+            </a:xfrm>
+            <a:prstGeom prst="rect">
+              <a:avLst/>
+            </a:prstGeom>
+          </p:spPr>
+          <p:style>
+            <a:lnRef idx="0">
+              <a:scrgbClr r="0" g="0" b="0"/>
+            </a:lnRef>
+            <a:fillRef idx="0">
+              <a:scrgbClr r="0" g="0" b="0"/>
+            </a:fillRef>
+            <a:effectRef idx="0">
+              <a:scrgbClr r="0" g="0" b="0"/>
+            </a:effectRef>
+            <a:fontRef idx="minor">
+              <a:schemeClr val="lt1"/>
+            </a:fontRef>
+          </p:style>
+          <p:txBody>
+            <a:bodyPr spcFirstLastPara="0" vert="horz" wrap="square" lIns="68580" tIns="68580" rIns="68580" bIns="68580" numCol="1" spcCol="1270" anchor="ctr" anchorCtr="0">
+              <a:noAutofit/>
+            </a:bodyPr>
+            <a:lstStyle/>
+            <a:p>
+              <a:pPr marL="0" lvl="0" indent="0" algn="ctr" defTabSz="800100">
+                <a:lnSpc>
+                  <a:spcPct val="90000"/>
+                </a:lnSpc>
+                <a:spcBef>
+                  <a:spcPct val="0"/>
+                </a:spcBef>
+                <a:spcAft>
+                  <a:spcPct val="35000"/>
+                </a:spcAft>
+                <a:buNone/>
+              </a:pPr>
+              <a:r>
+                <a:rPr lang="en-US" altLang="zh-CN" b="1" dirty="0">
+                  <a:latin typeface="Arial" panose="020B0604020202020204" pitchFamily="34" charset="0"/>
+                  <a:cs typeface="Arial" panose="020B0604020202020204" pitchFamily="34" charset="0"/>
+                </a:rPr>
+                <a:t>Data Cleaning</a:t>
+              </a:r>
+              <a:endParaRPr lang="zh-CN" altLang="en-US" sz="1800" b="1" kern="1200" dirty="0">
+                <a:latin typeface="Arial" panose="020B0604020202020204" pitchFamily="34" charset="0"/>
+                <a:cs typeface="Arial" panose="020B0604020202020204" pitchFamily="34" charset="0"/>
+              </a:endParaRPr>
+            </a:p>
+          </p:txBody>
+        </p:sp>
+      </p:grpSp>
+      <p:grpSp>
+        <p:nvGrpSpPr>
+          <p:cNvPr id="42" name="Group 41">
+            <a:extLst>
+              <a:ext uri="{FF2B5EF4-FFF2-40B4-BE49-F238E27FC236}">
+                <a16:creationId xmlns:a16="http://schemas.microsoft.com/office/drawing/2014/main" id="{1E54B2C1-3FA1-C009-F8C3-B2BC044E2AC3}"/>
+              </a:ext>
+            </a:extLst>
+          </p:cNvPr>
+          <p:cNvGrpSpPr/>
+          <p:nvPr/>
+        </p:nvGrpSpPr>
+        <p:grpSpPr>
+          <a:xfrm>
+            <a:off x="6220675" y="4610711"/>
+            <a:ext cx="2233422" cy="1207998"/>
+            <a:chOff x="1302268" y="239686"/>
+            <a:chExt cx="1474992" cy="1474992"/>
+          </a:xfrm>
+        </p:grpSpPr>
+        <p:sp>
+          <p:nvSpPr>
+            <p:cNvPr id="43" name="Rounded Rectangle 42">
+              <a:extLst>
+                <a:ext uri="{FF2B5EF4-FFF2-40B4-BE49-F238E27FC236}">
+                  <a16:creationId xmlns:a16="http://schemas.microsoft.com/office/drawing/2014/main" id="{48B51C0D-5A39-1026-6B35-9FC4C9E0BD6D}"/>
+                </a:ext>
+              </a:extLst>
+            </p:cNvPr>
+            <p:cNvSpPr/>
+            <p:nvPr/>
+          </p:nvSpPr>
+          <p:spPr>
+            <a:xfrm>
+              <a:off x="1302268" y="239686"/>
+              <a:ext cx="1474992" cy="1474992"/>
+            </a:xfrm>
+            <a:prstGeom prst="roundRect">
+              <a:avLst/>
+            </a:prstGeom>
+            <a:solidFill>
+              <a:srgbClr val="00355F"/>
+            </a:solidFill>
+          </p:spPr>
+          <p:style>
+            <a:lnRef idx="2">
+              <a:schemeClr val="lt1">
+                <a:hueOff val="0"/>
+                <a:satOff val="0"/>
+                <a:lumOff val="0"/>
+                <a:alphaOff val="0"/>
+              </a:schemeClr>
+            </a:lnRef>
+            <a:fillRef idx="1">
+              <a:scrgbClr r="0" g="0" b="0"/>
+            </a:fillRef>
+            <a:effectRef idx="0">
+              <a:schemeClr val="accent1">
+                <a:hueOff val="0"/>
+                <a:satOff val="0"/>
+                <a:lumOff val="0"/>
+                <a:alphaOff val="0"/>
+              </a:schemeClr>
+            </a:effectRef>
+            <a:fontRef idx="minor">
+              <a:schemeClr val="lt1"/>
+            </a:fontRef>
+          </p:style>
+          <p:txBody>
+            <a:bodyPr/>
+            <a:lstStyle/>
+            <a:p>
+              <a:endParaRPr lang="en-US"/>
+            </a:p>
+          </p:txBody>
+        </p:sp>
+        <p:sp>
+          <p:nvSpPr>
+            <p:cNvPr id="44" name="Rounded Rectangle 4">
+              <a:extLst>
+                <a:ext uri="{FF2B5EF4-FFF2-40B4-BE49-F238E27FC236}">
+                  <a16:creationId xmlns:a16="http://schemas.microsoft.com/office/drawing/2014/main" id="{56764D61-0450-B8D2-E59D-8A40A8883419}"/>
+                </a:ext>
+              </a:extLst>
+            </p:cNvPr>
+            <p:cNvSpPr txBox="1"/>
+            <p:nvPr/>
+          </p:nvSpPr>
+          <p:spPr>
+            <a:xfrm>
+              <a:off x="1374271" y="311689"/>
+              <a:ext cx="1330986" cy="1330986"/>
+            </a:xfrm>
+            <a:prstGeom prst="rect">
+              <a:avLst/>
+            </a:prstGeom>
+          </p:spPr>
+          <p:style>
+            <a:lnRef idx="0">
+              <a:scrgbClr r="0" g="0" b="0"/>
+            </a:lnRef>
+            <a:fillRef idx="0">
+              <a:scrgbClr r="0" g="0" b="0"/>
+            </a:fillRef>
+            <a:effectRef idx="0">
+              <a:scrgbClr r="0" g="0" b="0"/>
+            </a:effectRef>
+            <a:fontRef idx="minor">
+              <a:schemeClr val="lt1"/>
+            </a:fontRef>
+          </p:style>
+          <p:txBody>
+            <a:bodyPr spcFirstLastPara="0" vert="horz" wrap="square" lIns="68580" tIns="68580" rIns="68580" bIns="68580" numCol="1" spcCol="1270" anchor="ctr" anchorCtr="0">
+              <a:noAutofit/>
+            </a:bodyPr>
+            <a:lstStyle/>
+            <a:p>
+              <a:pPr marL="0" lvl="0" indent="0" algn="ctr" defTabSz="800100">
+                <a:lnSpc>
+                  <a:spcPct val="90000"/>
+                </a:lnSpc>
+                <a:spcBef>
+                  <a:spcPct val="0"/>
+                </a:spcBef>
+                <a:spcAft>
+                  <a:spcPct val="35000"/>
+                </a:spcAft>
+                <a:buNone/>
+              </a:pPr>
+              <a:r>
+                <a:rPr lang="en-US" altLang="zh-CN" b="1" dirty="0">
+                  <a:latin typeface="Arial" panose="020B0604020202020204" pitchFamily="34" charset="0"/>
+                  <a:cs typeface="Arial" panose="020B0604020202020204" pitchFamily="34" charset="0"/>
+                </a:rPr>
+                <a:t>Data Cleaning</a:t>
+              </a:r>
+              <a:endParaRPr lang="zh-CN" altLang="en-US" sz="1800" b="1" kern="1200" dirty="0">
+                <a:latin typeface="Arial" panose="020B0604020202020204" pitchFamily="34" charset="0"/>
+                <a:cs typeface="Arial" panose="020B0604020202020204" pitchFamily="34" charset="0"/>
+              </a:endParaRPr>
+            </a:p>
+          </p:txBody>
+        </p:sp>
+      </p:grpSp>
+      <p:grpSp>
+        <p:nvGrpSpPr>
+          <p:cNvPr id="45" name="Group 44">
+            <a:extLst>
+              <a:ext uri="{FF2B5EF4-FFF2-40B4-BE49-F238E27FC236}">
+                <a16:creationId xmlns:a16="http://schemas.microsoft.com/office/drawing/2014/main" id="{164C132C-6199-D819-E29C-040B019A7B8C}"/>
+              </a:ext>
+            </a:extLst>
+          </p:cNvPr>
+          <p:cNvGrpSpPr/>
+          <p:nvPr/>
+        </p:nvGrpSpPr>
+        <p:grpSpPr>
+          <a:xfrm>
+            <a:off x="9084365" y="4610710"/>
+            <a:ext cx="2233422" cy="1207998"/>
+            <a:chOff x="1302268" y="239686"/>
+            <a:chExt cx="1474992" cy="1474992"/>
+          </a:xfrm>
+        </p:grpSpPr>
+        <p:sp>
+          <p:nvSpPr>
+            <p:cNvPr id="46" name="Rounded Rectangle 45">
+              <a:extLst>
+                <a:ext uri="{FF2B5EF4-FFF2-40B4-BE49-F238E27FC236}">
+                  <a16:creationId xmlns:a16="http://schemas.microsoft.com/office/drawing/2014/main" id="{8EA2BDA0-AE57-A18C-AD0D-DEAFD245ED94}"/>
+                </a:ext>
+              </a:extLst>
+            </p:cNvPr>
+            <p:cNvSpPr/>
+            <p:nvPr/>
+          </p:nvSpPr>
+          <p:spPr>
+            <a:xfrm>
+              <a:off x="1302268" y="239686"/>
+              <a:ext cx="1474992" cy="1474992"/>
+            </a:xfrm>
+            <a:prstGeom prst="roundRect">
+              <a:avLst/>
+            </a:prstGeom>
+            <a:solidFill>
+              <a:srgbClr val="00355F"/>
+            </a:solidFill>
+          </p:spPr>
+          <p:style>
+            <a:lnRef idx="2">
+              <a:schemeClr val="lt1">
+                <a:hueOff val="0"/>
+                <a:satOff val="0"/>
+                <a:lumOff val="0"/>
+                <a:alphaOff val="0"/>
+              </a:schemeClr>
+            </a:lnRef>
+            <a:fillRef idx="1">
+              <a:scrgbClr r="0" g="0" b="0"/>
+            </a:fillRef>
+            <a:effectRef idx="0">
+              <a:schemeClr val="accent1">
+                <a:hueOff val="0"/>
+                <a:satOff val="0"/>
+                <a:lumOff val="0"/>
+                <a:alphaOff val="0"/>
+              </a:schemeClr>
+            </a:effectRef>
+            <a:fontRef idx="minor">
+              <a:schemeClr val="lt1"/>
+            </a:fontRef>
+          </p:style>
+          <p:txBody>
+            <a:bodyPr/>
+            <a:lstStyle/>
+            <a:p>
+              <a:endParaRPr lang="en-US"/>
+            </a:p>
+          </p:txBody>
+        </p:sp>
+        <p:sp>
+          <p:nvSpPr>
+            <p:cNvPr id="47" name="Rounded Rectangle 4">
+              <a:extLst>
+                <a:ext uri="{FF2B5EF4-FFF2-40B4-BE49-F238E27FC236}">
+                  <a16:creationId xmlns:a16="http://schemas.microsoft.com/office/drawing/2014/main" id="{36E025C7-CAFC-96CA-84A6-E0C0EE55463B}"/>
+                </a:ext>
+              </a:extLst>
+            </p:cNvPr>
+            <p:cNvSpPr txBox="1"/>
+            <p:nvPr/>
+          </p:nvSpPr>
+          <p:spPr>
+            <a:xfrm>
+              <a:off x="1374271" y="311689"/>
+              <a:ext cx="1330986" cy="1330986"/>
+            </a:xfrm>
+            <a:prstGeom prst="rect">
+              <a:avLst/>
+            </a:prstGeom>
+          </p:spPr>
+          <p:style>
+            <a:lnRef idx="0">
+              <a:scrgbClr r="0" g="0" b="0"/>
+            </a:lnRef>
+            <a:fillRef idx="0">
+              <a:scrgbClr r="0" g="0" b="0"/>
+            </a:fillRef>
+            <a:effectRef idx="0">
+              <a:scrgbClr r="0" g="0" b="0"/>
+            </a:effectRef>
+            <a:fontRef idx="minor">
+              <a:schemeClr val="lt1"/>
+            </a:fontRef>
+          </p:style>
+          <p:txBody>
+            <a:bodyPr spcFirstLastPara="0" vert="horz" wrap="square" lIns="68580" tIns="68580" rIns="68580" bIns="68580" numCol="1" spcCol="1270" anchor="ctr" anchorCtr="0">
+              <a:noAutofit/>
+            </a:bodyPr>
+            <a:lstStyle/>
+            <a:p>
+              <a:pPr marL="0" lvl="0" indent="0" algn="ctr" defTabSz="800100">
+                <a:lnSpc>
+                  <a:spcPct val="90000"/>
+                </a:lnSpc>
+                <a:spcBef>
+                  <a:spcPct val="0"/>
+                </a:spcBef>
+                <a:spcAft>
+                  <a:spcPct val="35000"/>
+                </a:spcAft>
+                <a:buNone/>
+              </a:pPr>
+              <a:r>
+                <a:rPr lang="en-US" altLang="zh-CN" b="1" dirty="0">
+                  <a:latin typeface="Arial" panose="020B0604020202020204" pitchFamily="34" charset="0"/>
+                  <a:cs typeface="Arial" panose="020B0604020202020204" pitchFamily="34" charset="0"/>
+                </a:rPr>
+                <a:t>Data Cleaning</a:t>
+              </a:r>
+              <a:endParaRPr lang="zh-CN" altLang="en-US" sz="1800" b="1" kern="1200" dirty="0">
+                <a:latin typeface="Arial" panose="020B0604020202020204" pitchFamily="34" charset="0"/>
+                <a:cs typeface="Arial" panose="020B0604020202020204" pitchFamily="34" charset="0"/>
+              </a:endParaRPr>
+            </a:p>
+          </p:txBody>
+        </p:sp>
+      </p:grpSp>
+      <p:sp>
+        <p:nvSpPr>
+          <p:cNvPr id="48" name="Right Arrow 47">
+            <a:extLst>
+              <a:ext uri="{FF2B5EF4-FFF2-40B4-BE49-F238E27FC236}">
+                <a16:creationId xmlns:a16="http://schemas.microsoft.com/office/drawing/2014/main" id="{CF3A0AA0-CBBF-65B6-232E-28F1ADD290C9}"/>
+              </a:ext>
+            </a:extLst>
+          </p:cNvPr>
+          <p:cNvSpPr/>
+          <p:nvPr/>
+        </p:nvSpPr>
+        <p:spPr>
+          <a:xfrm flipV="1">
+            <a:off x="8516567" y="5049583"/>
+            <a:ext cx="505327" cy="369332"/>
+          </a:xfrm>
+          <a:prstGeom prst="rightArrow">
+            <a:avLst/>
+          </a:prstGeom>
+        </p:spPr>
+        <p:style>
+          <a:lnRef idx="2">
+            <a:schemeClr val="accent1">
+              <a:shade val="15000"/>
+            </a:schemeClr>
+          </a:lnRef>
+          <a:fillRef idx="1">
+            <a:schemeClr val="accent1"/>
+          </a:fillRef>
+          <a:effectRef idx="0">
+            <a:schemeClr val="accent1"/>
+          </a:effectRef>
+          <a:fontRef idx="minor">
+            <a:schemeClr val="lt1"/>
+          </a:fontRef>
+        </p:style>
+        <p:txBody>
+          <a:bodyPr rtlCol="0" anchor="ctr"/>
+          <a:lstStyle/>
+          <a:p>
+            <a:pPr algn="ctr"/>
+            <a:endParaRPr lang="en-US"/>
+          </a:p>
+        </p:txBody>
+      </p:sp>
+      <p:sp>
+        <p:nvSpPr>
+          <p:cNvPr id="49" name="Right Arrow 48">
+            <a:extLst>
+              <a:ext uri="{FF2B5EF4-FFF2-40B4-BE49-F238E27FC236}">
+                <a16:creationId xmlns:a16="http://schemas.microsoft.com/office/drawing/2014/main" id="{84660ECC-800A-0328-CBAD-7B24E9BE90A0}"/>
+              </a:ext>
+            </a:extLst>
+          </p:cNvPr>
+          <p:cNvSpPr/>
+          <p:nvPr/>
+        </p:nvSpPr>
+        <p:spPr>
+          <a:xfrm flipV="1">
+            <a:off x="5652877" y="5030042"/>
+            <a:ext cx="505327" cy="369332"/>
+          </a:xfrm>
+          <a:prstGeom prst="rightArrow">
+            <a:avLst/>
+          </a:prstGeom>
+        </p:spPr>
+        <p:style>
+          <a:lnRef idx="2">
+            <a:schemeClr val="accent1">
+              <a:shade val="15000"/>
+            </a:schemeClr>
+          </a:lnRef>
+          <a:fillRef idx="1">
+            <a:schemeClr val="accent1"/>
+          </a:fillRef>
+          <a:effectRef idx="0">
+            <a:schemeClr val="accent1"/>
+          </a:effectRef>
+          <a:fontRef idx="minor">
+            <a:schemeClr val="lt1"/>
+          </a:fontRef>
+        </p:style>
+        <p:txBody>
+          <a:bodyPr rtlCol="0" anchor="ctr"/>
+          <a:lstStyle/>
+          <a:p>
+            <a:pPr algn="ctr"/>
+            <a:endParaRPr lang="en-US"/>
+          </a:p>
+        </p:txBody>
+      </p:sp>
+      <p:sp>
+        <p:nvSpPr>
+          <p:cNvPr id="50" name="Right Arrow 49">
+            <a:extLst>
+              <a:ext uri="{FF2B5EF4-FFF2-40B4-BE49-F238E27FC236}">
+                <a16:creationId xmlns:a16="http://schemas.microsoft.com/office/drawing/2014/main" id="{639F0E57-5EE7-7ED7-0174-F3588F95DF7F}"/>
+              </a:ext>
+            </a:extLst>
+          </p:cNvPr>
+          <p:cNvSpPr/>
+          <p:nvPr/>
+        </p:nvSpPr>
+        <p:spPr>
+          <a:xfrm flipV="1">
+            <a:off x="2789187" y="5030042"/>
+            <a:ext cx="505327" cy="369332"/>
+          </a:xfrm>
+          <a:prstGeom prst="rightArrow">
+            <a:avLst/>
+          </a:prstGeom>
+        </p:spPr>
+        <p:style>
+          <a:lnRef idx="2">
+            <a:schemeClr val="accent1">
+              <a:shade val="15000"/>
+            </a:schemeClr>
+          </a:lnRef>
+          <a:fillRef idx="1">
+            <a:schemeClr val="accent1"/>
+          </a:fillRef>
+          <a:effectRef idx="0">
+            <a:schemeClr val="accent1"/>
+          </a:effectRef>
+          <a:fontRef idx="minor">
+            <a:schemeClr val="lt1"/>
+          </a:fontRef>
+        </p:style>
+        <p:txBody>
+          <a:bodyPr rtlCol="0" anchor="ctr"/>
+          <a:lstStyle/>
+          <a:p>
+            <a:pPr algn="ctr"/>
+            <a:endParaRPr lang="en-US"/>
+          </a:p>
+        </p:txBody>
+      </p:sp>
+    </p:spTree>
+    <p:extLst>
+      <p:ext uri="{BB962C8B-B14F-4D97-AF65-F5344CB8AC3E}">
+        <p14:creationId xmlns:p14="http://schemas.microsoft.com/office/powerpoint/2010/main" val="2890005660"/>
+      </p:ext>
+    </p:extLst>
+  </p:cSld>
+  <p:clrMapOvr>
+    <a:masterClrMapping/>
+  </p:clrMapOvr>
+</p:sld>
+</file>
+
+<file path=ppt/slides/slide4.xml><?xml version="1.0" encoding="utf-8"?>
+<p:sld xmlns:a="http://schemas.openxmlformats.org/drawingml/2006/main" xmlns:r="http://schemas.openxmlformats.org/officeDocument/2006/relationships" xmlns:p="http://schemas.openxmlformats.org/presentationml/2006/main">
+  <p:cSld>
+    <p:spTree>
+      <p:nvGrpSpPr>
+        <p:cNvPr id="1" name=""/>
+        <p:cNvGrpSpPr/>
+        <p:nvPr/>
+      </p:nvGrpSpPr>
+      <p:grpSpPr>
+        <a:xfrm>
+          <a:off x="0" y="0"/>
+          <a:ext cx="0" cy="0"/>
+          <a:chOff x="0" y="0"/>
+          <a:chExt cx="0" cy="0"/>
+        </a:xfrm>
+      </p:grpSpPr>
+      <p:sp>
+        <p:nvSpPr>
+          <p:cNvPr id="2" name="Freeform 3">
+            <a:extLst>
+              <a:ext uri="{FF2B5EF4-FFF2-40B4-BE49-F238E27FC236}">
+                <a16:creationId xmlns:a16="http://schemas.microsoft.com/office/drawing/2014/main" id="{23D0B4E2-209C-0CC6-7768-213676DA5CBC}"/>
+              </a:ext>
+            </a:extLst>
+          </p:cNvPr>
+          <p:cNvSpPr/>
+          <p:nvPr/>
+        </p:nvSpPr>
+        <p:spPr>
+          <a:xfrm>
+            <a:off x="0" y="0"/>
+            <a:ext cx="12192000" cy="1046481"/>
+          </a:xfrm>
+          <a:custGeom>
+            <a:avLst/>
+            <a:gdLst>
+              <a:gd name="connsiteX0" fmla="*/ 0 w 9906000"/>
+              <a:gd name="connsiteY0" fmla="*/ 1380744 h 1380744"/>
+              <a:gd name="connsiteX1" fmla="*/ 9906000 w 9906000"/>
+              <a:gd name="connsiteY1" fmla="*/ 1380744 h 1380744"/>
+              <a:gd name="connsiteX2" fmla="*/ 9906000 w 9906000"/>
+              <a:gd name="connsiteY2" fmla="*/ 0 h 1380744"/>
+              <a:gd name="connsiteX3" fmla="*/ 0 w 9906000"/>
+              <a:gd name="connsiteY3" fmla="*/ 0 h 1380744"/>
+              <a:gd name="connsiteX4" fmla="*/ 0 w 9906000"/>
+              <a:gd name="connsiteY4" fmla="*/ 1380744 h 1380744"/>
+            </a:gdLst>
+            <a:ahLst/>
+            <a:cxnLst>
+              <a:cxn ang="0">
+                <a:pos x="connsiteX0" y="connsiteY0"/>
+              </a:cxn>
+              <a:cxn ang="1">
+                <a:pos x="connsiteX1" y="connsiteY1"/>
+              </a:cxn>
+              <a:cxn ang="2">
+                <a:pos x="connsiteX2" y="connsiteY2"/>
+              </a:cxn>
+              <a:cxn ang="3">
+                <a:pos x="connsiteX3" y="connsiteY3"/>
+              </a:cxn>
+              <a:cxn ang="4">
+                <a:pos x="connsiteX4" y="connsiteY4"/>
+              </a:cxn>
+            </a:cxnLst>
+            <a:rect l="l" t="t" r="r" b="b"/>
+            <a:pathLst>
+              <a:path w="9906000" h="1380744">
+                <a:moveTo>
+                  <a:pt x="0" y="1380744"/>
+                </a:moveTo>
+                <a:lnTo>
+                  <a:pt x="9906000" y="1380744"/>
+                </a:lnTo>
+                <a:lnTo>
+                  <a:pt x="9906000" y="0"/>
+                </a:lnTo>
+                <a:lnTo>
+                  <a:pt x="0" y="0"/>
+                </a:lnTo>
+                <a:lnTo>
+                  <a:pt x="0" y="1380744"/>
+                </a:lnTo>
+              </a:path>
+            </a:pathLst>
+          </a:custGeom>
+          <a:solidFill>
+            <a:srgbClr val="00355F"/>
+          </a:solidFill>
+          <a:ln w="12700">
+            <a:solidFill>
+              <a:srgbClr val="000000">
+                <a:alpha val="0"/>
+              </a:srgbClr>
+            </a:solidFill>
+            <a:prstDash val="solid"/>
+          </a:ln>
+        </p:spPr>
+        <p:style>
+          <a:lnRef idx="2">
+            <a:schemeClr val="accent1">
+              <a:shade val="50000"/>
+            </a:schemeClr>
+          </a:lnRef>
+          <a:fillRef idx="1">
+            <a:schemeClr val="accent1"/>
+          </a:fillRef>
+          <a:effectRef idx="0">
+            <a:schemeClr val="accent1"/>
+          </a:effectRef>
+          <a:fontRef idx="minor">
+            <a:schemeClr val="lt1"/>
+          </a:fontRef>
+        </p:style>
+        <p:txBody>
+          <a:bodyPr rtlCol="0" anchor="ctr"/>
+          <a:lstStyle/>
+          <a:p>
+            <a:pPr algn="ctr" defTabSz="843915" fontAlgn="auto">
+              <a:spcBef>
+                <a:spcPts val="0"/>
+              </a:spcBef>
+              <a:spcAft>
+                <a:spcPts val="0"/>
+              </a:spcAft>
+            </a:pPr>
+            <a:endParaRPr lang="zh-CN" altLang="en-US" sz="1660">
+              <a:solidFill>
+                <a:prstClr val="white"/>
+              </a:solidFill>
+              <a:latin typeface="Calibri" panose="020F0502020204030204"/>
+              <a:ea typeface="宋体" panose="02010600030101010101" pitchFamily="2" charset="-122"/>
+            </a:endParaRPr>
+          </a:p>
+        </p:txBody>
+      </p:sp>
+      <p:pic>
+        <p:nvPicPr>
+          <p:cNvPr id="3" name="Picture 1">
+            <a:extLst>
+              <a:ext uri="{FF2B5EF4-FFF2-40B4-BE49-F238E27FC236}">
+                <a16:creationId xmlns:a16="http://schemas.microsoft.com/office/drawing/2014/main" id="{314359CC-6898-E57F-5640-A9C00083CCAD}"/>
+              </a:ext>
+            </a:extLst>
+          </p:cNvPr>
+          <p:cNvPicPr>
+            <a:picLocks noChangeAspect="1"/>
+          </p:cNvPicPr>
+          <p:nvPr/>
+        </p:nvPicPr>
+        <p:blipFill rotWithShape="1">
+          <a:blip r:embed="rId2">
+            <a:extLst>
+              <a:ext uri="{28A0092B-C50C-407E-A947-70E740481C1C}">
+                <a14:useLocalDpi xmlns:a14="http://schemas.microsoft.com/office/drawing/2010/main" val="0"/>
+              </a:ext>
+            </a:extLst>
+          </a:blip>
+          <a:srcRect t="4889" r="73556" b="79852"/>
+          <a:stretch>
+            <a:fillRect/>
+          </a:stretch>
+        </p:blipFill>
+        <p:spPr>
+          <a:xfrm>
+            <a:off x="0" y="1"/>
+            <a:ext cx="2418080" cy="1046480"/>
+          </a:xfrm>
+          <a:prstGeom prst="rect">
+            <a:avLst/>
+          </a:prstGeom>
+        </p:spPr>
+      </p:pic>
+      <p:sp>
+        <p:nvSpPr>
+          <p:cNvPr id="4" name="TextBox 3">
+            <a:extLst>
+              <a:ext uri="{FF2B5EF4-FFF2-40B4-BE49-F238E27FC236}">
+                <a16:creationId xmlns:a16="http://schemas.microsoft.com/office/drawing/2014/main" id="{C80EFC80-0296-7453-E692-0EB2B0F22CED}"/>
+              </a:ext>
+            </a:extLst>
+          </p:cNvPr>
+          <p:cNvSpPr txBox="1"/>
+          <p:nvPr/>
+        </p:nvSpPr>
+        <p:spPr>
+          <a:xfrm>
+            <a:off x="493295" y="1299411"/>
+            <a:ext cx="11141242" cy="4062651"/>
+          </a:xfrm>
+          <a:prstGeom prst="rect">
+            <a:avLst/>
+          </a:prstGeom>
+          <a:noFill/>
+        </p:spPr>
+        <p:txBody>
+          <a:bodyPr wrap="square" rtlCol="0">
+            <a:spAutoFit/>
+          </a:bodyPr>
+          <a:lstStyle/>
+          <a:p>
+            <a:r>
+              <a:rPr lang="en-US" sz="2400" b="1" dirty="0"/>
+              <a:t>Data Cleaning</a:t>
+            </a:r>
+          </a:p>
+          <a:p>
+            <a:r>
+              <a:rPr lang="en-GB" dirty="0"/>
+              <a:t>As a subset of the IMDB database, the film dataset contains the following variables:</a:t>
+            </a:r>
+          </a:p>
+          <a:p>
+            <a:pPr marL="857250" lvl="1" indent="-400050">
+              <a:buFont typeface="+mj-lt"/>
+              <a:buAutoNum type="romanLcPeriod"/>
+            </a:pPr>
+            <a:r>
+              <a:rPr lang="en-GB" dirty="0"/>
+              <a:t> </a:t>
+            </a:r>
+            <a:r>
+              <a:rPr lang="en-GB" dirty="0" err="1"/>
+              <a:t>film_id</a:t>
+            </a:r>
+            <a:r>
+              <a:rPr lang="en-GB" dirty="0"/>
+              <a:t> – The unique identifier for the film </a:t>
+            </a:r>
+          </a:p>
+          <a:p>
+            <a:pPr marL="857250" lvl="1" indent="-400050">
+              <a:buFont typeface="+mj-lt"/>
+              <a:buAutoNum type="romanLcPeriod"/>
+            </a:pPr>
+            <a:r>
+              <a:rPr lang="en-GB" dirty="0"/>
+              <a:t> year – Year of release of the film in cinemas </a:t>
+            </a:r>
+          </a:p>
+          <a:p>
+            <a:pPr marL="857250" lvl="1" indent="-400050">
+              <a:buFont typeface="+mj-lt"/>
+              <a:buAutoNum type="romanLcPeriod"/>
+            </a:pPr>
+            <a:r>
+              <a:rPr lang="en-GB" dirty="0"/>
+              <a:t> length – Duration (in minutes) </a:t>
+            </a:r>
+          </a:p>
+          <a:p>
+            <a:pPr marL="857250" lvl="1" indent="-400050">
+              <a:buFont typeface="+mj-lt"/>
+              <a:buAutoNum type="romanLcPeriod"/>
+            </a:pPr>
+            <a:r>
+              <a:rPr lang="en-GB" dirty="0"/>
+              <a:t> budget – Budget for the films production (in $1000000s) </a:t>
+            </a:r>
+          </a:p>
+          <a:p>
+            <a:pPr marL="857250" lvl="1" indent="-400050">
+              <a:buFont typeface="+mj-lt"/>
+              <a:buAutoNum type="romanLcPeriod"/>
+            </a:pPr>
+            <a:r>
+              <a:rPr lang="en-GB" dirty="0"/>
+              <a:t> votes – Number of positive votes received by viewers </a:t>
+            </a:r>
+          </a:p>
+          <a:p>
+            <a:pPr marL="857250" lvl="1" indent="-400050">
+              <a:buFont typeface="+mj-lt"/>
+              <a:buAutoNum type="romanLcPeriod"/>
+            </a:pPr>
+            <a:r>
+              <a:rPr lang="en-GB" dirty="0"/>
+              <a:t> genre – Genre of the film </a:t>
+            </a:r>
+          </a:p>
+          <a:p>
+            <a:pPr marL="857250" lvl="1" indent="-400050">
+              <a:buFont typeface="+mj-lt"/>
+              <a:buAutoNum type="romanLcPeriod"/>
+            </a:pPr>
+            <a:r>
+              <a:rPr lang="en-GB" dirty="0"/>
+              <a:t> rating – IMDB rating from 0-10</a:t>
+            </a:r>
+          </a:p>
+          <a:p>
+            <a:pPr lvl="1"/>
+            <a:endParaRPr lang="en-GB" dirty="0"/>
+          </a:p>
+          <a:p>
+            <a:r>
+              <a:rPr lang="en-US" dirty="0"/>
+              <a:t>It is now established that </a:t>
+            </a:r>
+            <a:r>
+              <a:rPr lang="en-US" dirty="0" err="1"/>
+              <a:t>film_id</a:t>
+            </a:r>
+            <a:r>
+              <a:rPr lang="en-US" dirty="0"/>
+              <a:t> will not be used as an explanatory variable since it is only an identifier for the film, rather than an informative feature about it.</a:t>
+            </a:r>
+          </a:p>
+          <a:p>
+            <a:r>
+              <a:rPr lang="en-US" dirty="0"/>
+              <a:t>Genre is the only categorical variable contained in the data set. </a:t>
+            </a:r>
+          </a:p>
+          <a:p>
+            <a:r>
+              <a:rPr lang="en-US" dirty="0"/>
+              <a:t>Year, length, budget, and votes are the numerical explanatory variables to be tested in this analysis.</a:t>
+            </a:r>
+          </a:p>
+        </p:txBody>
+      </p:sp>
+    </p:spTree>
+    <p:extLst>
+      <p:ext uri="{BB962C8B-B14F-4D97-AF65-F5344CB8AC3E}">
+        <p14:creationId xmlns:p14="http://schemas.microsoft.com/office/powerpoint/2010/main" val="3090488968"/>
+      </p:ext>
+    </p:extLst>
+  </p:cSld>
+  <p:clrMapOvr>
+    <a:masterClrMapping/>
+  </p:clrMapOvr>
+</p:sld>
+</file>
+
+<file path=ppt/slides/slide5.xml><?xml version="1.0" encoding="utf-8"?>
+<p:sld xmlns:a="http://schemas.openxmlformats.org/drawingml/2006/main" xmlns:r="http://schemas.openxmlformats.org/officeDocument/2006/relationships" xmlns:p="http://schemas.openxmlformats.org/presentationml/2006/main">
+  <p:cSld>
+    <p:spTree>
+      <p:nvGrpSpPr>
+        <p:cNvPr id="1" name=""/>
+        <p:cNvGrpSpPr/>
+        <p:nvPr/>
+      </p:nvGrpSpPr>
+      <p:grpSpPr>
+        <a:xfrm>
+          <a:off x="0" y="0"/>
+          <a:ext cx="0" cy="0"/>
+          <a:chOff x="0" y="0"/>
+          <a:chExt cx="0" cy="0"/>
+        </a:xfrm>
+      </p:grpSpPr>
+      <p:sp>
+        <p:nvSpPr>
+          <p:cNvPr id="2" name="Freeform 3">
+            <a:extLst>
+              <a:ext uri="{FF2B5EF4-FFF2-40B4-BE49-F238E27FC236}">
+                <a16:creationId xmlns:a16="http://schemas.microsoft.com/office/drawing/2014/main" id="{23D0B4E2-209C-0CC6-7768-213676DA5CBC}"/>
+              </a:ext>
+            </a:extLst>
+          </p:cNvPr>
+          <p:cNvSpPr/>
+          <p:nvPr/>
+        </p:nvSpPr>
+        <p:spPr>
+          <a:xfrm>
+            <a:off x="0" y="0"/>
+            <a:ext cx="12192000" cy="1046481"/>
+          </a:xfrm>
+          <a:custGeom>
+            <a:avLst/>
+            <a:gdLst>
+              <a:gd name="connsiteX0" fmla="*/ 0 w 9906000"/>
+              <a:gd name="connsiteY0" fmla="*/ 1380744 h 1380744"/>
+              <a:gd name="connsiteX1" fmla="*/ 9906000 w 9906000"/>
+              <a:gd name="connsiteY1" fmla="*/ 1380744 h 1380744"/>
+              <a:gd name="connsiteX2" fmla="*/ 9906000 w 9906000"/>
+              <a:gd name="connsiteY2" fmla="*/ 0 h 1380744"/>
+              <a:gd name="connsiteX3" fmla="*/ 0 w 9906000"/>
+              <a:gd name="connsiteY3" fmla="*/ 0 h 1380744"/>
+              <a:gd name="connsiteX4" fmla="*/ 0 w 9906000"/>
+              <a:gd name="connsiteY4" fmla="*/ 1380744 h 1380744"/>
+            </a:gdLst>
+            <a:ahLst/>
+            <a:cxnLst>
+              <a:cxn ang="0">
+                <a:pos x="connsiteX0" y="connsiteY0"/>
+              </a:cxn>
+              <a:cxn ang="1">
+                <a:pos x="connsiteX1" y="connsiteY1"/>
+              </a:cxn>
+              <a:cxn ang="2">
+                <a:pos x="connsiteX2" y="connsiteY2"/>
+              </a:cxn>
+              <a:cxn ang="3">
+                <a:pos x="connsiteX3" y="connsiteY3"/>
+              </a:cxn>
+              <a:cxn ang="4">
+                <a:pos x="connsiteX4" y="connsiteY4"/>
+              </a:cxn>
+            </a:cxnLst>
+            <a:rect l="l" t="t" r="r" b="b"/>
+            <a:pathLst>
+              <a:path w="9906000" h="1380744">
+                <a:moveTo>
+                  <a:pt x="0" y="1380744"/>
+                </a:moveTo>
+                <a:lnTo>
+                  <a:pt x="9906000" y="1380744"/>
+                </a:lnTo>
+                <a:lnTo>
+                  <a:pt x="9906000" y="0"/>
+                </a:lnTo>
+                <a:lnTo>
+                  <a:pt x="0" y="0"/>
+                </a:lnTo>
+                <a:lnTo>
+                  <a:pt x="0" y="1380744"/>
+                </a:lnTo>
+              </a:path>
+            </a:pathLst>
+          </a:custGeom>
+          <a:solidFill>
+            <a:srgbClr val="00355F"/>
+          </a:solidFill>
+          <a:ln w="12700">
+            <a:solidFill>
+              <a:srgbClr val="000000">
+                <a:alpha val="0"/>
+              </a:srgbClr>
+            </a:solidFill>
+            <a:prstDash val="solid"/>
+          </a:ln>
+        </p:spPr>
+        <p:style>
+          <a:lnRef idx="2">
+            <a:schemeClr val="accent1">
+              <a:shade val="50000"/>
+            </a:schemeClr>
+          </a:lnRef>
+          <a:fillRef idx="1">
+            <a:schemeClr val="accent1"/>
+          </a:fillRef>
+          <a:effectRef idx="0">
+            <a:schemeClr val="accent1"/>
+          </a:effectRef>
+          <a:fontRef idx="minor">
+            <a:schemeClr val="lt1"/>
+          </a:fontRef>
+        </p:style>
+        <p:txBody>
+          <a:bodyPr rtlCol="0" anchor="ctr"/>
+          <a:lstStyle/>
+          <a:p>
+            <a:pPr algn="ctr" defTabSz="843915" fontAlgn="auto">
+              <a:spcBef>
+                <a:spcPts val="0"/>
+              </a:spcBef>
+              <a:spcAft>
+                <a:spcPts val="0"/>
+              </a:spcAft>
+            </a:pPr>
+            <a:endParaRPr lang="zh-CN" altLang="en-US" sz="1660">
+              <a:solidFill>
+                <a:prstClr val="white"/>
+              </a:solidFill>
+              <a:latin typeface="Calibri" panose="020F0502020204030204"/>
+              <a:ea typeface="宋体" panose="02010600030101010101" pitchFamily="2" charset="-122"/>
+            </a:endParaRPr>
+          </a:p>
+        </p:txBody>
+      </p:sp>
+      <p:pic>
+        <p:nvPicPr>
+          <p:cNvPr id="3" name="Picture 1">
+            <a:extLst>
+              <a:ext uri="{FF2B5EF4-FFF2-40B4-BE49-F238E27FC236}">
+                <a16:creationId xmlns:a16="http://schemas.microsoft.com/office/drawing/2014/main" id="{314359CC-6898-E57F-5640-A9C00083CCAD}"/>
+              </a:ext>
+            </a:extLst>
+          </p:cNvPr>
+          <p:cNvPicPr>
+            <a:picLocks noChangeAspect="1"/>
+          </p:cNvPicPr>
+          <p:nvPr/>
+        </p:nvPicPr>
+        <p:blipFill rotWithShape="1">
+          <a:blip r:embed="rId2">
+            <a:extLst>
+              <a:ext uri="{28A0092B-C50C-407E-A947-70E740481C1C}">
+                <a14:useLocalDpi xmlns:a14="http://schemas.microsoft.com/office/drawing/2010/main" val="0"/>
+              </a:ext>
+            </a:extLst>
+          </a:blip>
+          <a:srcRect t="4889" r="73556" b="79852"/>
+          <a:stretch>
+            <a:fillRect/>
+          </a:stretch>
+        </p:blipFill>
+        <p:spPr>
+          <a:xfrm>
+            <a:off x="0" y="1"/>
+            <a:ext cx="2418080" cy="1046480"/>
+          </a:xfrm>
+          <a:prstGeom prst="rect">
+            <a:avLst/>
+          </a:prstGeom>
+        </p:spPr>
+      </p:pic>
+      <p:sp>
+        <p:nvSpPr>
+          <p:cNvPr id="4" name="TextBox 3">
+            <a:extLst>
+              <a:ext uri="{FF2B5EF4-FFF2-40B4-BE49-F238E27FC236}">
+                <a16:creationId xmlns:a16="http://schemas.microsoft.com/office/drawing/2014/main" id="{C80EFC80-0296-7453-E692-0EB2B0F22CED}"/>
+              </a:ext>
+            </a:extLst>
+          </p:cNvPr>
+          <p:cNvSpPr txBox="1"/>
+          <p:nvPr/>
+        </p:nvSpPr>
+        <p:spPr>
+          <a:xfrm>
+            <a:off x="472534" y="1197218"/>
+            <a:ext cx="11141242" cy="830997"/>
+          </a:xfrm>
+          <a:prstGeom prst="rect">
+            <a:avLst/>
+          </a:prstGeom>
+          <a:noFill/>
+        </p:spPr>
+        <p:txBody>
+          <a:bodyPr wrap="square" rtlCol="0">
+            <a:spAutoFit/>
+          </a:bodyPr>
+          <a:lstStyle/>
+          <a:p>
+            <a:r>
+              <a:rPr lang="en-US" sz="2400" b="1" dirty="0"/>
+              <a:t>Data Cleaning</a:t>
+            </a:r>
+          </a:p>
+          <a:p>
+            <a:endParaRPr lang="en-US" sz="2400" b="1" dirty="0"/>
+          </a:p>
+        </p:txBody>
+      </p:sp>
+      <p:pic>
+        <p:nvPicPr>
+          <p:cNvPr id="5" name="Picture 4">
+            <a:extLst>
+              <a:ext uri="{FF2B5EF4-FFF2-40B4-BE49-F238E27FC236}">
+                <a16:creationId xmlns:a16="http://schemas.microsoft.com/office/drawing/2014/main" id="{ACF8F791-3E2D-EF38-4E0E-8FFE7B183341}"/>
+              </a:ext>
+            </a:extLst>
+          </p:cNvPr>
+          <p:cNvPicPr>
+            <a:picLocks noChangeAspect="1"/>
+          </p:cNvPicPr>
+          <p:nvPr/>
+        </p:nvPicPr>
+        <p:blipFill>
+          <a:blip r:embed="rId3"/>
+          <a:stretch>
+            <a:fillRect/>
+          </a:stretch>
+        </p:blipFill>
+        <p:spPr>
+          <a:xfrm>
+            <a:off x="514055" y="1714909"/>
+            <a:ext cx="11058200" cy="1929302"/>
+          </a:xfrm>
+          <a:prstGeom prst="rect">
+            <a:avLst/>
+          </a:prstGeom>
+        </p:spPr>
+      </p:pic>
+      <p:sp>
+        <p:nvSpPr>
+          <p:cNvPr id="8" name="TextBox 7">
+            <a:extLst>
+              <a:ext uri="{FF2B5EF4-FFF2-40B4-BE49-F238E27FC236}">
+                <a16:creationId xmlns:a16="http://schemas.microsoft.com/office/drawing/2014/main" id="{B5BD675A-0DCE-35AE-A2C5-3E48CC47E237}"/>
+              </a:ext>
+            </a:extLst>
+          </p:cNvPr>
+          <p:cNvSpPr txBox="1"/>
+          <p:nvPr/>
+        </p:nvSpPr>
+        <p:spPr>
+          <a:xfrm>
+            <a:off x="514055" y="3840947"/>
+            <a:ext cx="11058200" cy="923330"/>
+          </a:xfrm>
+          <a:prstGeom prst="rect">
+            <a:avLst/>
+          </a:prstGeom>
+          <a:noFill/>
+        </p:spPr>
+        <p:txBody>
+          <a:bodyPr wrap="square" rtlCol="0">
+            <a:spAutoFit/>
+          </a:bodyPr>
+          <a:lstStyle/>
+          <a:p>
+            <a:r>
+              <a:rPr lang="en-US" dirty="0"/>
+              <a:t>When it comes to the numerical variables,</a:t>
+            </a:r>
+            <a:r>
+              <a:rPr lang="en-GB" b="0" i="0" dirty="0">
+                <a:solidFill>
+                  <a:srgbClr val="333333"/>
+                </a:solidFill>
+                <a:effectLst/>
+                <a:highlight>
+                  <a:srgbClr val="FFFFFF"/>
+                </a:highlight>
+                <a:latin typeface="-apple-system"/>
+              </a:rPr>
+              <a:t> summary statistics above show </a:t>
+            </a:r>
+            <a:r>
+              <a:rPr lang="en-US" b="0" i="0" dirty="0">
+                <a:solidFill>
+                  <a:srgbClr val="333333"/>
+                </a:solidFill>
+                <a:effectLst/>
+                <a:highlight>
+                  <a:srgbClr val="FFFFFF"/>
+                </a:highlight>
+                <a:latin typeface="-apple-system"/>
+              </a:rPr>
+              <a:t>that</a:t>
+            </a:r>
+            <a:r>
+              <a:rPr lang="en-US" dirty="0"/>
+              <a:t> there are 127 missing values in length variable. </a:t>
+            </a:r>
+            <a:r>
+              <a:rPr lang="en-GB" dirty="0"/>
+              <a:t>For these missing values, the median film length by genre will be chosen to impute</a:t>
+            </a:r>
+            <a:r>
+              <a:rPr lang="en-US" dirty="0"/>
+              <a:t>, considering the length distribution is not equal among different film genres.</a:t>
+            </a:r>
+          </a:p>
+        </p:txBody>
+      </p:sp>
+      <p:pic>
+        <p:nvPicPr>
+          <p:cNvPr id="9" name="Picture 8">
+            <a:extLst>
+              <a:ext uri="{FF2B5EF4-FFF2-40B4-BE49-F238E27FC236}">
+                <a16:creationId xmlns:a16="http://schemas.microsoft.com/office/drawing/2014/main" id="{45D61513-3D48-7F69-6420-92C472FA4F37}"/>
+              </a:ext>
+            </a:extLst>
+          </p:cNvPr>
+          <p:cNvPicPr>
+            <a:picLocks noChangeAspect="1"/>
+          </p:cNvPicPr>
+          <p:nvPr/>
+        </p:nvPicPr>
+        <p:blipFill>
+          <a:blip r:embed="rId4"/>
+          <a:stretch>
+            <a:fillRect/>
+          </a:stretch>
+        </p:blipFill>
+        <p:spPr>
+          <a:xfrm>
+            <a:off x="493295" y="4916889"/>
+            <a:ext cx="11099721" cy="1896985"/>
+          </a:xfrm>
+          <a:prstGeom prst="rect">
+            <a:avLst/>
+          </a:prstGeom>
+        </p:spPr>
+      </p:pic>
+    </p:spTree>
+    <p:extLst>
+      <p:ext uri="{BB962C8B-B14F-4D97-AF65-F5344CB8AC3E}">
+        <p14:creationId xmlns:p14="http://schemas.microsoft.com/office/powerpoint/2010/main" val="4157363325"/>
+      </p:ext>
+    </p:extLst>
+  </p:cSld>
+  <p:clrMapOvr>
+    <a:masterClrMapping/>
+  </p:clrMapOvr>
+</p:sld>
+</file>
+
+<file path=ppt/slides/slide6.xml><?xml version="1.0" encoding="utf-8"?>
+<p:sld xmlns:a="http://schemas.openxmlformats.org/drawingml/2006/main" xmlns:r="http://schemas.openxmlformats.org/officeDocument/2006/relationships" xmlns:p="http://schemas.openxmlformats.org/presentationml/2006/main">
+  <p:cSld>
+    <p:spTree>
+      <p:nvGrpSpPr>
+        <p:cNvPr id="1" name=""/>
+        <p:cNvGrpSpPr/>
+        <p:nvPr/>
+      </p:nvGrpSpPr>
+      <p:grpSpPr>
+        <a:xfrm>
+          <a:off x="0" y="0"/>
+          <a:ext cx="0" cy="0"/>
+          <a:chOff x="0" y="0"/>
+          <a:chExt cx="0" cy="0"/>
+        </a:xfrm>
+      </p:grpSpPr>
+      <p:sp>
+        <p:nvSpPr>
+          <p:cNvPr id="2" name="Freeform 3">
+            <a:extLst>
+              <a:ext uri="{FF2B5EF4-FFF2-40B4-BE49-F238E27FC236}">
+                <a16:creationId xmlns:a16="http://schemas.microsoft.com/office/drawing/2014/main" id="{23D0B4E2-209C-0CC6-7768-213676DA5CBC}"/>
+              </a:ext>
+            </a:extLst>
+          </p:cNvPr>
+          <p:cNvSpPr/>
+          <p:nvPr/>
+        </p:nvSpPr>
+        <p:spPr>
+          <a:xfrm>
+            <a:off x="0" y="0"/>
+            <a:ext cx="12192000" cy="1046481"/>
+          </a:xfrm>
+          <a:custGeom>
+            <a:avLst/>
+            <a:gdLst>
+              <a:gd name="connsiteX0" fmla="*/ 0 w 9906000"/>
+              <a:gd name="connsiteY0" fmla="*/ 1380744 h 1380744"/>
+              <a:gd name="connsiteX1" fmla="*/ 9906000 w 9906000"/>
+              <a:gd name="connsiteY1" fmla="*/ 1380744 h 1380744"/>
+              <a:gd name="connsiteX2" fmla="*/ 9906000 w 9906000"/>
+              <a:gd name="connsiteY2" fmla="*/ 0 h 1380744"/>
+              <a:gd name="connsiteX3" fmla="*/ 0 w 9906000"/>
+              <a:gd name="connsiteY3" fmla="*/ 0 h 1380744"/>
+              <a:gd name="connsiteX4" fmla="*/ 0 w 9906000"/>
+              <a:gd name="connsiteY4" fmla="*/ 1380744 h 1380744"/>
+            </a:gdLst>
+            <a:ahLst/>
+            <a:cxnLst>
+              <a:cxn ang="0">
+                <a:pos x="connsiteX0" y="connsiteY0"/>
+              </a:cxn>
+              <a:cxn ang="1">
+                <a:pos x="connsiteX1" y="connsiteY1"/>
+              </a:cxn>
+              <a:cxn ang="2">
+                <a:pos x="connsiteX2" y="connsiteY2"/>
+              </a:cxn>
+              <a:cxn ang="3">
+                <a:pos x="connsiteX3" y="connsiteY3"/>
+              </a:cxn>
+              <a:cxn ang="4">
+                <a:pos x="connsiteX4" y="connsiteY4"/>
+              </a:cxn>
+            </a:cxnLst>
+            <a:rect l="l" t="t" r="r" b="b"/>
+            <a:pathLst>
+              <a:path w="9906000" h="1380744">
+                <a:moveTo>
+                  <a:pt x="0" y="1380744"/>
+                </a:moveTo>
+                <a:lnTo>
+                  <a:pt x="9906000" y="1380744"/>
+                </a:lnTo>
+                <a:lnTo>
+                  <a:pt x="9906000" y="0"/>
+                </a:lnTo>
+                <a:lnTo>
+                  <a:pt x="0" y="0"/>
+                </a:lnTo>
+                <a:lnTo>
+                  <a:pt x="0" y="1380744"/>
+                </a:lnTo>
+              </a:path>
+            </a:pathLst>
+          </a:custGeom>
+          <a:solidFill>
+            <a:srgbClr val="00355F"/>
+          </a:solidFill>
+          <a:ln w="12700">
+            <a:solidFill>
+              <a:srgbClr val="000000">
+                <a:alpha val="0"/>
+              </a:srgbClr>
+            </a:solidFill>
+            <a:prstDash val="solid"/>
+          </a:ln>
+        </p:spPr>
+        <p:style>
+          <a:lnRef idx="2">
+            <a:schemeClr val="accent1">
+              <a:shade val="50000"/>
+            </a:schemeClr>
+          </a:lnRef>
+          <a:fillRef idx="1">
+            <a:schemeClr val="accent1"/>
+          </a:fillRef>
+          <a:effectRef idx="0">
+            <a:schemeClr val="accent1"/>
+          </a:effectRef>
+          <a:fontRef idx="minor">
+            <a:schemeClr val="lt1"/>
+          </a:fontRef>
+        </p:style>
+        <p:txBody>
+          <a:bodyPr rtlCol="0" anchor="ctr"/>
+          <a:lstStyle/>
+          <a:p>
+            <a:pPr algn="ctr" defTabSz="843915" fontAlgn="auto">
+              <a:spcBef>
+                <a:spcPts val="0"/>
+              </a:spcBef>
+              <a:spcAft>
+                <a:spcPts val="0"/>
+              </a:spcAft>
+            </a:pPr>
+            <a:endParaRPr lang="zh-CN" altLang="en-US" sz="1660">
+              <a:solidFill>
+                <a:prstClr val="white"/>
+              </a:solidFill>
+              <a:latin typeface="Calibri" panose="020F0502020204030204"/>
+              <a:ea typeface="宋体" panose="02010600030101010101" pitchFamily="2" charset="-122"/>
+            </a:endParaRPr>
+          </a:p>
+        </p:txBody>
+      </p:sp>
+      <p:pic>
+        <p:nvPicPr>
+          <p:cNvPr id="3" name="Picture 1">
+            <a:extLst>
+              <a:ext uri="{FF2B5EF4-FFF2-40B4-BE49-F238E27FC236}">
+                <a16:creationId xmlns:a16="http://schemas.microsoft.com/office/drawing/2014/main" id="{314359CC-6898-E57F-5640-A9C00083CCAD}"/>
+              </a:ext>
+            </a:extLst>
+          </p:cNvPr>
+          <p:cNvPicPr>
+            <a:picLocks noChangeAspect="1"/>
+          </p:cNvPicPr>
+          <p:nvPr/>
+        </p:nvPicPr>
+        <p:blipFill rotWithShape="1">
+          <a:blip r:embed="rId2">
+            <a:extLst>
+              <a:ext uri="{28A0092B-C50C-407E-A947-70E740481C1C}">
+                <a14:useLocalDpi xmlns:a14="http://schemas.microsoft.com/office/drawing/2010/main" val="0"/>
+              </a:ext>
+            </a:extLst>
+          </a:blip>
+          <a:srcRect t="4889" r="73556" b="79852"/>
+          <a:stretch>
+            <a:fillRect/>
+          </a:stretch>
+        </p:blipFill>
+        <p:spPr>
+          <a:xfrm>
+            <a:off x="0" y="1"/>
+            <a:ext cx="2418080" cy="1046480"/>
+          </a:xfrm>
+          <a:prstGeom prst="rect">
+            <a:avLst/>
+          </a:prstGeom>
+        </p:spPr>
+      </p:pic>
+      <p:sp>
+        <p:nvSpPr>
+          <p:cNvPr id="4" name="TextBox 3">
+            <a:extLst>
+              <a:ext uri="{FF2B5EF4-FFF2-40B4-BE49-F238E27FC236}">
+                <a16:creationId xmlns:a16="http://schemas.microsoft.com/office/drawing/2014/main" id="{C80EFC80-0296-7453-E692-0EB2B0F22CED}"/>
+              </a:ext>
+            </a:extLst>
+          </p:cNvPr>
+          <p:cNvSpPr txBox="1"/>
+          <p:nvPr/>
+        </p:nvSpPr>
+        <p:spPr>
+          <a:xfrm>
+            <a:off x="472534" y="1197218"/>
+            <a:ext cx="11141242" cy="830997"/>
+          </a:xfrm>
+          <a:prstGeom prst="rect">
+            <a:avLst/>
+          </a:prstGeom>
+          <a:noFill/>
+        </p:spPr>
+        <p:txBody>
+          <a:bodyPr wrap="square" rtlCol="0">
+            <a:spAutoFit/>
+          </a:bodyPr>
+          <a:lstStyle/>
+          <a:p>
+            <a:r>
+              <a:rPr lang="en-US" sz="2400" b="1" dirty="0"/>
+              <a:t>Exploratory Analysis</a:t>
+            </a:r>
+          </a:p>
+          <a:p>
+            <a:endParaRPr lang="en-US" sz="2400" b="1" dirty="0"/>
+          </a:p>
+        </p:txBody>
+      </p:sp>
+      <p:sp>
+        <p:nvSpPr>
+          <p:cNvPr id="6" name="AutoShape 2">
+            <a:extLst>
+              <a:ext uri="{FF2B5EF4-FFF2-40B4-BE49-F238E27FC236}">
+                <a16:creationId xmlns:a16="http://schemas.microsoft.com/office/drawing/2014/main" id="{BF47818E-EF5B-D8EA-65F9-DBB24A962891}"/>
+              </a:ext>
+            </a:extLst>
+          </p:cNvPr>
+          <p:cNvSpPr>
+            <a:spLocks noChangeAspect="1" noChangeArrowheads="1"/>
+          </p:cNvSpPr>
+          <p:nvPr/>
+        </p:nvSpPr>
+        <p:spPr bwMode="auto">
+          <a:xfrm>
+            <a:off x="5943600" y="3276600"/>
+            <a:ext cx="304800" cy="304800"/>
+          </a:xfrm>
+          <a:prstGeom prst="rect">
+            <a:avLst/>
+          </a:prstGeom>
+          <a:noFill/>
+          <a:extLst>
+            <a:ext uri="{909E8E84-426E-40DD-AFC4-6F175D3DCCD1}">
+              <a14:hiddenFill xmlns:a14="http://schemas.microsoft.com/office/drawing/2010/main">
+                <a:solidFill>
+                  <a:srgbClr val="FFFFFF"/>
+                </a:solidFill>
+              </a14:hiddenFill>
+            </a:ext>
+          </a:extLst>
+        </p:spPr>
+        <p:txBody>
+          <a:bodyPr vert="horz" wrap="square" lIns="91440" tIns="45720" rIns="91440" bIns="45720" numCol="1" anchor="t" anchorCtr="0" compatLnSpc="1">
+            <a:prstTxWarp prst="textNoShape">
+              <a:avLst/>
+            </a:prstTxWarp>
+          </a:bodyPr>
+          <a:lstStyle/>
+          <a:p>
+            <a:endParaRPr lang="en-US"/>
+          </a:p>
+        </p:txBody>
+      </p:sp>
+      <p:sp>
+        <p:nvSpPr>
+          <p:cNvPr id="7" name="AutoShape 4">
+            <a:extLst>
+              <a:ext uri="{FF2B5EF4-FFF2-40B4-BE49-F238E27FC236}">
+                <a16:creationId xmlns:a16="http://schemas.microsoft.com/office/drawing/2014/main" id="{FED85AAE-F5D4-14FA-08A8-7B3BABF372BB}"/>
+              </a:ext>
+            </a:extLst>
+          </p:cNvPr>
+          <p:cNvSpPr>
+            <a:spLocks noChangeAspect="1" noChangeArrowheads="1"/>
+          </p:cNvSpPr>
+          <p:nvPr/>
+        </p:nvSpPr>
+        <p:spPr bwMode="auto">
+          <a:xfrm>
+            <a:off x="6096000" y="3429000"/>
+            <a:ext cx="304800" cy="304800"/>
+          </a:xfrm>
+          <a:prstGeom prst="rect">
+            <a:avLst/>
+          </a:prstGeom>
+          <a:noFill/>
+          <a:extLst>
+            <a:ext uri="{909E8E84-426E-40DD-AFC4-6F175D3DCCD1}">
+              <a14:hiddenFill xmlns:a14="http://schemas.microsoft.com/office/drawing/2010/main">
+                <a:solidFill>
+                  <a:srgbClr val="FFFFFF"/>
+                </a:solidFill>
+              </a14:hiddenFill>
+            </a:ext>
+          </a:extLst>
+        </p:spPr>
+        <p:txBody>
+          <a:bodyPr vert="horz" wrap="square" lIns="91440" tIns="45720" rIns="91440" bIns="45720" numCol="1" anchor="t" anchorCtr="0" compatLnSpc="1">
+            <a:prstTxWarp prst="textNoShape">
+              <a:avLst/>
+            </a:prstTxWarp>
+          </a:bodyPr>
+          <a:lstStyle/>
+          <a:p>
+            <a:endParaRPr lang="en-US"/>
+          </a:p>
+        </p:txBody>
+      </p:sp>
+      <p:pic>
+        <p:nvPicPr>
+          <p:cNvPr id="13" name="Picture 12">
+            <a:extLst>
+              <a:ext uri="{FF2B5EF4-FFF2-40B4-BE49-F238E27FC236}">
+                <a16:creationId xmlns:a16="http://schemas.microsoft.com/office/drawing/2014/main" id="{436C1718-075F-426C-6757-419CCE0404D7}"/>
+              </a:ext>
+            </a:extLst>
+          </p:cNvPr>
+          <p:cNvPicPr>
+            <a:picLocks noChangeAspect="1"/>
+          </p:cNvPicPr>
+          <p:nvPr/>
+        </p:nvPicPr>
+        <p:blipFill>
+          <a:blip r:embed="rId3"/>
+          <a:stretch>
+            <a:fillRect/>
+          </a:stretch>
+        </p:blipFill>
+        <p:spPr>
+          <a:xfrm>
+            <a:off x="116305" y="1612716"/>
+            <a:ext cx="7772400" cy="4773757"/>
+          </a:xfrm>
+          <a:prstGeom prst="rect">
+            <a:avLst/>
+          </a:prstGeom>
+        </p:spPr>
+      </p:pic>
+      <p:sp>
+        <p:nvSpPr>
+          <p:cNvPr id="14" name="TextBox 13">
+            <a:extLst>
+              <a:ext uri="{FF2B5EF4-FFF2-40B4-BE49-F238E27FC236}">
+                <a16:creationId xmlns:a16="http://schemas.microsoft.com/office/drawing/2014/main" id="{9E5642B7-3484-F788-6FDD-9C3DC8AA1114}"/>
+              </a:ext>
+            </a:extLst>
+          </p:cNvPr>
+          <p:cNvSpPr txBox="1"/>
+          <p:nvPr/>
+        </p:nvSpPr>
+        <p:spPr>
+          <a:xfrm>
+            <a:off x="8461502" y="2106768"/>
+            <a:ext cx="3152274" cy="3785652"/>
+          </a:xfrm>
+          <a:prstGeom prst="rect">
+            <a:avLst/>
+          </a:prstGeom>
+          <a:noFill/>
+        </p:spPr>
+        <p:txBody>
+          <a:bodyPr wrap="square" rtlCol="0">
+            <a:spAutoFit/>
+          </a:bodyPr>
+          <a:lstStyle/>
+          <a:p>
+            <a:r>
+              <a:rPr lang="en-US" sz="2000" dirty="0"/>
+              <a:t>From this graph, we can see that the correlations between all numerical explanatory variables are very weak.</a:t>
+            </a:r>
+          </a:p>
+          <a:p>
+            <a:r>
+              <a:rPr lang="en-US" sz="2000" dirty="0"/>
+              <a:t>And according to the boxplots, the ratings tends to be</a:t>
+            </a:r>
+            <a:r>
+              <a:rPr lang="zh-CN" altLang="en-US" sz="2000" dirty="0"/>
+              <a:t> </a:t>
+            </a:r>
+            <a:r>
+              <a:rPr lang="en-US" altLang="zh-CN" sz="2000" dirty="0"/>
+              <a:t>influenced</a:t>
+            </a:r>
+            <a:r>
+              <a:rPr lang="zh-CN" altLang="en-US" sz="2000" dirty="0"/>
+              <a:t> </a:t>
+            </a:r>
+            <a:r>
+              <a:rPr lang="en-US" altLang="zh-CN" sz="2000" dirty="0"/>
+              <a:t>by length and budget, while t</a:t>
+            </a:r>
+            <a:r>
+              <a:rPr lang="en-GB" sz="2000" dirty="0"/>
+              <a:t>he influence of votes and years appear to be less pronounced.</a:t>
+            </a:r>
+            <a:r>
+              <a:rPr lang="en-US" sz="2000" dirty="0"/>
+              <a:t> </a:t>
+            </a:r>
+          </a:p>
+        </p:txBody>
+      </p:sp>
+    </p:spTree>
+    <p:extLst>
+      <p:ext uri="{BB962C8B-B14F-4D97-AF65-F5344CB8AC3E}">
+        <p14:creationId xmlns:p14="http://schemas.microsoft.com/office/powerpoint/2010/main" val="565379001"/>
+      </p:ext>
+    </p:extLst>
+  </p:cSld>
+  <p:clrMapOvr>
+    <a:masterClrMapping/>
+  </p:clrMapOvr>
+</p:sld>
+</file>
+
+<file path=ppt/slides/slide7.xml><?xml version="1.0" encoding="utf-8"?>
+<p:sld xmlns:a="http://schemas.openxmlformats.org/drawingml/2006/main" xmlns:r="http://schemas.openxmlformats.org/officeDocument/2006/relationships" xmlns:p="http://schemas.openxmlformats.org/presentationml/2006/main">
+  <p:cSld>
+    <p:spTree>
+      <p:nvGrpSpPr>
+        <p:cNvPr id="1" name=""/>
+        <p:cNvGrpSpPr/>
+        <p:nvPr/>
+      </p:nvGrpSpPr>
+      <p:grpSpPr>
+        <a:xfrm>
+          <a:off x="0" y="0"/>
+          <a:ext cx="0" cy="0"/>
+          <a:chOff x="0" y="0"/>
+          <a:chExt cx="0" cy="0"/>
+        </a:xfrm>
+      </p:grpSpPr>
+      <p:sp>
+        <p:nvSpPr>
+          <p:cNvPr id="2" name="Freeform 3">
+            <a:extLst>
+              <a:ext uri="{FF2B5EF4-FFF2-40B4-BE49-F238E27FC236}">
+                <a16:creationId xmlns:a16="http://schemas.microsoft.com/office/drawing/2014/main" id="{23D0B4E2-209C-0CC6-7768-213676DA5CBC}"/>
+              </a:ext>
+            </a:extLst>
+          </p:cNvPr>
+          <p:cNvSpPr/>
+          <p:nvPr/>
+        </p:nvSpPr>
+        <p:spPr>
+          <a:xfrm>
+            <a:off x="0" y="0"/>
+            <a:ext cx="12192000" cy="1046481"/>
+          </a:xfrm>
+          <a:custGeom>
+            <a:avLst/>
+            <a:gdLst>
+              <a:gd name="connsiteX0" fmla="*/ 0 w 9906000"/>
+              <a:gd name="connsiteY0" fmla="*/ 1380744 h 1380744"/>
+              <a:gd name="connsiteX1" fmla="*/ 9906000 w 9906000"/>
+              <a:gd name="connsiteY1" fmla="*/ 1380744 h 1380744"/>
+              <a:gd name="connsiteX2" fmla="*/ 9906000 w 9906000"/>
+              <a:gd name="connsiteY2" fmla="*/ 0 h 1380744"/>
+              <a:gd name="connsiteX3" fmla="*/ 0 w 9906000"/>
+              <a:gd name="connsiteY3" fmla="*/ 0 h 1380744"/>
+              <a:gd name="connsiteX4" fmla="*/ 0 w 9906000"/>
+              <a:gd name="connsiteY4" fmla="*/ 1380744 h 1380744"/>
+            </a:gdLst>
+            <a:ahLst/>
+            <a:cxnLst>
+              <a:cxn ang="0">
+                <a:pos x="connsiteX0" y="connsiteY0"/>
+              </a:cxn>
+              <a:cxn ang="1">
+                <a:pos x="connsiteX1" y="connsiteY1"/>
+              </a:cxn>
+              <a:cxn ang="2">
+                <a:pos x="connsiteX2" y="connsiteY2"/>
+              </a:cxn>
+              <a:cxn ang="3">
+                <a:pos x="connsiteX3" y="connsiteY3"/>
+              </a:cxn>
+              <a:cxn ang="4">
+                <a:pos x="connsiteX4" y="connsiteY4"/>
+              </a:cxn>
+            </a:cxnLst>
+            <a:rect l="l" t="t" r="r" b="b"/>
+            <a:pathLst>
+              <a:path w="9906000" h="1380744">
+                <a:moveTo>
+                  <a:pt x="0" y="1380744"/>
+                </a:moveTo>
+                <a:lnTo>
+                  <a:pt x="9906000" y="1380744"/>
+                </a:lnTo>
+                <a:lnTo>
+                  <a:pt x="9906000" y="0"/>
+                </a:lnTo>
+                <a:lnTo>
+                  <a:pt x="0" y="0"/>
+                </a:lnTo>
+                <a:lnTo>
+                  <a:pt x="0" y="1380744"/>
+                </a:lnTo>
+              </a:path>
+            </a:pathLst>
+          </a:custGeom>
+          <a:solidFill>
+            <a:srgbClr val="00355F"/>
+          </a:solidFill>
+          <a:ln w="12700">
+            <a:solidFill>
+              <a:srgbClr val="000000">
+                <a:alpha val="0"/>
+              </a:srgbClr>
+            </a:solidFill>
+            <a:prstDash val="solid"/>
+          </a:ln>
+        </p:spPr>
+        <p:style>
+          <a:lnRef idx="2">
+            <a:schemeClr val="accent1">
+              <a:shade val="50000"/>
+            </a:schemeClr>
+          </a:lnRef>
+          <a:fillRef idx="1">
+            <a:schemeClr val="accent1"/>
+          </a:fillRef>
+          <a:effectRef idx="0">
+            <a:schemeClr val="accent1"/>
+          </a:effectRef>
+          <a:fontRef idx="minor">
+            <a:schemeClr val="lt1"/>
+          </a:fontRef>
+        </p:style>
+        <p:txBody>
+          <a:bodyPr rtlCol="0" anchor="ctr"/>
+          <a:lstStyle/>
+          <a:p>
+            <a:pPr algn="ctr" defTabSz="843915" fontAlgn="auto">
+              <a:spcBef>
+                <a:spcPts val="0"/>
+              </a:spcBef>
+              <a:spcAft>
+                <a:spcPts val="0"/>
+              </a:spcAft>
+            </a:pPr>
+            <a:endParaRPr lang="zh-CN" altLang="en-US" sz="1660">
+              <a:solidFill>
+                <a:prstClr val="white"/>
+              </a:solidFill>
+              <a:latin typeface="Calibri" panose="020F0502020204030204"/>
+              <a:ea typeface="宋体" panose="02010600030101010101" pitchFamily="2" charset="-122"/>
+            </a:endParaRPr>
+          </a:p>
+        </p:txBody>
+      </p:sp>
+      <p:pic>
+        <p:nvPicPr>
+          <p:cNvPr id="3" name="Picture 1">
+            <a:extLst>
+              <a:ext uri="{FF2B5EF4-FFF2-40B4-BE49-F238E27FC236}">
+                <a16:creationId xmlns:a16="http://schemas.microsoft.com/office/drawing/2014/main" id="{314359CC-6898-E57F-5640-A9C00083CCAD}"/>
+              </a:ext>
+            </a:extLst>
+          </p:cNvPr>
+          <p:cNvPicPr>
+            <a:picLocks noChangeAspect="1"/>
+          </p:cNvPicPr>
+          <p:nvPr/>
+        </p:nvPicPr>
+        <p:blipFill rotWithShape="1">
+          <a:blip r:embed="rId2">
+            <a:extLst>
+              <a:ext uri="{28A0092B-C50C-407E-A947-70E740481C1C}">
+                <a14:useLocalDpi xmlns:a14="http://schemas.microsoft.com/office/drawing/2010/main" val="0"/>
+              </a:ext>
+            </a:extLst>
+          </a:blip>
+          <a:srcRect t="4889" r="73556" b="79852"/>
+          <a:stretch>
+            <a:fillRect/>
+          </a:stretch>
+        </p:blipFill>
+        <p:spPr>
+          <a:xfrm>
+            <a:off x="0" y="1"/>
+            <a:ext cx="2418080" cy="1046480"/>
+          </a:xfrm>
+          <a:prstGeom prst="rect">
+            <a:avLst/>
+          </a:prstGeom>
+        </p:spPr>
+      </p:pic>
+      <p:sp>
+        <p:nvSpPr>
+          <p:cNvPr id="4" name="TextBox 3">
+            <a:extLst>
+              <a:ext uri="{FF2B5EF4-FFF2-40B4-BE49-F238E27FC236}">
+                <a16:creationId xmlns:a16="http://schemas.microsoft.com/office/drawing/2014/main" id="{C80EFC80-0296-7453-E692-0EB2B0F22CED}"/>
+              </a:ext>
+            </a:extLst>
+          </p:cNvPr>
+          <p:cNvSpPr txBox="1"/>
+          <p:nvPr/>
+        </p:nvSpPr>
+        <p:spPr>
+          <a:xfrm>
+            <a:off x="472534" y="1197218"/>
+            <a:ext cx="11141242" cy="830997"/>
+          </a:xfrm>
+          <a:prstGeom prst="rect">
+            <a:avLst/>
+          </a:prstGeom>
+          <a:noFill/>
+        </p:spPr>
+        <p:txBody>
+          <a:bodyPr wrap="square" rtlCol="0">
+            <a:spAutoFit/>
+          </a:bodyPr>
+          <a:lstStyle/>
+          <a:p>
+            <a:r>
+              <a:rPr lang="en-US" sz="2400" b="1" dirty="0"/>
+              <a:t>Exploratory Analysis</a:t>
+            </a:r>
+          </a:p>
+          <a:p>
+            <a:endParaRPr lang="en-US" sz="2400" b="1" dirty="0"/>
+          </a:p>
+        </p:txBody>
+      </p:sp>
+      <p:sp>
+        <p:nvSpPr>
+          <p:cNvPr id="6" name="AutoShape 2">
+            <a:extLst>
+              <a:ext uri="{FF2B5EF4-FFF2-40B4-BE49-F238E27FC236}">
+                <a16:creationId xmlns:a16="http://schemas.microsoft.com/office/drawing/2014/main" id="{BF47818E-EF5B-D8EA-65F9-DBB24A962891}"/>
+              </a:ext>
+            </a:extLst>
+          </p:cNvPr>
+          <p:cNvSpPr>
+            <a:spLocks noChangeAspect="1" noChangeArrowheads="1"/>
+          </p:cNvSpPr>
+          <p:nvPr/>
+        </p:nvSpPr>
+        <p:spPr bwMode="auto">
+          <a:xfrm>
+            <a:off x="5943600" y="3276600"/>
+            <a:ext cx="304800" cy="304800"/>
+          </a:xfrm>
+          <a:prstGeom prst="rect">
+            <a:avLst/>
+          </a:prstGeom>
+          <a:noFill/>
+          <a:extLst>
+            <a:ext uri="{909E8E84-426E-40DD-AFC4-6F175D3DCCD1}">
+              <a14:hiddenFill xmlns:a14="http://schemas.microsoft.com/office/drawing/2010/main">
+                <a:solidFill>
+                  <a:srgbClr val="FFFFFF"/>
+                </a:solidFill>
+              </a14:hiddenFill>
+            </a:ext>
+          </a:extLst>
+        </p:spPr>
+        <p:txBody>
+          <a:bodyPr vert="horz" wrap="square" lIns="91440" tIns="45720" rIns="91440" bIns="45720" numCol="1" anchor="t" anchorCtr="0" compatLnSpc="1">
+            <a:prstTxWarp prst="textNoShape">
+              <a:avLst/>
+            </a:prstTxWarp>
+          </a:bodyPr>
+          <a:lstStyle/>
+          <a:p>
+            <a:endParaRPr lang="en-US"/>
+          </a:p>
+        </p:txBody>
+      </p:sp>
+      <p:sp>
+        <p:nvSpPr>
+          <p:cNvPr id="7" name="AutoShape 4">
+            <a:extLst>
+              <a:ext uri="{FF2B5EF4-FFF2-40B4-BE49-F238E27FC236}">
+                <a16:creationId xmlns:a16="http://schemas.microsoft.com/office/drawing/2014/main" id="{FED85AAE-F5D4-14FA-08A8-7B3BABF372BB}"/>
+              </a:ext>
+            </a:extLst>
+          </p:cNvPr>
+          <p:cNvSpPr>
+            <a:spLocks noChangeAspect="1" noChangeArrowheads="1"/>
+          </p:cNvSpPr>
+          <p:nvPr/>
+        </p:nvSpPr>
+        <p:spPr bwMode="auto">
+          <a:xfrm>
+            <a:off x="6096000" y="3429000"/>
+            <a:ext cx="304800" cy="304800"/>
+          </a:xfrm>
+          <a:prstGeom prst="rect">
+            <a:avLst/>
+          </a:prstGeom>
+          <a:noFill/>
+          <a:extLst>
+            <a:ext uri="{909E8E84-426E-40DD-AFC4-6F175D3DCCD1}">
+              <a14:hiddenFill xmlns:a14="http://schemas.microsoft.com/office/drawing/2010/main">
+                <a:solidFill>
+                  <a:srgbClr val="FFFFFF"/>
+                </a:solidFill>
+              </a14:hiddenFill>
+            </a:ext>
+          </a:extLst>
+        </p:spPr>
+        <p:txBody>
+          <a:bodyPr vert="horz" wrap="square" lIns="91440" tIns="45720" rIns="91440" bIns="45720" numCol="1" anchor="t" anchorCtr="0" compatLnSpc="1">
+            <a:prstTxWarp prst="textNoShape">
+              <a:avLst/>
+            </a:prstTxWarp>
+          </a:bodyPr>
+          <a:lstStyle/>
+          <a:p>
+            <a:endParaRPr lang="en-US"/>
+          </a:p>
+        </p:txBody>
+      </p:sp>
+      <p:pic>
+        <p:nvPicPr>
+          <p:cNvPr id="12" name="Picture 11">
+            <a:extLst>
+              <a:ext uri="{FF2B5EF4-FFF2-40B4-BE49-F238E27FC236}">
+                <a16:creationId xmlns:a16="http://schemas.microsoft.com/office/drawing/2014/main" id="{216276C9-4E85-7925-59C4-2CEA5E9A6836}"/>
+              </a:ext>
+            </a:extLst>
+          </p:cNvPr>
+          <p:cNvPicPr>
+            <a:picLocks noChangeAspect="1"/>
+          </p:cNvPicPr>
+          <p:nvPr/>
+        </p:nvPicPr>
+        <p:blipFill>
+          <a:blip r:embed="rId3"/>
+          <a:stretch>
+            <a:fillRect/>
+          </a:stretch>
+        </p:blipFill>
+        <p:spPr>
+          <a:xfrm>
+            <a:off x="6720129" y="1953051"/>
+            <a:ext cx="4893647" cy="2647098"/>
+          </a:xfrm>
+          <a:prstGeom prst="rect">
+            <a:avLst/>
+          </a:prstGeom>
+        </p:spPr>
+      </p:pic>
+      <p:pic>
+        <p:nvPicPr>
+          <p:cNvPr id="5" name="Picture 4">
+            <a:extLst>
+              <a:ext uri="{FF2B5EF4-FFF2-40B4-BE49-F238E27FC236}">
+                <a16:creationId xmlns:a16="http://schemas.microsoft.com/office/drawing/2014/main" id="{EFBFFAEB-0690-676C-B33F-27FDB72AB66B}"/>
+              </a:ext>
+            </a:extLst>
+          </p:cNvPr>
+          <p:cNvPicPr>
+            <a:picLocks noChangeAspect="1"/>
+          </p:cNvPicPr>
+          <p:nvPr/>
+        </p:nvPicPr>
+        <p:blipFill>
+          <a:blip r:embed="rId4"/>
+          <a:stretch>
+            <a:fillRect/>
+          </a:stretch>
+        </p:blipFill>
+        <p:spPr>
+          <a:xfrm>
+            <a:off x="478030" y="1627103"/>
+            <a:ext cx="5922770" cy="3701731"/>
+          </a:xfrm>
+          <a:prstGeom prst="rect">
+            <a:avLst/>
+          </a:prstGeom>
+        </p:spPr>
+      </p:pic>
+      <p:sp>
+        <p:nvSpPr>
+          <p:cNvPr id="8" name="TextBox 7">
+            <a:extLst>
+              <a:ext uri="{FF2B5EF4-FFF2-40B4-BE49-F238E27FC236}">
+                <a16:creationId xmlns:a16="http://schemas.microsoft.com/office/drawing/2014/main" id="{75C29282-608C-6905-C133-EAE6F66B5DD5}"/>
+              </a:ext>
+            </a:extLst>
+          </p:cNvPr>
+          <p:cNvSpPr txBox="1"/>
+          <p:nvPr/>
+        </p:nvSpPr>
+        <p:spPr>
+          <a:xfrm>
+            <a:off x="472534" y="5328834"/>
+            <a:ext cx="11402634" cy="646331"/>
+          </a:xfrm>
+          <a:prstGeom prst="rect">
+            <a:avLst/>
+          </a:prstGeom>
+          <a:noFill/>
+        </p:spPr>
+        <p:txBody>
+          <a:bodyPr wrap="square" rtlCol="0">
+            <a:spAutoFit/>
+          </a:bodyPr>
+          <a:lstStyle/>
+          <a:p>
+            <a:r>
+              <a:rPr lang="en-GB" b="0" i="0" dirty="0">
+                <a:solidFill>
+                  <a:srgbClr val="333333"/>
+                </a:solidFill>
+                <a:effectLst/>
+                <a:highlight>
+                  <a:srgbClr val="FFFFFF"/>
+                </a:highlight>
+                <a:latin typeface="Helvetica Neue" panose="02000503000000020004" pitchFamily="2" charset="0"/>
+              </a:rPr>
+              <a:t>The </a:t>
+            </a:r>
+            <a:r>
+              <a:rPr lang="en-GB" b="0" i="0" dirty="0" err="1">
+                <a:solidFill>
+                  <a:srgbClr val="333333"/>
+                </a:solidFill>
+                <a:effectLst/>
+                <a:highlight>
+                  <a:srgbClr val="FFFFFF"/>
+                </a:highlight>
+                <a:latin typeface="Helvetica Neue" panose="02000503000000020004" pitchFamily="2" charset="0"/>
+              </a:rPr>
+              <a:t>barplot</a:t>
+            </a:r>
+            <a:r>
+              <a:rPr lang="en-GB" b="0" i="0" dirty="0">
+                <a:solidFill>
+                  <a:srgbClr val="333333"/>
+                </a:solidFill>
+                <a:effectLst/>
+                <a:highlight>
+                  <a:srgbClr val="FFFFFF"/>
+                </a:highlight>
+                <a:latin typeface="Helvetica Neue" panose="02000503000000020004" pitchFamily="2" charset="0"/>
+              </a:rPr>
+              <a:t> and table above show the proportion of ratings in</a:t>
+            </a:r>
+            <a:r>
+              <a:rPr lang="zh-CN" altLang="en-US" b="0" i="0" dirty="0">
+                <a:solidFill>
+                  <a:srgbClr val="333333"/>
+                </a:solidFill>
+                <a:effectLst/>
+                <a:highlight>
+                  <a:srgbClr val="FFFFFF"/>
+                </a:highlight>
+                <a:latin typeface="Helvetica Neue" panose="02000503000000020004" pitchFamily="2" charset="0"/>
+              </a:rPr>
+              <a:t> </a:t>
+            </a:r>
+            <a:r>
+              <a:rPr lang="en-US" altLang="zh-CN" b="0" i="0" dirty="0">
+                <a:solidFill>
+                  <a:srgbClr val="333333"/>
+                </a:solidFill>
+                <a:effectLst/>
+                <a:highlight>
+                  <a:srgbClr val="FFFFFF"/>
+                </a:highlight>
+                <a:latin typeface="Helvetica Neue" panose="02000503000000020004" pitchFamily="2" charset="0"/>
+              </a:rPr>
+              <a:t>different genres. </a:t>
+            </a:r>
+            <a:r>
+              <a:rPr lang="en-GB" altLang="zh-CN" dirty="0">
+                <a:solidFill>
+                  <a:srgbClr val="333333"/>
+                </a:solidFill>
+                <a:highlight>
+                  <a:srgbClr val="FFFFFF"/>
+                </a:highlight>
+                <a:latin typeface="Helvetica Neue" panose="02000503000000020004" pitchFamily="2" charset="0"/>
+              </a:rPr>
+              <a:t>As we can see, the distribution of the proportion varies greatly across genres.</a:t>
+            </a:r>
+            <a:endParaRPr lang="en-US" dirty="0"/>
+          </a:p>
+        </p:txBody>
+      </p:sp>
+    </p:spTree>
+    <p:extLst>
+      <p:ext uri="{BB962C8B-B14F-4D97-AF65-F5344CB8AC3E}">
+        <p14:creationId xmlns:p14="http://schemas.microsoft.com/office/powerpoint/2010/main" val="1891155464"/>
       </p:ext>
     </p:extLst>
   </p:cSld>
@@ -3718,4 +8326,299 @@
     </a:ext>
   </a:extLst>
 </a:theme>
+</file>
+
+<file path=ppt/theme/theme2.xml><?xml version="1.0" encoding="utf-8"?>
+<a:theme xmlns:a="http://schemas.openxmlformats.org/drawingml/2006/main" name="Office Theme">
+  <a:themeElements>
+    <a:clrScheme name="Office">
+      <a:dk1>
+        <a:sysClr val="windowText" lastClr="000000"/>
+      </a:dk1>
+      <a:lt1>
+        <a:sysClr val="window" lastClr="FFFFFF"/>
+      </a:lt1>
+      <a:dk2>
+        <a:srgbClr val="44546A"/>
+      </a:dk2>
+      <a:lt2>
+        <a:srgbClr val="E7E6E6"/>
+      </a:lt2>
+      <a:accent1>
+        <a:srgbClr val="4472C4"/>
+      </a:accent1>
+      <a:accent2>
+        <a:srgbClr val="ED7D31"/>
+      </a:accent2>
+      <a:accent3>
+        <a:srgbClr val="A5A5A5"/>
+      </a:accent3>
+      <a:accent4>
+        <a:srgbClr val="FFC000"/>
+      </a:accent4>
+      <a:accent5>
+        <a:srgbClr val="5B9BD5"/>
+      </a:accent5>
+      <a:accent6>
+        <a:srgbClr val="70AD47"/>
+      </a:accent6>
+      <a:hlink>
+        <a:srgbClr val="0563C1"/>
+      </a:hlink>
+      <a:folHlink>
+        <a:srgbClr val="954F72"/>
+      </a:folHlink>
+    </a:clrScheme>
+    <a:fontScheme name="Office">
+      <a:majorFont>
+        <a:latin typeface="Calibri Light" panose="020F0302020204030204"/>
+        <a:ea typeface=""/>
+        <a:cs typeface=""/>
+        <a:font script="Jpan" typeface="游ゴシック Light"/>
+        <a:font script="Hang" typeface="맑은 고딕"/>
+        <a:font script="Hans" typeface="等线 Light"/>
+        <a:font script="Hant" typeface="新細明體"/>
+        <a:font script="Arab" typeface="Times New Roman"/>
+        <a:font script="Hebr" typeface="Times New Roman"/>
+        <a:font script="Thai" typeface="Angsana New"/>
+        <a:font script="Ethi" typeface="Nyala"/>
+        <a:font script="Beng" typeface="Vrinda"/>
+        <a:font script="Gujr" typeface="Shruti"/>
+        <a:font script="Khmr" typeface="MoolBoran"/>
+        <a:font script="Knda" typeface="Tunga"/>
+        <a:font script="Guru" typeface="Raavi"/>
+        <a:font script="Cans" typeface="Euphemia"/>
+        <a:font script="Cher" typeface="Plantagenet Cherokee"/>
+        <a:font script="Yiii" typeface="Microsoft Yi Baiti"/>
+        <a:font script="Tibt" typeface="Microsoft Himalaya"/>
+        <a:font script="Thaa" typeface="MV Boli"/>
+        <a:font script="Deva" typeface="Mangal"/>
+        <a:font script="Telu" typeface="Gautami"/>
+        <a:font script="Taml" typeface="Latha"/>
+        <a:font script="Syrc" typeface="Estrangelo Edessa"/>
+        <a:font script="Orya" typeface="Kalinga"/>
+        <a:font script="Mlym" typeface="Kartika"/>
+        <a:font script="Laoo" typeface="DokChampa"/>
+        <a:font script="Sinh" typeface="Iskoola Pota"/>
+        <a:font script="Mong" typeface="Mongolian Baiti"/>
+        <a:font script="Viet" typeface="Times New Roman"/>
+        <a:font script="Uigh" typeface="Microsoft Uighur"/>
+        <a:font script="Geor" typeface="Sylfaen"/>
+        <a:font script="Armn" typeface="Arial"/>
+        <a:font script="Bugi" typeface="Leelawadee UI"/>
+        <a:font script="Bopo" typeface="Microsoft JhengHei"/>
+        <a:font script="Java" typeface="Javanese Text"/>
+        <a:font script="Lisu" typeface="Segoe UI"/>
+        <a:font script="Mymr" typeface="Myanmar Text"/>
+        <a:font script="Nkoo" typeface="Ebrima"/>
+        <a:font script="Olck" typeface="Nirmala UI"/>
+        <a:font script="Osma" typeface="Ebrima"/>
+        <a:font script="Phag" typeface="Phagspa"/>
+        <a:font script="Syrn" typeface="Estrangelo Edessa"/>
+        <a:font script="Syrj" typeface="Estrangelo Edessa"/>
+        <a:font script="Syre" typeface="Estrangelo Edessa"/>
+        <a:font script="Sora" typeface="Nirmala UI"/>
+        <a:font script="Tale" typeface="Microsoft Tai Le"/>
+        <a:font script="Talu" typeface="Microsoft New Tai Lue"/>
+        <a:font script="Tfng" typeface="Ebrima"/>
+      </a:majorFont>
+      <a:minorFont>
+        <a:latin typeface="Calibri" panose="020F0502020204030204"/>
+        <a:ea typeface=""/>
+        <a:cs typeface=""/>
+        <a:font script="Jpan" typeface="游ゴシック"/>
+        <a:font script="Hang" typeface="맑은 고딕"/>
+        <a:font script="Hans" typeface="等线"/>
+        <a:font script="Hant" typeface="新細明體"/>
+        <a:font script="Arab" typeface="Arial"/>
+        <a:font script="Hebr" typeface="Arial"/>
+        <a:font script="Thai" typeface="Cordia New"/>
+        <a:font script="Ethi" typeface="Nyala"/>
+        <a:font script="Beng" typeface="Vrinda"/>
+        <a:font script="Gujr" typeface="Shruti"/>
+        <a:font script="Khmr" typeface="DaunPenh"/>
+        <a:font script="Knda" typeface="Tunga"/>
+        <a:font script="Guru" typeface="Raavi"/>
+        <a:font script="Cans" typeface="Euphemia"/>
+        <a:font script="Cher" typeface="Plantagenet Cherokee"/>
+        <a:font script="Yiii" typeface="Microsoft Yi Baiti"/>
+        <a:font script="Tibt" typeface="Microsoft Himalaya"/>
+        <a:font script="Thaa" typeface="MV Boli"/>
+        <a:font script="Deva" typeface="Mangal"/>
+        <a:font script="Telu" typeface="Gautami"/>
+        <a:font script="Taml" typeface="Latha"/>
+        <a:font script="Syrc" typeface="Estrangelo Edessa"/>
+        <a:font script="Orya" typeface="Kalinga"/>
+        <a:font script="Mlym" typeface="Kartika"/>
+        <a:font script="Laoo" typeface="DokChampa"/>
+        <a:font script="Sinh" typeface="Iskoola Pota"/>
+        <a:font script="Mong" typeface="Mongolian Baiti"/>
+        <a:font script="Viet" typeface="Arial"/>
+        <a:font script="Uigh" typeface="Microsoft Uighur"/>
+        <a:font script="Geor" typeface="Sylfaen"/>
+        <a:font script="Armn" typeface="Arial"/>
+        <a:font script="Bugi" typeface="Leelawadee UI"/>
+        <a:font script="Bopo" typeface="Microsoft JhengHei"/>
+        <a:font script="Java" typeface="Javanese Text"/>
+        <a:font script="Lisu" typeface="Segoe UI"/>
+        <a:font script="Mymr" typeface="Myanmar Text"/>
+        <a:font script="Nkoo" typeface="Ebrima"/>
+        <a:font script="Olck" typeface="Nirmala UI"/>
+        <a:font script="Osma" typeface="Ebrima"/>
+        <a:font script="Phag" typeface="Phagspa"/>
+        <a:font script="Syrn" typeface="Estrangelo Edessa"/>
+        <a:font script="Syrj" typeface="Estrangelo Edessa"/>
+        <a:font script="Syre" typeface="Estrangelo Edessa"/>
+        <a:font script="Sora" typeface="Nirmala UI"/>
+        <a:font script="Tale" typeface="Microsoft Tai Le"/>
+        <a:font script="Talu" typeface="Microsoft New Tai Lue"/>
+        <a:font script="Tfng" typeface="Ebrima"/>
+      </a:minorFont>
+    </a:fontScheme>
+    <a:fmtScheme name="Office">
+      <a:fillStyleLst>
+        <a:solidFill>
+          <a:schemeClr val="phClr"/>
+        </a:solidFill>
+        <a:gradFill rotWithShape="1">
+          <a:gsLst>
+            <a:gs pos="0">
+              <a:schemeClr val="phClr">
+                <a:lumMod val="110000"/>
+                <a:satMod val="105000"/>
+                <a:tint val="67000"/>
+              </a:schemeClr>
+            </a:gs>
+            <a:gs pos="50000">
+              <a:schemeClr val="phClr">
+                <a:lumMod val="105000"/>
+                <a:satMod val="103000"/>
+                <a:tint val="73000"/>
+              </a:schemeClr>
+            </a:gs>
+            <a:gs pos="100000">
+              <a:schemeClr val="phClr">
+                <a:lumMod val="105000"/>
+                <a:satMod val="109000"/>
+                <a:tint val="81000"/>
+              </a:schemeClr>
+            </a:gs>
+          </a:gsLst>
+          <a:lin ang="5400000" scaled="0"/>
+        </a:gradFill>
+        <a:gradFill rotWithShape="1">
+          <a:gsLst>
+            <a:gs pos="0">
+              <a:schemeClr val="phClr">
+                <a:satMod val="103000"/>
+                <a:lumMod val="102000"/>
+                <a:tint val="94000"/>
+              </a:schemeClr>
+            </a:gs>
+            <a:gs pos="50000">
+              <a:schemeClr val="phClr">
+                <a:satMod val="110000"/>
+                <a:lumMod val="100000"/>
+                <a:shade val="100000"/>
+              </a:schemeClr>
+            </a:gs>
+            <a:gs pos="100000">
+              <a:schemeClr val="phClr">
+                <a:lumMod val="99000"/>
+                <a:satMod val="120000"/>
+                <a:shade val="78000"/>
+              </a:schemeClr>
+            </a:gs>
+          </a:gsLst>
+          <a:lin ang="5400000" scaled="0"/>
+        </a:gradFill>
+      </a:fillStyleLst>
+      <a:lnStyleLst>
+        <a:ln w="6350" cap="flat" cmpd="sng" algn="ctr">
+          <a:solidFill>
+            <a:schemeClr val="phClr"/>
+          </a:solidFill>
+          <a:prstDash val="solid"/>
+          <a:miter lim="800000"/>
+        </a:ln>
+        <a:ln w="12700" cap="flat" cmpd="sng" algn="ctr">
+          <a:solidFill>
+            <a:schemeClr val="phClr"/>
+          </a:solidFill>
+          <a:prstDash val="solid"/>
+          <a:miter lim="800000"/>
+        </a:ln>
+        <a:ln w="19050" cap="flat" cmpd="sng" algn="ctr">
+          <a:solidFill>
+            <a:schemeClr val="phClr"/>
+          </a:solidFill>
+          <a:prstDash val="solid"/>
+          <a:miter lim="800000"/>
+        </a:ln>
+      </a:lnStyleLst>
+      <a:effectStyleLst>
+        <a:effectStyle>
+          <a:effectLst/>
+        </a:effectStyle>
+        <a:effectStyle>
+          <a:effectLst/>
+        </a:effectStyle>
+        <a:effectStyle>
+          <a:effectLst>
+            <a:outerShdw blurRad="57150" dist="19050" dir="5400000" algn="ctr" rotWithShape="0">
+              <a:srgbClr val="000000">
+                <a:alpha val="63000"/>
+              </a:srgbClr>
+            </a:outerShdw>
+          </a:effectLst>
+        </a:effectStyle>
+      </a:effectStyleLst>
+      <a:bgFillStyleLst>
+        <a:solidFill>
+          <a:schemeClr val="phClr"/>
+        </a:solidFill>
+        <a:solidFill>
+          <a:schemeClr val="phClr">
+            <a:tint val="95000"/>
+            <a:satMod val="170000"/>
+          </a:schemeClr>
+        </a:solidFill>
+        <a:gradFill rotWithShape="1">
+          <a:gsLst>
+            <a:gs pos="0">
+              <a:schemeClr val="phClr">
+                <a:tint val="93000"/>
+                <a:satMod val="150000"/>
+                <a:shade val="98000"/>
+                <a:lumMod val="102000"/>
+              </a:schemeClr>
+            </a:gs>
+            <a:gs pos="50000">
+              <a:schemeClr val="phClr">
+                <a:tint val="98000"/>
+                <a:satMod val="130000"/>
+                <a:shade val="90000"/>
+                <a:lumMod val="103000"/>
+              </a:schemeClr>
+            </a:gs>
+            <a:gs pos="100000">
+              <a:schemeClr val="phClr">
+                <a:shade val="63000"/>
+                <a:satMod val="120000"/>
+              </a:schemeClr>
+            </a:gs>
+          </a:gsLst>
+          <a:lin ang="5400000" scaled="0"/>
+        </a:gradFill>
+      </a:bgFillStyleLst>
+    </a:fmtScheme>
+  </a:themeElements>
+  <a:objectDefaults/>
+  <a:extraClrSchemeLst/>
+  <a:extLst>
+    <a:ext uri="{05A4C25C-085E-4340-85A3-A5531E510DB2}">
+      <thm15:themeFamily xmlns:thm15="http://schemas.microsoft.com/office/thememl/2012/main" name="Office Theme" id="{62F939B6-93AF-4DB8-9C6B-D6C7DFDC589F}" vid="{4A3C46E8-61CC-4603-A589-7422A47A8E4A}"/>
+    </a:ext>
+  </a:extLst>
+</a:theme>
 </file>